--- a/fall11/slidesF11/slides9m.pptx
+++ b/fall11/slidesF11/slides9m.pptx
@@ -5,10 +5,10 @@
     <p:sldMasterId id="2147483650" r:id="rId1"/>
   </p:sldMasterIdLst>
   <p:notesMasterIdLst>
-    <p:notesMasterId r:id="rId34"/>
+    <p:notesMasterId r:id="rId36"/>
   </p:notesMasterIdLst>
   <p:handoutMasterIdLst>
-    <p:handoutMasterId r:id="rId35"/>
+    <p:handoutMasterId r:id="rId37"/>
   </p:handoutMasterIdLst>
   <p:sldIdLst>
     <p:sldId id="990" r:id="rId2"/>
@@ -20,34 +20,36 @@
     <p:sldId id="1021" r:id="rId8"/>
     <p:sldId id="1022" r:id="rId9"/>
     <p:sldId id="1023" r:id="rId10"/>
-    <p:sldId id="1024" r:id="rId11"/>
-    <p:sldId id="1025" r:id="rId12"/>
-    <p:sldId id="776" r:id="rId13"/>
-    <p:sldId id="986" r:id="rId14"/>
-    <p:sldId id="777" r:id="rId15"/>
-    <p:sldId id="778" r:id="rId16"/>
-    <p:sldId id="783" r:id="rId17"/>
-    <p:sldId id="798" r:id="rId18"/>
-    <p:sldId id="800" r:id="rId19"/>
-    <p:sldId id="801" r:id="rId20"/>
-    <p:sldId id="799" r:id="rId21"/>
-    <p:sldId id="1015" r:id="rId22"/>
-    <p:sldId id="1029" r:id="rId23"/>
-    <p:sldId id="1026" r:id="rId24"/>
-    <p:sldId id="1033" r:id="rId25"/>
-    <p:sldId id="1034" r:id="rId26"/>
-    <p:sldId id="1035" r:id="rId27"/>
-    <p:sldId id="1036" r:id="rId28"/>
-    <p:sldId id="1037" r:id="rId29"/>
-    <p:sldId id="1038" r:id="rId30"/>
-    <p:sldId id="1039" r:id="rId31"/>
-    <p:sldId id="1014" r:id="rId32"/>
-    <p:sldId id="988" r:id="rId33"/>
+    <p:sldId id="1041" r:id="rId11"/>
+    <p:sldId id="1024" r:id="rId12"/>
+    <p:sldId id="1025" r:id="rId13"/>
+    <p:sldId id="776" r:id="rId14"/>
+    <p:sldId id="986" r:id="rId15"/>
+    <p:sldId id="777" r:id="rId16"/>
+    <p:sldId id="778" r:id="rId17"/>
+    <p:sldId id="783" r:id="rId18"/>
+    <p:sldId id="798" r:id="rId19"/>
+    <p:sldId id="800" r:id="rId20"/>
+    <p:sldId id="801" r:id="rId21"/>
+    <p:sldId id="799" r:id="rId22"/>
+    <p:sldId id="1015" r:id="rId23"/>
+    <p:sldId id="1029" r:id="rId24"/>
+    <p:sldId id="1026" r:id="rId25"/>
+    <p:sldId id="1033" r:id="rId26"/>
+    <p:sldId id="1034" r:id="rId27"/>
+    <p:sldId id="1035" r:id="rId28"/>
+    <p:sldId id="1036" r:id="rId29"/>
+    <p:sldId id="1037" r:id="rId30"/>
+    <p:sldId id="1038" r:id="rId31"/>
+    <p:sldId id="1039" r:id="rId32"/>
+    <p:sldId id="1040" r:id="rId33"/>
+    <p:sldId id="1014" r:id="rId34"/>
+    <p:sldId id="988" r:id="rId35"/>
   </p:sldIdLst>
   <p:sldSz cx="9144000" cy="6858000" type="screen4x3"/>
   <p:notesSz cx="7315200" cy="9601200"/>
   <p:custDataLst>
-    <p:tags r:id="rId37"/>
+    <p:tags r:id="rId39"/>
   </p:custDataLst>
   <p:defaultTextStyle>
     <a:defPPr>
@@ -960,7 +962,7 @@
       </p:grpSpPr>
       <p:sp>
         <p:nvSpPr>
-          <p:cNvPr id="32770" name="Rectangle 7"/>
+          <p:cNvPr id="116738" name="Rectangle 7"/>
           <p:cNvSpPr>
             <a:spLocks noGrp="1" noChangeArrowheads="1"/>
           </p:cNvSpPr>
@@ -975,14 +977,14 @@
           <a:bodyPr/>
           <a:lstStyle/>
           <a:p>
-            <a:fld id="{D831173D-3A31-4B06-B60A-FCCBE2C82AC9}" type="slidenum">
-              <a:rPr lang="en-US" smtClean="0">
+            <a:fld id="{BED71AAD-DA34-46EF-AAAF-B4C0B8BDC4E7}" type="slidenum">
+              <a:rPr lang="zh-CN" altLang="en-US" smtClean="0">
                 <a:latin typeface="Times New Roman" pitchFamily="8" charset="0"/>
               </a:rPr>
               <a:pPr/>
               <a:t>11</a:t>
             </a:fld>
-            <a:endParaRPr lang="en-US" smtClean="0">
+            <a:endParaRPr lang="en-US" altLang="zh-CN" smtClean="0">
               <a:latin typeface="Times New Roman" pitchFamily="8" charset="0"/>
             </a:endParaRPr>
           </a:p>
@@ -990,7 +992,7 @@
       </p:sp>
       <p:sp>
         <p:nvSpPr>
-          <p:cNvPr id="32771" name="Rectangle 2"/>
+          <p:cNvPr id="116739" name="Rectangle 2"/>
           <p:cNvSpPr>
             <a:spLocks noGrp="1" noRot="1" noChangeAspect="1" noChangeArrowheads="1" noTextEdit="1"/>
           </p:cNvSpPr>
@@ -1008,7 +1010,7 @@
       </p:sp>
       <p:sp>
         <p:nvSpPr>
-          <p:cNvPr id="32772" name="Rectangle 3"/>
+          <p:cNvPr id="116740" name="Rectangle 3"/>
           <p:cNvSpPr>
             <a:spLocks noGrp="1" noChangeArrowheads="1"/>
           </p:cNvSpPr>
@@ -1025,7 +1027,7 @@
           <a:lstStyle/>
           <a:p>
             <a:pPr eaLnBrk="1" hangingPunct="1"/>
-            <a:endParaRPr lang="en-US" smtClean="0">
+            <a:endParaRPr lang="zh-CN" altLang="en-US" smtClean="0">
               <a:latin typeface="Times New Roman" pitchFamily="8" charset="0"/>
             </a:endParaRPr>
           </a:p>
@@ -1058,7 +1060,7 @@
       </p:grpSpPr>
       <p:sp>
         <p:nvSpPr>
-          <p:cNvPr id="117762" name="Rectangle 7"/>
+          <p:cNvPr id="32770" name="Rectangle 7"/>
           <p:cNvSpPr>
             <a:spLocks noGrp="1" noChangeArrowheads="1"/>
           </p:cNvSpPr>
@@ -1073,14 +1075,14 @@
           <a:bodyPr/>
           <a:lstStyle/>
           <a:p>
-            <a:fld id="{FD6D4B5C-EB4D-4066-86E8-454D9D26200A}" type="slidenum">
-              <a:rPr lang="zh-CN" altLang="en-US" smtClean="0">
+            <a:fld id="{D831173D-3A31-4B06-B60A-FCCBE2C82AC9}" type="slidenum">
+              <a:rPr lang="en-US" smtClean="0">
                 <a:latin typeface="Times New Roman" pitchFamily="8" charset="0"/>
               </a:rPr>
               <a:pPr/>
               <a:t>12</a:t>
             </a:fld>
-            <a:endParaRPr lang="en-US" altLang="zh-CN" smtClean="0">
+            <a:endParaRPr lang="en-US" smtClean="0">
               <a:latin typeface="Times New Roman" pitchFamily="8" charset="0"/>
             </a:endParaRPr>
           </a:p>
@@ -1088,7 +1090,7 @@
       </p:sp>
       <p:sp>
         <p:nvSpPr>
-          <p:cNvPr id="117763" name="Rectangle 2"/>
+          <p:cNvPr id="32771" name="Rectangle 2"/>
           <p:cNvSpPr>
             <a:spLocks noGrp="1" noRot="1" noChangeAspect="1" noChangeArrowheads="1" noTextEdit="1"/>
           </p:cNvSpPr>
@@ -1106,7 +1108,7 @@
       </p:sp>
       <p:sp>
         <p:nvSpPr>
-          <p:cNvPr id="117764" name="Rectangle 3"/>
+          <p:cNvPr id="32772" name="Rectangle 3"/>
           <p:cNvSpPr>
             <a:spLocks noGrp="1" noChangeArrowheads="1"/>
           </p:cNvSpPr>
@@ -1123,7 +1125,7 @@
           <a:lstStyle/>
           <a:p>
             <a:pPr eaLnBrk="1" hangingPunct="1"/>
-            <a:endParaRPr lang="zh-CN" altLang="en-US" smtClean="0">
+            <a:endParaRPr lang="en-US" smtClean="0">
               <a:latin typeface="Times New Roman" pitchFamily="8" charset="0"/>
             </a:endParaRPr>
           </a:p>
@@ -1254,7 +1256,7 @@
       </p:grpSpPr>
       <p:sp>
         <p:nvSpPr>
-          <p:cNvPr id="118786" name="Rectangle 7"/>
+          <p:cNvPr id="117762" name="Rectangle 7"/>
           <p:cNvSpPr>
             <a:spLocks noGrp="1" noChangeArrowheads="1"/>
           </p:cNvSpPr>
@@ -1269,7 +1271,7 @@
           <a:bodyPr/>
           <a:lstStyle/>
           <a:p>
-            <a:fld id="{055FEB13-A173-478C-BF44-EE7B23503F6B}" type="slidenum">
+            <a:fld id="{FD6D4B5C-EB4D-4066-86E8-454D9D26200A}" type="slidenum">
               <a:rPr lang="zh-CN" altLang="en-US" smtClean="0">
                 <a:latin typeface="Times New Roman" pitchFamily="8" charset="0"/>
               </a:rPr>
@@ -1284,7 +1286,7 @@
       </p:sp>
       <p:sp>
         <p:nvSpPr>
-          <p:cNvPr id="118787" name="Rectangle 2"/>
+          <p:cNvPr id="117763" name="Rectangle 2"/>
           <p:cNvSpPr>
             <a:spLocks noGrp="1" noRot="1" noChangeAspect="1" noChangeArrowheads="1" noTextEdit="1"/>
           </p:cNvSpPr>
@@ -1302,7 +1304,7 @@
       </p:sp>
       <p:sp>
         <p:nvSpPr>
-          <p:cNvPr id="118788" name="Rectangle 3"/>
+          <p:cNvPr id="117764" name="Rectangle 3"/>
           <p:cNvSpPr>
             <a:spLocks noGrp="1" noChangeArrowheads="1"/>
           </p:cNvSpPr>
@@ -1352,7 +1354,7 @@
       </p:grpSpPr>
       <p:sp>
         <p:nvSpPr>
-          <p:cNvPr id="119810" name="Rectangle 7"/>
+          <p:cNvPr id="118786" name="Rectangle 7"/>
           <p:cNvSpPr>
             <a:spLocks noGrp="1" noChangeArrowheads="1"/>
           </p:cNvSpPr>
@@ -1367,7 +1369,7 @@
           <a:bodyPr/>
           <a:lstStyle/>
           <a:p>
-            <a:fld id="{B5F5B48D-612D-413F-95AF-D6651EB2E19B}" type="slidenum">
+            <a:fld id="{055FEB13-A173-478C-BF44-EE7B23503F6B}" type="slidenum">
               <a:rPr lang="zh-CN" altLang="en-US" smtClean="0">
                 <a:latin typeface="Times New Roman" pitchFamily="8" charset="0"/>
               </a:rPr>
@@ -1382,7 +1384,7 @@
       </p:sp>
       <p:sp>
         <p:nvSpPr>
-          <p:cNvPr id="119811" name="Rectangle 2"/>
+          <p:cNvPr id="118787" name="Rectangle 2"/>
           <p:cNvSpPr>
             <a:spLocks noGrp="1" noRot="1" noChangeAspect="1" noChangeArrowheads="1" noTextEdit="1"/>
           </p:cNvSpPr>
@@ -1400,7 +1402,7 @@
       </p:sp>
       <p:sp>
         <p:nvSpPr>
-          <p:cNvPr id="119812" name="Rectangle 3"/>
+          <p:cNvPr id="118788" name="Rectangle 3"/>
           <p:cNvSpPr>
             <a:spLocks noGrp="1" noChangeArrowheads="1"/>
           </p:cNvSpPr>
@@ -1450,7 +1452,7 @@
       </p:grpSpPr>
       <p:sp>
         <p:nvSpPr>
-          <p:cNvPr id="120834" name="Rectangle 7"/>
+          <p:cNvPr id="119810" name="Rectangle 7"/>
           <p:cNvSpPr>
             <a:spLocks noGrp="1" noChangeArrowheads="1"/>
           </p:cNvSpPr>
@@ -1465,7 +1467,7 @@
           <a:bodyPr/>
           <a:lstStyle/>
           <a:p>
-            <a:fld id="{112F2809-B1AB-482D-9DCE-85994F7880D3}" type="slidenum">
+            <a:fld id="{B5F5B48D-612D-413F-95AF-D6651EB2E19B}" type="slidenum">
               <a:rPr lang="zh-CN" altLang="en-US" smtClean="0">
                 <a:latin typeface="Times New Roman" pitchFamily="8" charset="0"/>
               </a:rPr>
@@ -1480,7 +1482,7 @@
       </p:sp>
       <p:sp>
         <p:nvSpPr>
-          <p:cNvPr id="120835" name="Rectangle 2"/>
+          <p:cNvPr id="119811" name="Rectangle 2"/>
           <p:cNvSpPr>
             <a:spLocks noGrp="1" noRot="1" noChangeAspect="1" noChangeArrowheads="1" noTextEdit="1"/>
           </p:cNvSpPr>
@@ -1498,7 +1500,7 @@
       </p:sp>
       <p:sp>
         <p:nvSpPr>
-          <p:cNvPr id="120836" name="Rectangle 3"/>
+          <p:cNvPr id="119812" name="Rectangle 3"/>
           <p:cNvSpPr>
             <a:spLocks noGrp="1" noChangeArrowheads="1"/>
           </p:cNvSpPr>
@@ -1548,7 +1550,7 @@
       </p:grpSpPr>
       <p:sp>
         <p:nvSpPr>
-          <p:cNvPr id="121858" name="Rectangle 7"/>
+          <p:cNvPr id="120834" name="Rectangle 7"/>
           <p:cNvSpPr>
             <a:spLocks noGrp="1" noChangeArrowheads="1"/>
           </p:cNvSpPr>
@@ -1563,7 +1565,7 @@
           <a:bodyPr/>
           <a:lstStyle/>
           <a:p>
-            <a:fld id="{72611B8E-86D9-41EE-A9F1-E97653A4034B}" type="slidenum">
+            <a:fld id="{112F2809-B1AB-482D-9DCE-85994F7880D3}" type="slidenum">
               <a:rPr lang="zh-CN" altLang="en-US" smtClean="0">
                 <a:latin typeface="Times New Roman" pitchFamily="8" charset="0"/>
               </a:rPr>
@@ -1578,7 +1580,7 @@
       </p:sp>
       <p:sp>
         <p:nvSpPr>
-          <p:cNvPr id="121859" name="Rectangle 2"/>
+          <p:cNvPr id="120835" name="Rectangle 2"/>
           <p:cNvSpPr>
             <a:spLocks noGrp="1" noRot="1" noChangeAspect="1" noChangeArrowheads="1" noTextEdit="1"/>
           </p:cNvSpPr>
@@ -1596,7 +1598,7 @@
       </p:sp>
       <p:sp>
         <p:nvSpPr>
-          <p:cNvPr id="121860" name="Rectangle 3"/>
+          <p:cNvPr id="120836" name="Rectangle 3"/>
           <p:cNvSpPr>
             <a:spLocks noGrp="1" noChangeArrowheads="1"/>
           </p:cNvSpPr>
@@ -1646,7 +1648,7 @@
       </p:grpSpPr>
       <p:sp>
         <p:nvSpPr>
-          <p:cNvPr id="122882" name="Rectangle 7"/>
+          <p:cNvPr id="121858" name="Rectangle 7"/>
           <p:cNvSpPr>
             <a:spLocks noGrp="1" noChangeArrowheads="1"/>
           </p:cNvSpPr>
@@ -1661,7 +1663,7 @@
           <a:bodyPr/>
           <a:lstStyle/>
           <a:p>
-            <a:fld id="{F53BB1A8-89E7-4062-8AAE-1554677E8CFA}" type="slidenum">
+            <a:fld id="{72611B8E-86D9-41EE-A9F1-E97653A4034B}" type="slidenum">
               <a:rPr lang="zh-CN" altLang="en-US" smtClean="0">
                 <a:latin typeface="Times New Roman" pitchFamily="8" charset="0"/>
               </a:rPr>
@@ -1676,7 +1678,7 @@
       </p:sp>
       <p:sp>
         <p:nvSpPr>
-          <p:cNvPr id="122883" name="Rectangle 2"/>
+          <p:cNvPr id="121859" name="Rectangle 2"/>
           <p:cNvSpPr>
             <a:spLocks noGrp="1" noRot="1" noChangeAspect="1" noChangeArrowheads="1" noTextEdit="1"/>
           </p:cNvSpPr>
@@ -1694,7 +1696,7 @@
       </p:sp>
       <p:sp>
         <p:nvSpPr>
-          <p:cNvPr id="122884" name="Rectangle 3"/>
+          <p:cNvPr id="121860" name="Rectangle 3"/>
           <p:cNvSpPr>
             <a:spLocks noGrp="1" noChangeArrowheads="1"/>
           </p:cNvSpPr>
@@ -1744,7 +1746,7 @@
       </p:grpSpPr>
       <p:sp>
         <p:nvSpPr>
-          <p:cNvPr id="123906" name="Rectangle 7"/>
+          <p:cNvPr id="122882" name="Rectangle 7"/>
           <p:cNvSpPr>
             <a:spLocks noGrp="1" noChangeArrowheads="1"/>
           </p:cNvSpPr>
@@ -1759,7 +1761,7 @@
           <a:bodyPr/>
           <a:lstStyle/>
           <a:p>
-            <a:fld id="{78F90BE0-3654-434A-8F42-3E3CA2B45EBC}" type="slidenum">
+            <a:fld id="{F53BB1A8-89E7-4062-8AAE-1554677E8CFA}" type="slidenum">
               <a:rPr lang="zh-CN" altLang="en-US" smtClean="0">
                 <a:latin typeface="Times New Roman" pitchFamily="8" charset="0"/>
               </a:rPr>
@@ -1774,7 +1776,7 @@
       </p:sp>
       <p:sp>
         <p:nvSpPr>
-          <p:cNvPr id="123907" name="Rectangle 2"/>
+          <p:cNvPr id="122883" name="Rectangle 2"/>
           <p:cNvSpPr>
             <a:spLocks noGrp="1" noRot="1" noChangeAspect="1" noChangeArrowheads="1" noTextEdit="1"/>
           </p:cNvSpPr>
@@ -1792,7 +1794,7 @@
       </p:sp>
       <p:sp>
         <p:nvSpPr>
-          <p:cNvPr id="123908" name="Rectangle 3"/>
+          <p:cNvPr id="122884" name="Rectangle 3"/>
           <p:cNvSpPr>
             <a:spLocks noGrp="1" noChangeArrowheads="1"/>
           </p:cNvSpPr>
@@ -1842,7 +1844,7 @@
       </p:grpSpPr>
       <p:sp>
         <p:nvSpPr>
-          <p:cNvPr id="124930" name="Rectangle 7"/>
+          <p:cNvPr id="123906" name="Rectangle 7"/>
           <p:cNvSpPr>
             <a:spLocks noGrp="1" noChangeArrowheads="1"/>
           </p:cNvSpPr>
@@ -1857,7 +1859,7 @@
           <a:bodyPr/>
           <a:lstStyle/>
           <a:p>
-            <a:fld id="{1DE77B36-02C7-4122-B050-310670161D6E}" type="slidenum">
+            <a:fld id="{78F90BE0-3654-434A-8F42-3E3CA2B45EBC}" type="slidenum">
               <a:rPr lang="zh-CN" altLang="en-US" smtClean="0">
                 <a:latin typeface="Times New Roman" pitchFamily="8" charset="0"/>
               </a:rPr>
@@ -1872,7 +1874,7 @@
       </p:sp>
       <p:sp>
         <p:nvSpPr>
-          <p:cNvPr id="124931" name="Rectangle 2"/>
+          <p:cNvPr id="123907" name="Rectangle 2"/>
           <p:cNvSpPr>
             <a:spLocks noGrp="1" noRot="1" noChangeAspect="1" noChangeArrowheads="1" noTextEdit="1"/>
           </p:cNvSpPr>
@@ -1890,7 +1892,7 @@
       </p:sp>
       <p:sp>
         <p:nvSpPr>
-          <p:cNvPr id="124932" name="Rectangle 3"/>
+          <p:cNvPr id="123908" name="Rectangle 3"/>
           <p:cNvSpPr>
             <a:spLocks noGrp="1" noChangeArrowheads="1"/>
           </p:cNvSpPr>
@@ -2156,7 +2158,7 @@
                 <a:latin typeface="Times New Roman" pitchFamily="8" charset="0"/>
               </a:rPr>
               <a:pPr/>
-              <a:t>23</a:t>
+              <a:t>22</a:t>
             </a:fld>
             <a:endParaRPr lang="en-US" altLang="zh-CN" smtClean="0">
               <a:latin typeface="Times New Roman" pitchFamily="8" charset="0"/>
@@ -2920,7 +2922,7 @@
       </p:grpSpPr>
       <p:sp>
         <p:nvSpPr>
-          <p:cNvPr id="7" name="Rectangle 7"/>
+          <p:cNvPr id="124930" name="Rectangle 7"/>
           <p:cNvSpPr>
             <a:spLocks noGrp="1" noChangeArrowheads="1"/>
           </p:cNvSpPr>
@@ -2929,24 +2931,28 @@
           </p:nvPr>
         </p:nvSpPr>
         <p:spPr>
-          <a:ln/>
+          <a:noFill/>
         </p:spPr>
         <p:txBody>
           <a:bodyPr/>
           <a:lstStyle/>
           <a:p>
-            <a:fld id="{95C544F9-5295-4B65-BDA8-0C45EE7D8852}" type="slidenum">
-              <a:rPr lang="en-US"/>
+            <a:fld id="{1DE77B36-02C7-4122-B050-310670161D6E}" type="slidenum">
+              <a:rPr lang="zh-CN" altLang="en-US" smtClean="0">
+                <a:latin typeface="Times New Roman" pitchFamily="8" charset="0"/>
+              </a:rPr>
               <a:pPr/>
               <a:t>31</a:t>
             </a:fld>
-            <a:endParaRPr lang="en-US"/>
-          </a:p>
-        </p:txBody>
-      </p:sp>
-      <p:sp>
-        <p:nvSpPr>
-          <p:cNvPr id="616450" name="Rectangle 2"/>
+            <a:endParaRPr lang="en-US" altLang="zh-CN" smtClean="0">
+              <a:latin typeface="Times New Roman" pitchFamily="8" charset="0"/>
+            </a:endParaRPr>
+          </a:p>
+        </p:txBody>
+      </p:sp>
+      <p:sp>
+        <p:nvSpPr>
+          <p:cNvPr id="124931" name="Rectangle 2"/>
           <p:cNvSpPr>
             <a:spLocks noGrp="1" noRot="1" noChangeAspect="1" noChangeArrowheads="1" noTextEdit="1"/>
           </p:cNvSpPr>
@@ -2955,12 +2961,16 @@
           </p:nvPr>
         </p:nvSpPr>
         <p:spPr>
+          <a:xfrm>
+            <a:off x="1260475" y="720725"/>
+            <a:ext cx="4799013" cy="3600450"/>
+          </a:xfrm>
           <a:ln/>
         </p:spPr>
       </p:sp>
       <p:sp>
         <p:nvSpPr>
-          <p:cNvPr id="616451" name="Rectangle 3"/>
+          <p:cNvPr id="124932" name="Rectangle 3"/>
           <p:cNvSpPr>
             <a:spLocks noGrp="1" noChangeArrowheads="1"/>
           </p:cNvSpPr>
@@ -2968,12 +2978,18 @@
             <p:ph type="body" idx="1"/>
           </p:nvPr>
         </p:nvSpPr>
-        <p:spPr/>
+        <p:spPr>
+          <a:noFill/>
+          <a:ln/>
+        </p:spPr>
         <p:txBody>
           <a:bodyPr/>
           <a:lstStyle/>
           <a:p>
-            <a:endParaRPr lang="en-US"/>
+            <a:pPr eaLnBrk="1" hangingPunct="1"/>
+            <a:endParaRPr lang="zh-CN" altLang="en-US" smtClean="0">
+              <a:latin typeface="Times New Roman" pitchFamily="8" charset="0"/>
+            </a:endParaRPr>
           </a:p>
         </p:txBody>
       </p:sp>
@@ -3120,7 +3136,91 @@
             <a:fld id="{95C544F9-5295-4B65-BDA8-0C45EE7D8852}" type="slidenum">
               <a:rPr lang="en-US"/>
               <a:pPr/>
-              <a:t>32</a:t>
+              <a:t>33</a:t>
+            </a:fld>
+            <a:endParaRPr lang="en-US"/>
+          </a:p>
+        </p:txBody>
+      </p:sp>
+      <p:sp>
+        <p:nvSpPr>
+          <p:cNvPr id="616450" name="Rectangle 2"/>
+          <p:cNvSpPr>
+            <a:spLocks noGrp="1" noRot="1" noChangeAspect="1" noChangeArrowheads="1" noTextEdit="1"/>
+          </p:cNvSpPr>
+          <p:nvPr>
+            <p:ph type="sldImg"/>
+          </p:nvPr>
+        </p:nvSpPr>
+        <p:spPr>
+          <a:ln/>
+        </p:spPr>
+      </p:sp>
+      <p:sp>
+        <p:nvSpPr>
+          <p:cNvPr id="616451" name="Rectangle 3"/>
+          <p:cNvSpPr>
+            <a:spLocks noGrp="1" noChangeArrowheads="1"/>
+          </p:cNvSpPr>
+          <p:nvPr>
+            <p:ph type="body" idx="1"/>
+          </p:nvPr>
+        </p:nvSpPr>
+        <p:spPr/>
+        <p:txBody>
+          <a:bodyPr/>
+          <a:lstStyle/>
+          <a:p>
+            <a:endParaRPr lang="en-US"/>
+          </a:p>
+        </p:txBody>
+      </p:sp>
+    </p:spTree>
+  </p:cSld>
+  <p:clrMapOvr>
+    <a:masterClrMapping/>
+  </p:clrMapOvr>
+</p:notes>
+</file>
+
+<file path=ppt/notesSlides/notesSlide31.xml><?xml version="1.0" encoding="utf-8"?>
+<p:notes xmlns:a="http://schemas.openxmlformats.org/drawingml/2006/main" xmlns:r="http://schemas.openxmlformats.org/officeDocument/2006/relationships" xmlns:p="http://schemas.openxmlformats.org/presentationml/2006/main">
+  <p:cSld>
+    <p:spTree>
+      <p:nvGrpSpPr>
+        <p:cNvPr id="1" name=""/>
+        <p:cNvGrpSpPr/>
+        <p:nvPr/>
+      </p:nvGrpSpPr>
+      <p:grpSpPr>
+        <a:xfrm>
+          <a:off x="0" y="0"/>
+          <a:ext cx="0" cy="0"/>
+          <a:chOff x="0" y="0"/>
+          <a:chExt cx="0" cy="0"/>
+        </a:xfrm>
+      </p:grpSpPr>
+      <p:sp>
+        <p:nvSpPr>
+          <p:cNvPr id="7" name="Rectangle 7"/>
+          <p:cNvSpPr>
+            <a:spLocks noGrp="1" noChangeArrowheads="1"/>
+          </p:cNvSpPr>
+          <p:nvPr>
+            <p:ph type="sldNum" sz="quarter" idx="5"/>
+          </p:nvPr>
+        </p:nvSpPr>
+        <p:spPr>
+          <a:ln/>
+        </p:spPr>
+        <p:txBody>
+          <a:bodyPr/>
+          <a:lstStyle/>
+          <a:p>
+            <a:fld id="{95C544F9-5295-4B65-BDA8-0C45EE7D8852}" type="slidenum">
+              <a:rPr lang="en-US"/>
+              <a:pPr/>
+              <a:t>34</a:t>
             </a:fld>
             <a:endParaRPr lang="en-US"/>
           </a:p>
@@ -5604,6 +5704,1080 @@
       </p:grpSpPr>
       <p:sp>
         <p:nvSpPr>
+          <p:cNvPr id="58370" name="Rectangle 2"/>
+          <p:cNvSpPr>
+            <a:spLocks noGrp="1" noChangeArrowheads="1"/>
+          </p:cNvSpPr>
+          <p:nvPr>
+            <p:ph type="title"/>
+          </p:nvPr>
+        </p:nvSpPr>
+        <p:spPr/>
+        <p:txBody>
+          <a:bodyPr/>
+          <a:lstStyle/>
+          <a:p>
+            <a:pPr eaLnBrk="1" hangingPunct="1"/>
+            <a:r>
+              <a:rPr lang="en-US" altLang="zh-CN" sz="4800" dirty="0" smtClean="0">
+                <a:ea typeface="宋体" pitchFamily="2" charset="-122"/>
+              </a:rPr>
+              <a:t>Cycles in simple graphs</a:t>
+            </a:r>
+          </a:p>
+        </p:txBody>
+      </p:sp>
+      <p:sp>
+        <p:nvSpPr>
+          <p:cNvPr id="58371" name="Text Box 3"/>
+          <p:cNvSpPr txBox="1">
+            <a:spLocks noChangeArrowheads="1"/>
+          </p:cNvSpPr>
+          <p:nvPr/>
+        </p:nvSpPr>
+        <p:spPr bwMode="auto">
+          <a:xfrm>
+            <a:off x="1007190" y="932894"/>
+            <a:ext cx="7205819" cy="2123658"/>
+          </a:xfrm>
+          <a:prstGeom prst="rect">
+            <a:avLst/>
+          </a:prstGeom>
+          <a:noFill/>
+          <a:ln w="31750">
+            <a:noFill/>
+            <a:miter lim="800000"/>
+            <a:headEnd/>
+            <a:tailEnd type="none" w="lg" len="lg"/>
+          </a:ln>
+        </p:spPr>
+        <p:txBody>
+          <a:bodyPr wrap="none">
+            <a:spAutoFit/>
+          </a:bodyPr>
+          <a:lstStyle/>
+          <a:p>
+            <a:r>
+              <a:rPr lang="en-US" altLang="zh-CN" sz="4400" dirty="0">
+                <a:latin typeface="Comic Sans MS" pitchFamily="8" charset="0"/>
+                <a:ea typeface="宋体" pitchFamily="2" charset="-122"/>
+              </a:rPr>
+              <a:t>A</a:t>
+            </a:r>
+            <a:r>
+              <a:rPr lang="en-US" altLang="zh-CN" sz="4400" dirty="0" smtClean="0">
+                <a:latin typeface="Comic Sans MS" pitchFamily="8" charset="0"/>
+                <a:ea typeface="宋体" pitchFamily="2" charset="-122"/>
+              </a:rPr>
+              <a:t> </a:t>
+            </a:r>
+            <a:r>
+              <a:rPr lang="en-US" altLang="zh-CN" sz="4400" dirty="0" smtClean="0">
+                <a:solidFill>
+                  <a:srgbClr val="0033CC"/>
+                </a:solidFill>
+                <a:latin typeface="Comic Sans MS" pitchFamily="8" charset="0"/>
+                <a:ea typeface="宋体" pitchFamily="2" charset="-122"/>
+              </a:rPr>
+              <a:t>cycle</a:t>
+            </a:r>
+            <a:r>
+              <a:rPr lang="en-US" altLang="zh-CN" sz="4400" dirty="0" smtClean="0">
+                <a:latin typeface="Comic Sans MS" pitchFamily="8" charset="0"/>
+                <a:ea typeface="宋体" pitchFamily="2" charset="-122"/>
+              </a:rPr>
+              <a:t> </a:t>
+            </a:r>
+            <a:r>
+              <a:rPr lang="en-US" altLang="zh-CN" sz="4400" dirty="0">
+                <a:latin typeface="Comic Sans MS" pitchFamily="8" charset="0"/>
+                <a:ea typeface="宋体" pitchFamily="2" charset="-122"/>
+              </a:rPr>
+              <a:t>is a</a:t>
+            </a:r>
+            <a:r>
+              <a:rPr lang="en-US" altLang="zh-CN" sz="4400" dirty="0" smtClean="0">
+                <a:latin typeface="Comic Sans MS" pitchFamily="8" charset="0"/>
+                <a:ea typeface="宋体" pitchFamily="2" charset="-122"/>
+              </a:rPr>
+              <a:t> closed walk</a:t>
+            </a:r>
+          </a:p>
+          <a:p>
+            <a:r>
+              <a:rPr lang="en-US" altLang="zh-CN" sz="4400" dirty="0" smtClean="0">
+                <a:latin typeface="Comic Sans MS" pitchFamily="8" charset="0"/>
+                <a:ea typeface="宋体" pitchFamily="2" charset="-122"/>
+              </a:rPr>
+              <a:t>of </a:t>
+            </a:r>
+            <a:r>
+              <a:rPr lang="en-US" altLang="zh-CN" sz="4400" dirty="0" smtClean="0">
+                <a:solidFill>
+                  <a:srgbClr val="7030A0"/>
+                </a:solidFill>
+                <a:latin typeface="Comic Sans MS" pitchFamily="8" charset="0"/>
+                <a:ea typeface="宋体" pitchFamily="2" charset="-122"/>
+              </a:rPr>
+              <a:t>length</a:t>
+            </a:r>
+            <a:r>
+              <a:rPr lang="en-US" altLang="zh-CN" sz="4400" b="1" dirty="0" smtClean="0">
+                <a:solidFill>
+                  <a:srgbClr val="7030A0"/>
+                </a:solidFill>
+                <a:latin typeface="Comic Sans MS" pitchFamily="8" charset="0"/>
+                <a:ea typeface="宋体" pitchFamily="2" charset="-122"/>
+              </a:rPr>
+              <a:t> </a:t>
+            </a:r>
+            <a:r>
+              <a:rPr lang="en-US" altLang="zh-CN" sz="4400" b="1" dirty="0" smtClean="0">
+                <a:solidFill>
+                  <a:srgbClr val="7030A0"/>
+                </a:solidFill>
+                <a:latin typeface="Euclid Symbol" charset="2"/>
+                <a:ea typeface="宋体" pitchFamily="2" charset="-122"/>
+                <a:cs typeface="Euclid Symbol" charset="2"/>
+                <a:sym typeface="Euclid Symbol"/>
+              </a:rPr>
+              <a:t>&gt;</a:t>
+            </a:r>
+            <a:r>
+              <a:rPr lang="en-US" altLang="zh-CN" sz="4400" dirty="0" smtClean="0">
+                <a:solidFill>
+                  <a:srgbClr val="7030A0"/>
+                </a:solidFill>
+                <a:latin typeface="Comic Sans MS" pitchFamily="8" charset="0"/>
+                <a:ea typeface="宋体" pitchFamily="2" charset="-122"/>
+                <a:sym typeface="Euclid Symbol"/>
+              </a:rPr>
+              <a:t> </a:t>
+            </a:r>
+            <a:r>
+              <a:rPr lang="en-US" altLang="zh-CN" sz="4400" dirty="0" smtClean="0">
+                <a:solidFill>
+                  <a:srgbClr val="7030A0"/>
+                </a:solidFill>
+                <a:latin typeface="Comic Sans MS" pitchFamily="8" charset="0"/>
+                <a:ea typeface="宋体" pitchFamily="2" charset="-122"/>
+              </a:rPr>
+              <a:t>2 </a:t>
+            </a:r>
+            <a:r>
+              <a:rPr lang="en-US" altLang="zh-CN" sz="4400" dirty="0" smtClean="0">
+                <a:latin typeface="Comic Sans MS" pitchFamily="8" charset="0"/>
+                <a:ea typeface="宋体" pitchFamily="2" charset="-122"/>
+              </a:rPr>
+              <a:t>that doesn’t</a:t>
+            </a:r>
+          </a:p>
+          <a:p>
+            <a:r>
+              <a:rPr lang="en-US" altLang="zh-CN" sz="4400" dirty="0" smtClean="0">
+                <a:latin typeface="Comic Sans MS" pitchFamily="8" charset="0"/>
+                <a:ea typeface="宋体" pitchFamily="2" charset="-122"/>
+              </a:rPr>
+              <a:t>cross itself:</a:t>
+            </a:r>
+            <a:endParaRPr lang="en-US" altLang="zh-CN" sz="4400" dirty="0">
+              <a:latin typeface="Comic Sans MS" pitchFamily="8" charset="0"/>
+              <a:ea typeface="宋体" pitchFamily="2" charset="-122"/>
+            </a:endParaRPr>
+          </a:p>
+        </p:txBody>
+      </p:sp>
+      <p:sp>
+        <p:nvSpPr>
+          <p:cNvPr id="58378" name="Freeform 15"/>
+          <p:cNvSpPr>
+            <a:spLocks/>
+          </p:cNvSpPr>
+          <p:nvPr/>
+        </p:nvSpPr>
+        <p:spPr bwMode="auto">
+          <a:xfrm>
+            <a:off x="1753898" y="4422846"/>
+            <a:ext cx="3003550" cy="1430338"/>
+          </a:xfrm>
+          <a:custGeom>
+            <a:avLst/>
+            <a:gdLst>
+              <a:gd name="T0" fmla="*/ 207963 w 1892"/>
+              <a:gd name="T1" fmla="*/ 0 h 901"/>
+              <a:gd name="T2" fmla="*/ 233363 w 1892"/>
+              <a:gd name="T3" fmla="*/ 876300 h 901"/>
+              <a:gd name="T4" fmla="*/ 1604962 w 1892"/>
+              <a:gd name="T5" fmla="*/ 1409700 h 901"/>
+              <a:gd name="T6" fmla="*/ 2786063 w 1892"/>
+              <a:gd name="T7" fmla="*/ 1003300 h 901"/>
+              <a:gd name="T8" fmla="*/ 2913063 w 1892"/>
+              <a:gd name="T9" fmla="*/ 533400 h 901"/>
+              <a:gd name="T10" fmla="*/ 0 60000 65536"/>
+              <a:gd name="T11" fmla="*/ 0 60000 65536"/>
+              <a:gd name="T12" fmla="*/ 0 60000 65536"/>
+              <a:gd name="T13" fmla="*/ 0 60000 65536"/>
+              <a:gd name="T14" fmla="*/ 0 60000 65536"/>
+              <a:gd name="T15" fmla="*/ 0 w 1892"/>
+              <a:gd name="T16" fmla="*/ 0 h 901"/>
+              <a:gd name="T17" fmla="*/ 1892 w 1892"/>
+              <a:gd name="T18" fmla="*/ 901 h 901"/>
+            </a:gdLst>
+            <a:ahLst/>
+            <a:cxnLst>
+              <a:cxn ang="T10">
+                <a:pos x="T0" y="T1"/>
+              </a:cxn>
+              <a:cxn ang="T11">
+                <a:pos x="T2" y="T3"/>
+              </a:cxn>
+              <a:cxn ang="T12">
+                <a:pos x="T4" y="T5"/>
+              </a:cxn>
+              <a:cxn ang="T13">
+                <a:pos x="T6" y="T7"/>
+              </a:cxn>
+              <a:cxn ang="T14">
+                <a:pos x="T8" y="T9"/>
+              </a:cxn>
+            </a:cxnLst>
+            <a:rect l="T15" t="T16" r="T17" b="T18"/>
+            <a:pathLst>
+              <a:path w="1892" h="901">
+                <a:moveTo>
+                  <a:pt x="131" y="0"/>
+                </a:moveTo>
+                <a:cubicBezTo>
+                  <a:pt x="65" y="202"/>
+                  <a:pt x="0" y="404"/>
+                  <a:pt x="147" y="552"/>
+                </a:cubicBezTo>
+                <a:cubicBezTo>
+                  <a:pt x="294" y="700"/>
+                  <a:pt x="743" y="875"/>
+                  <a:pt x="1011" y="888"/>
+                </a:cubicBezTo>
+                <a:cubicBezTo>
+                  <a:pt x="1279" y="901"/>
+                  <a:pt x="1618" y="724"/>
+                  <a:pt x="1755" y="632"/>
+                </a:cubicBezTo>
+                <a:cubicBezTo>
+                  <a:pt x="1892" y="540"/>
+                  <a:pt x="1822" y="385"/>
+                  <a:pt x="1835" y="336"/>
+                </a:cubicBezTo>
+              </a:path>
+            </a:pathLst>
+          </a:custGeom>
+          <a:noFill/>
+          <a:ln w="38100" cap="rnd">
+            <a:solidFill>
+              <a:schemeClr val="accent1">
+                <a:lumMod val="50000"/>
+              </a:schemeClr>
+            </a:solidFill>
+            <a:prstDash val="dash"/>
+            <a:round/>
+            <a:headEnd/>
+            <a:tailEnd type="none" w="lg" len="lg"/>
+          </a:ln>
+        </p:spPr>
+        <p:txBody>
+          <a:bodyPr wrap="none" anchor="ctr"/>
+          <a:lstStyle/>
+          <a:p>
+            <a:endParaRPr lang="zh-CN" altLang="en-US">
+              <a:ea typeface="宋体" pitchFamily="2" charset="-122"/>
+            </a:endParaRPr>
+          </a:p>
+        </p:txBody>
+      </p:sp>
+      <p:sp>
+        <p:nvSpPr>
+          <p:cNvPr id="58379" name="Rectangle 11"/>
+          <p:cNvSpPr>
+            <a:spLocks noGrp="1" noChangeArrowheads="1"/>
+          </p:cNvSpPr>
+          <p:nvPr>
+            <p:ph type="sldNum" sz="quarter" idx="10"/>
+          </p:nvPr>
+        </p:nvSpPr>
+        <p:spPr>
+          <a:noFill/>
+        </p:spPr>
+        <p:txBody>
+          <a:bodyPr/>
+          <a:lstStyle/>
+          <a:p>
+            <a:r>
+              <a:rPr lang="en-US" dirty="0" err="1" smtClean="0"/>
+              <a:t>lec</a:t>
+            </a:r>
+            <a:r>
+              <a:rPr lang="en-US" dirty="0" smtClean="0"/>
+              <a:t> 8F.</a:t>
+            </a:r>
+            <a:fld id="{B8D01330-1CCD-420A-86D1-6B5E88908576}" type="slidenum">
+              <a:rPr lang="en-US" smtClean="0"/>
+              <a:pPr/>
+              <a:t>10</a:t>
+            </a:fld>
+            <a:endParaRPr lang="en-US" dirty="0" smtClean="0"/>
+          </a:p>
+        </p:txBody>
+      </p:sp>
+      <p:sp>
+        <p:nvSpPr>
+          <p:cNvPr id="15" name="Freeform 14"/>
+          <p:cNvSpPr/>
+          <p:nvPr/>
+        </p:nvSpPr>
+        <p:spPr bwMode="auto">
+          <a:xfrm>
+            <a:off x="2289520" y="3202122"/>
+            <a:ext cx="2304288" cy="975360"/>
+          </a:xfrm>
+          <a:custGeom>
+            <a:avLst/>
+            <a:gdLst>
+              <a:gd name="connsiteX0" fmla="*/ 2304288 w 2304288"/>
+              <a:gd name="connsiteY0" fmla="*/ 975360 h 975360"/>
+              <a:gd name="connsiteX1" fmla="*/ 2218944 w 2304288"/>
+              <a:gd name="connsiteY1" fmla="*/ 768096 h 975360"/>
+              <a:gd name="connsiteX2" fmla="*/ 2084832 w 2304288"/>
+              <a:gd name="connsiteY2" fmla="*/ 536448 h 975360"/>
+              <a:gd name="connsiteX3" fmla="*/ 1901952 w 2304288"/>
+              <a:gd name="connsiteY3" fmla="*/ 329184 h 975360"/>
+              <a:gd name="connsiteX4" fmla="*/ 1731264 w 2304288"/>
+              <a:gd name="connsiteY4" fmla="*/ 182880 h 975360"/>
+              <a:gd name="connsiteX5" fmla="*/ 1548384 w 2304288"/>
+              <a:gd name="connsiteY5" fmla="*/ 73152 h 975360"/>
+              <a:gd name="connsiteX6" fmla="*/ 1267968 w 2304288"/>
+              <a:gd name="connsiteY6" fmla="*/ 36576 h 975360"/>
+              <a:gd name="connsiteX7" fmla="*/ 975360 w 2304288"/>
+              <a:gd name="connsiteY7" fmla="*/ 0 h 975360"/>
+              <a:gd name="connsiteX8" fmla="*/ 646176 w 2304288"/>
+              <a:gd name="connsiteY8" fmla="*/ 48768 h 975360"/>
+              <a:gd name="connsiteX9" fmla="*/ 524256 w 2304288"/>
+              <a:gd name="connsiteY9" fmla="*/ 109728 h 975360"/>
+              <a:gd name="connsiteX10" fmla="*/ 329184 w 2304288"/>
+              <a:gd name="connsiteY10" fmla="*/ 231648 h 975360"/>
+              <a:gd name="connsiteX11" fmla="*/ 219456 w 2304288"/>
+              <a:gd name="connsiteY11" fmla="*/ 365760 h 975360"/>
+              <a:gd name="connsiteX12" fmla="*/ 85344 w 2304288"/>
+              <a:gd name="connsiteY12" fmla="*/ 573024 h 975360"/>
+              <a:gd name="connsiteX13" fmla="*/ 0 w 2304288"/>
+              <a:gd name="connsiteY13" fmla="*/ 682752 h 975360"/>
+            </a:gdLst>
+            <a:ahLst/>
+            <a:cxnLst>
+              <a:cxn ang="0">
+                <a:pos x="connsiteX0" y="connsiteY0"/>
+              </a:cxn>
+              <a:cxn ang="0">
+                <a:pos x="connsiteX1" y="connsiteY1"/>
+              </a:cxn>
+              <a:cxn ang="0">
+                <a:pos x="connsiteX2" y="connsiteY2"/>
+              </a:cxn>
+              <a:cxn ang="0">
+                <a:pos x="connsiteX3" y="connsiteY3"/>
+              </a:cxn>
+              <a:cxn ang="0">
+                <a:pos x="connsiteX4" y="connsiteY4"/>
+              </a:cxn>
+              <a:cxn ang="0">
+                <a:pos x="connsiteX5" y="connsiteY5"/>
+              </a:cxn>
+              <a:cxn ang="0">
+                <a:pos x="connsiteX6" y="connsiteY6"/>
+              </a:cxn>
+              <a:cxn ang="0">
+                <a:pos x="connsiteX7" y="connsiteY7"/>
+              </a:cxn>
+              <a:cxn ang="0">
+                <a:pos x="connsiteX8" y="connsiteY8"/>
+              </a:cxn>
+              <a:cxn ang="0">
+                <a:pos x="connsiteX9" y="connsiteY9"/>
+              </a:cxn>
+              <a:cxn ang="0">
+                <a:pos x="connsiteX10" y="connsiteY10"/>
+              </a:cxn>
+              <a:cxn ang="0">
+                <a:pos x="connsiteX11" y="connsiteY11"/>
+              </a:cxn>
+              <a:cxn ang="0">
+                <a:pos x="connsiteX12" y="connsiteY12"/>
+              </a:cxn>
+              <a:cxn ang="0">
+                <a:pos x="connsiteX13" y="connsiteY13"/>
+              </a:cxn>
+            </a:cxnLst>
+            <a:rect l="l" t="t" r="r" b="b"/>
+            <a:pathLst>
+              <a:path w="2304288" h="975360">
+                <a:moveTo>
+                  <a:pt x="2304288" y="975360"/>
+                </a:moveTo>
+                <a:cubicBezTo>
+                  <a:pt x="2217315" y="776565"/>
+                  <a:pt x="2218944" y="851263"/>
+                  <a:pt x="2218944" y="768096"/>
+                </a:cubicBezTo>
+                <a:cubicBezTo>
+                  <a:pt x="2103838" y="550673"/>
+                  <a:pt x="2164492" y="616108"/>
+                  <a:pt x="2084832" y="536448"/>
+                </a:cubicBezTo>
+                <a:lnTo>
+                  <a:pt x="1901952" y="329184"/>
+                </a:lnTo>
+                <a:lnTo>
+                  <a:pt x="1731264" y="182880"/>
+                </a:lnTo>
+                <a:lnTo>
+                  <a:pt x="1548384" y="73152"/>
+                </a:lnTo>
+                <a:lnTo>
+                  <a:pt x="1267968" y="36576"/>
+                </a:lnTo>
+                <a:lnTo>
+                  <a:pt x="975360" y="0"/>
+                </a:lnTo>
+                <a:lnTo>
+                  <a:pt x="646176" y="48768"/>
+                </a:lnTo>
+                <a:cubicBezTo>
+                  <a:pt x="520771" y="124011"/>
+                  <a:pt x="524256" y="169314"/>
+                  <a:pt x="524256" y="109728"/>
+                </a:cubicBezTo>
+                <a:lnTo>
+                  <a:pt x="329184" y="231648"/>
+                </a:lnTo>
+                <a:lnTo>
+                  <a:pt x="219456" y="365760"/>
+                </a:lnTo>
+                <a:lnTo>
+                  <a:pt x="85344" y="573024"/>
+                </a:lnTo>
+                <a:lnTo>
+                  <a:pt x="0" y="682752"/>
+                </a:lnTo>
+              </a:path>
+            </a:pathLst>
+          </a:custGeom>
+          <a:noFill/>
+          <a:ln w="38100" cap="flat" cmpd="sng" algn="ctr">
+            <a:solidFill>
+              <a:schemeClr val="accent1">
+                <a:lumMod val="50000"/>
+              </a:schemeClr>
+            </a:solidFill>
+            <a:prstDash val="dash"/>
+            <a:round/>
+            <a:headEnd type="none" w="med" len="med"/>
+            <a:tailEnd type="none" w="lg" len="lg"/>
+          </a:ln>
+          <a:effectLst/>
+        </p:spPr>
+        <p:txBody>
+          <a:bodyPr rtlCol="0" anchor="ctr"/>
+          <a:lstStyle/>
+          <a:p>
+            <a:pPr algn="ctr"/>
+            <a:endParaRPr lang="en-US"/>
+          </a:p>
+        </p:txBody>
+      </p:sp>
+      <p:grpSp>
+        <p:nvGrpSpPr>
+          <p:cNvPr id="20" name="Group 19"/>
+          <p:cNvGrpSpPr/>
+          <p:nvPr/>
+        </p:nvGrpSpPr>
+        <p:grpSpPr>
+          <a:xfrm>
+            <a:off x="1974560" y="3397321"/>
+            <a:ext cx="3141663" cy="2623808"/>
+            <a:chOff x="2794000" y="3182239"/>
+            <a:chExt cx="3141663" cy="2623808"/>
+          </a:xfrm>
+        </p:grpSpPr>
+        <p:sp>
+          <p:nvSpPr>
+            <p:cNvPr id="58373" name="Freeform 6"/>
+            <p:cNvSpPr>
+              <a:spLocks/>
+            </p:cNvSpPr>
+            <p:nvPr/>
+          </p:nvSpPr>
+          <p:spPr bwMode="auto">
+            <a:xfrm rot="-812617">
+              <a:off x="3035300" y="3182239"/>
+              <a:ext cx="2306638" cy="2052638"/>
+            </a:xfrm>
+            <a:custGeom>
+              <a:avLst/>
+              <a:gdLst>
+                <a:gd name="T0" fmla="*/ 133569109 w 1453"/>
+                <a:gd name="T1" fmla="*/ 1612900181 h 1293"/>
+                <a:gd name="T2" fmla="*/ 1444050550 w 1453"/>
+                <a:gd name="T3" fmla="*/ 161290028 h 1293"/>
+                <a:gd name="T4" fmla="*/ 2147483647 w 1453"/>
+                <a:gd name="T5" fmla="*/ 652721373 h 1293"/>
+                <a:gd name="T6" fmla="*/ 2147483647 w 1453"/>
+                <a:gd name="T7" fmla="*/ 2147483647 h 1293"/>
+                <a:gd name="T8" fmla="*/ 2018646503 w 1453"/>
+                <a:gd name="T9" fmla="*/ 2147483647 h 1293"/>
+                <a:gd name="T10" fmla="*/ 637600447 w 1453"/>
+                <a:gd name="T11" fmla="*/ 2147483647 h 1293"/>
+                <a:gd name="T12" fmla="*/ 133569109 w 1453"/>
+                <a:gd name="T13" fmla="*/ 1612900181 h 1293"/>
+                <a:gd name="T14" fmla="*/ 0 60000 65536"/>
+                <a:gd name="T15" fmla="*/ 0 60000 65536"/>
+                <a:gd name="T16" fmla="*/ 0 60000 65536"/>
+                <a:gd name="T17" fmla="*/ 0 60000 65536"/>
+                <a:gd name="T18" fmla="*/ 0 60000 65536"/>
+                <a:gd name="T19" fmla="*/ 0 60000 65536"/>
+                <a:gd name="T20" fmla="*/ 0 60000 65536"/>
+                <a:gd name="T21" fmla="*/ 0 w 1453"/>
+                <a:gd name="T22" fmla="*/ 0 h 1293"/>
+                <a:gd name="T23" fmla="*/ 1453 w 1453"/>
+                <a:gd name="T24" fmla="*/ 1293 h 1293"/>
+              </a:gdLst>
+              <a:ahLst/>
+              <a:cxnLst>
+                <a:cxn ang="T14">
+                  <a:pos x="T0" y="T1"/>
+                </a:cxn>
+                <a:cxn ang="T15">
+                  <a:pos x="T2" y="T3"/>
+                </a:cxn>
+                <a:cxn ang="T16">
+                  <a:pos x="T4" y="T5"/>
+                </a:cxn>
+                <a:cxn ang="T17">
+                  <a:pos x="T6" y="T7"/>
+                </a:cxn>
+                <a:cxn ang="T18">
+                  <a:pos x="T8" y="T9"/>
+                </a:cxn>
+                <a:cxn ang="T19">
+                  <a:pos x="T10" y="T11"/>
+                </a:cxn>
+                <a:cxn ang="T20">
+                  <a:pos x="T12" y="T13"/>
+                </a:cxn>
+              </a:cxnLst>
+              <a:rect l="T21" t="T22" r="T23" b="T24"/>
+              <a:pathLst>
+                <a:path w="1453" h="1293">
+                  <a:moveTo>
+                    <a:pt x="53" y="640"/>
+                  </a:moveTo>
+                  <a:cubicBezTo>
+                    <a:pt x="106" y="453"/>
+                    <a:pt x="391" y="128"/>
+                    <a:pt x="573" y="64"/>
+                  </a:cubicBezTo>
+                  <a:cubicBezTo>
+                    <a:pt x="755" y="0"/>
+                    <a:pt x="1008" y="113"/>
+                    <a:pt x="1145" y="259"/>
+                  </a:cubicBezTo>
+                  <a:cubicBezTo>
+                    <a:pt x="1282" y="405"/>
+                    <a:pt x="1453" y="776"/>
+                    <a:pt x="1396" y="942"/>
+                  </a:cubicBezTo>
+                  <a:cubicBezTo>
+                    <a:pt x="1339" y="1108"/>
+                    <a:pt x="991" y="1213"/>
+                    <a:pt x="801" y="1253"/>
+                  </a:cubicBezTo>
+                  <a:cubicBezTo>
+                    <a:pt x="611" y="1293"/>
+                    <a:pt x="379" y="1286"/>
+                    <a:pt x="253" y="1183"/>
+                  </a:cubicBezTo>
+                  <a:cubicBezTo>
+                    <a:pt x="127" y="1080"/>
+                    <a:pt x="0" y="827"/>
+                    <a:pt x="53" y="640"/>
+                  </a:cubicBezTo>
+                  <a:close/>
+                </a:path>
+              </a:pathLst>
+            </a:custGeom>
+            <a:noFill/>
+            <a:ln w="31750">
+              <a:solidFill>
+                <a:schemeClr val="tx1"/>
+              </a:solidFill>
+              <a:round/>
+              <a:headEnd/>
+              <a:tailEnd type="none" w="lg" len="lg"/>
+            </a:ln>
+          </p:spPr>
+          <p:txBody>
+            <a:bodyPr/>
+            <a:lstStyle/>
+            <a:p>
+              <a:endParaRPr lang="zh-CN" altLang="en-US">
+                <a:ea typeface="宋体" pitchFamily="2" charset="-122"/>
+              </a:endParaRPr>
+            </a:p>
+          </p:txBody>
+        </p:sp>
+        <p:grpSp>
+          <p:nvGrpSpPr>
+            <p:cNvPr id="19" name="Group 18"/>
+            <p:cNvGrpSpPr/>
+            <p:nvPr/>
+          </p:nvGrpSpPr>
+          <p:grpSpPr>
+            <a:xfrm>
+              <a:off x="2794000" y="3315589"/>
+              <a:ext cx="3141663" cy="2490458"/>
+              <a:chOff x="2794000" y="3315589"/>
+              <a:chExt cx="3141663" cy="2490458"/>
+            </a:xfrm>
+          </p:grpSpPr>
+          <p:grpSp>
+            <p:nvGrpSpPr>
+              <p:cNvPr id="18" name="Group 17"/>
+              <p:cNvGrpSpPr/>
+              <p:nvPr/>
+            </p:nvGrpSpPr>
+            <p:grpSpPr>
+              <a:xfrm>
+                <a:off x="2794000" y="3315589"/>
+                <a:ext cx="3141663" cy="2490458"/>
+                <a:chOff x="2794000" y="3315589"/>
+                <a:chExt cx="3141663" cy="2490458"/>
+              </a:xfrm>
+            </p:grpSpPr>
+            <p:grpSp>
+              <p:nvGrpSpPr>
+                <p:cNvPr id="2" name="Group 9"/>
+                <p:cNvGrpSpPr>
+                  <a:grpSpLocks/>
+                </p:cNvGrpSpPr>
+                <p:nvPr/>
+              </p:nvGrpSpPr>
+              <p:grpSpPr bwMode="auto">
+                <a:xfrm rot="-812617">
+                  <a:off x="2794000" y="3315589"/>
+                  <a:ext cx="2527300" cy="1306513"/>
+                  <a:chOff x="1955" y="2338"/>
+                  <a:chExt cx="1592" cy="823"/>
+                </a:xfrm>
+              </p:grpSpPr>
+              <p:sp>
+                <p:nvSpPr>
+                  <p:cNvPr id="58380" name="Text Box 10"/>
+                  <p:cNvSpPr txBox="1">
+                    <a:spLocks noChangeArrowheads="1"/>
+                  </p:cNvSpPr>
+                  <p:nvPr/>
+                </p:nvSpPr>
+                <p:spPr bwMode="auto">
+                  <a:xfrm rot="812617">
+                    <a:off x="1955" y="2338"/>
+                    <a:ext cx="272" cy="442"/>
+                  </a:xfrm>
+                  <a:prstGeom prst="rect">
+                    <a:avLst/>
+                  </a:prstGeom>
+                  <a:noFill/>
+                  <a:ln w="31750">
+                    <a:noFill/>
+                    <a:miter lim="800000"/>
+                    <a:headEnd/>
+                    <a:tailEnd type="none" w="lg" len="lg"/>
+                  </a:ln>
+                </p:spPr>
+                <p:txBody>
+                  <a:bodyPr wrap="none">
+                    <a:spAutoFit/>
+                  </a:bodyPr>
+                  <a:lstStyle/>
+                  <a:p>
+                    <a:r>
+                      <a:rPr lang="en-US" altLang="zh-CN" dirty="0">
+                        <a:latin typeface="Comic Sans MS" pitchFamily="8" charset="0"/>
+                        <a:ea typeface="宋体" pitchFamily="2" charset="-122"/>
+                      </a:rPr>
+                      <a:t>v</a:t>
+                    </a:r>
+                  </a:p>
+                </p:txBody>
+              </p:sp>
+              <p:sp>
+                <p:nvSpPr>
+                  <p:cNvPr id="58381" name="Oval 11"/>
+                  <p:cNvSpPr>
+                    <a:spLocks noChangeArrowheads="1"/>
+                  </p:cNvSpPr>
+                  <p:nvPr/>
+                </p:nvSpPr>
+                <p:spPr bwMode="auto">
+                  <a:xfrm>
+                    <a:off x="3440" y="3049"/>
+                    <a:ext cx="107" cy="112"/>
+                  </a:xfrm>
+                  <a:prstGeom prst="ellipse">
+                    <a:avLst/>
+                  </a:prstGeom>
+                  <a:solidFill>
+                    <a:schemeClr val="tx1"/>
+                  </a:solidFill>
+                  <a:ln w="19050">
+                    <a:noFill/>
+                    <a:round/>
+                    <a:headEnd/>
+                    <a:tailEnd type="none" w="lg" len="lg"/>
+                  </a:ln>
+                </p:spPr>
+                <p:txBody>
+                  <a:bodyPr wrap="none" anchor="ctr"/>
+                  <a:lstStyle/>
+                  <a:p>
+                    <a:endParaRPr lang="zh-CN" altLang="en-US">
+                      <a:ea typeface="宋体" pitchFamily="2" charset="-122"/>
+                    </a:endParaRPr>
+                  </a:p>
+                </p:txBody>
+              </p:sp>
+              <p:sp>
+                <p:nvSpPr>
+                  <p:cNvPr id="58382" name="Oval 12"/>
+                  <p:cNvSpPr>
+                    <a:spLocks noChangeArrowheads="1"/>
+                  </p:cNvSpPr>
+                  <p:nvPr/>
+                </p:nvSpPr>
+                <p:spPr bwMode="auto">
+                  <a:xfrm>
+                    <a:off x="2170" y="2634"/>
+                    <a:ext cx="107" cy="112"/>
+                  </a:xfrm>
+                  <a:prstGeom prst="ellipse">
+                    <a:avLst/>
+                  </a:prstGeom>
+                  <a:solidFill>
+                    <a:schemeClr val="tx1"/>
+                  </a:solidFill>
+                  <a:ln w="19050">
+                    <a:noFill/>
+                    <a:round/>
+                    <a:headEnd/>
+                    <a:tailEnd type="none" w="lg" len="lg"/>
+                  </a:ln>
+                </p:spPr>
+                <p:txBody>
+                  <a:bodyPr wrap="none" anchor="ctr"/>
+                  <a:lstStyle/>
+                  <a:p>
+                    <a:endParaRPr lang="zh-CN" altLang="en-US">
+                      <a:ea typeface="宋体" pitchFamily="2" charset="-122"/>
+                    </a:endParaRPr>
+                  </a:p>
+                </p:txBody>
+              </p:sp>
+            </p:grpSp>
+            <p:sp>
+              <p:nvSpPr>
+                <p:cNvPr id="58376" name="Text Box 19"/>
+                <p:cNvSpPr txBox="1">
+                  <a:spLocks noChangeArrowheads="1"/>
+                </p:cNvSpPr>
+                <p:nvPr/>
+              </p:nvSpPr>
+              <p:spPr bwMode="auto">
+                <a:xfrm>
+                  <a:off x="5403850" y="3836289"/>
+                  <a:ext cx="531813" cy="701675"/>
+                </a:xfrm>
+                <a:prstGeom prst="rect">
+                  <a:avLst/>
+                </a:prstGeom>
+                <a:noFill/>
+                <a:ln w="31750">
+                  <a:noFill/>
+                  <a:miter lim="800000"/>
+                  <a:headEnd/>
+                  <a:tailEnd type="none" w="lg" len="lg"/>
+                </a:ln>
+              </p:spPr>
+              <p:txBody>
+                <a:bodyPr wrap="none">
+                  <a:spAutoFit/>
+                </a:bodyPr>
+                <a:lstStyle/>
+                <a:p>
+                  <a:r>
+                    <a:rPr lang="en-US" altLang="zh-CN" dirty="0">
+                      <a:latin typeface="Comic Sans MS" pitchFamily="8" charset="0"/>
+                      <a:ea typeface="宋体" pitchFamily="2" charset="-122"/>
+                    </a:rPr>
+                    <a:t>w</a:t>
+                  </a:r>
+                </a:p>
+              </p:txBody>
+            </p:sp>
+            <p:sp>
+              <p:nvSpPr>
+                <p:cNvPr id="17" name="Text Box 19"/>
+                <p:cNvSpPr txBox="1">
+                  <a:spLocks noChangeArrowheads="1"/>
+                </p:cNvSpPr>
+                <p:nvPr/>
+              </p:nvSpPr>
+              <p:spPr bwMode="auto">
+                <a:xfrm>
+                  <a:off x="3629914" y="5098161"/>
+                  <a:ext cx="447558" cy="707886"/>
+                </a:xfrm>
+                <a:prstGeom prst="rect">
+                  <a:avLst/>
+                </a:prstGeom>
+                <a:noFill/>
+                <a:ln w="31750">
+                  <a:noFill/>
+                  <a:miter lim="800000"/>
+                  <a:headEnd/>
+                  <a:tailEnd type="none" w="lg" len="lg"/>
+                </a:ln>
+              </p:spPr>
+              <p:txBody>
+                <a:bodyPr wrap="none">
+                  <a:spAutoFit/>
+                </a:bodyPr>
+                <a:lstStyle/>
+                <a:p>
+                  <a:r>
+                    <a:rPr lang="en-US" altLang="zh-CN" dirty="0" smtClean="0">
+                      <a:latin typeface="Comic Sans MS" pitchFamily="8" charset="0"/>
+                      <a:ea typeface="宋体" pitchFamily="2" charset="-122"/>
+                    </a:rPr>
+                    <a:t>a</a:t>
+                  </a:r>
+                  <a:endParaRPr lang="en-US" altLang="zh-CN" dirty="0">
+                    <a:latin typeface="Comic Sans MS" pitchFamily="8" charset="0"/>
+                    <a:ea typeface="宋体" pitchFamily="2" charset="-122"/>
+                  </a:endParaRPr>
+                </a:p>
+              </p:txBody>
+            </p:sp>
+          </p:grpSp>
+          <p:sp>
+            <p:nvSpPr>
+              <p:cNvPr id="16" name="Oval 12"/>
+              <p:cNvSpPr>
+                <a:spLocks noChangeArrowheads="1"/>
+              </p:cNvSpPr>
+              <p:nvPr/>
+            </p:nvSpPr>
+            <p:spPr bwMode="auto">
+              <a:xfrm>
+                <a:off x="3745611" y="5126800"/>
+                <a:ext cx="169863" cy="177800"/>
+              </a:xfrm>
+              <a:prstGeom prst="ellipse">
+                <a:avLst/>
+              </a:prstGeom>
+              <a:solidFill>
+                <a:schemeClr val="tx1"/>
+              </a:solidFill>
+              <a:ln w="19050">
+                <a:noFill/>
+                <a:round/>
+                <a:headEnd/>
+                <a:tailEnd type="none" w="lg" len="lg"/>
+              </a:ln>
+            </p:spPr>
+            <p:txBody>
+              <a:bodyPr wrap="none" anchor="ctr"/>
+              <a:lstStyle/>
+              <a:p>
+                <a:endParaRPr lang="zh-CN" altLang="en-US">
+                  <a:ea typeface="宋体" pitchFamily="2" charset="-122"/>
+                </a:endParaRPr>
+              </a:p>
+            </p:txBody>
+          </p:sp>
+        </p:grpSp>
+      </p:grpSp>
+    </p:spTree>
+    <p:extLst>
+      <p:ext uri="{BB962C8B-B14F-4D97-AF65-F5344CB8AC3E}">
+        <p14:creationId xmlns:p14="http://schemas.microsoft.com/office/powerpoint/2010/main" val="4184010323"/>
+      </p:ext>
+    </p:extLst>
+  </p:cSld>
+  <p:clrMapOvr>
+    <a:masterClrMapping/>
+  </p:clrMapOvr>
+  <p:transition xmlns:p14="http://schemas.microsoft.com/office/powerpoint/2010/main" spd="med">
+    <p:fade thruBlk="1"/>
+  </p:transition>
+  <p:timing>
+    <p:tnLst>
+      <p:par>
+        <p:cTn xmlns:p14="http://schemas.microsoft.com/office/powerpoint/2010/main" id="1" dur="indefinite" restart="never" nodeType="tmRoot">
+          <p:childTnLst>
+            <p:seq concurrent="1" nextAc="seek">
+              <p:cTn id="2" dur="indefinite" nodeType="mainSeq">
+                <p:childTnLst>
+                  <p:par>
+                    <p:cTn id="3" fill="hold">
+                      <p:stCondLst>
+                        <p:cond delay="indefinite"/>
+                      </p:stCondLst>
+                      <p:childTnLst>
+                        <p:par>
+                          <p:cTn id="4" fill="hold">
+                            <p:stCondLst>
+                              <p:cond delay="0"/>
+                            </p:stCondLst>
+                            <p:childTnLst>
+                              <p:par>
+                                <p:cTn id="5" presetID="22" presetClass="entr" presetSubtype="8" fill="hold" grpId="0" nodeType="clickEffect">
+                                  <p:stCondLst>
+                                    <p:cond delay="0"/>
+                                  </p:stCondLst>
+                                  <p:childTnLst>
+                                    <p:set>
+                                      <p:cBhvr>
+                                        <p:cTn id="6" dur="1" fill="hold">
+                                          <p:stCondLst>
+                                            <p:cond delay="0"/>
+                                          </p:stCondLst>
+                                        </p:cTn>
+                                        <p:tgtEl>
+                                          <p:spTgt spid="58378"/>
+                                        </p:tgtEl>
+                                        <p:attrNameLst>
+                                          <p:attrName>style.visibility</p:attrName>
+                                        </p:attrNameLst>
+                                      </p:cBhvr>
+                                      <p:to>
+                                        <p:strVal val="visible"/>
+                                      </p:to>
+                                    </p:set>
+                                    <p:animEffect transition="in" filter="wipe(left)">
+                                      <p:cBhvr>
+                                        <p:cTn id="7" dur="500"/>
+                                        <p:tgtEl>
+                                          <p:spTgt spid="58378"/>
+                                        </p:tgtEl>
+                                      </p:cBhvr>
+                                    </p:animEffect>
+                                  </p:childTnLst>
+                                </p:cTn>
+                              </p:par>
+                            </p:childTnLst>
+                          </p:cTn>
+                        </p:par>
+                        <p:par>
+                          <p:cTn id="8" fill="hold">
+                            <p:stCondLst>
+                              <p:cond delay="500"/>
+                            </p:stCondLst>
+                            <p:childTnLst>
+                              <p:par>
+                                <p:cTn id="9" presetID="22" presetClass="entr" presetSubtype="2" fill="hold" grpId="0" nodeType="afterEffect">
+                                  <p:stCondLst>
+                                    <p:cond delay="0"/>
+                                  </p:stCondLst>
+                                  <p:childTnLst>
+                                    <p:set>
+                                      <p:cBhvr>
+                                        <p:cTn id="10" dur="1" fill="hold">
+                                          <p:stCondLst>
+                                            <p:cond delay="0"/>
+                                          </p:stCondLst>
+                                        </p:cTn>
+                                        <p:tgtEl>
+                                          <p:spTgt spid="15"/>
+                                        </p:tgtEl>
+                                        <p:attrNameLst>
+                                          <p:attrName>style.visibility</p:attrName>
+                                        </p:attrNameLst>
+                                      </p:cBhvr>
+                                      <p:to>
+                                        <p:strVal val="visible"/>
+                                      </p:to>
+                                    </p:set>
+                                    <p:animEffect transition="in" filter="wipe(right)">
+                                      <p:cBhvr>
+                                        <p:cTn id="11" dur="500"/>
+                                        <p:tgtEl>
+                                          <p:spTgt spid="15"/>
+                                        </p:tgtEl>
+                                      </p:cBhvr>
+                                    </p:animEffect>
+                                  </p:childTnLst>
+                                </p:cTn>
+                              </p:par>
+                            </p:childTnLst>
+                          </p:cTn>
+                        </p:par>
+                      </p:childTnLst>
+                    </p:cTn>
+                  </p:par>
+                </p:childTnLst>
+              </p:cTn>
+              <p:prevCondLst>
+                <p:cond evt="onPrev" delay="0">
+                  <p:tgtEl>
+                    <p:sldTgt/>
+                  </p:tgtEl>
+                </p:cond>
+              </p:prevCondLst>
+              <p:nextCondLst>
+                <p:cond evt="onNext" delay="0">
+                  <p:tgtEl>
+                    <p:sldTgt/>
+                  </p:tgtEl>
+                </p:cond>
+              </p:nextCondLst>
+            </p:seq>
+          </p:childTnLst>
+        </p:cTn>
+      </p:par>
+    </p:tnLst>
+    <p:bldLst>
+      <p:bldP spid="58378" grpId="0" animBg="1"/>
+      <p:bldP spid="15" grpId="0" animBg="1"/>
+    </p:bldLst>
+  </p:timing>
+</p:sld>
+</file>
+
+<file path=ppt/slides/slide11.xml><?xml version="1.0" encoding="utf-8"?>
+<p:sld xmlns:a="http://schemas.openxmlformats.org/drawingml/2006/main" xmlns:r="http://schemas.openxmlformats.org/officeDocument/2006/relationships" xmlns:p="http://schemas.openxmlformats.org/presentationml/2006/main">
+  <p:cSld>
+    <p:spTree>
+      <p:nvGrpSpPr>
+        <p:cNvPr id="1" name=""/>
+        <p:cNvGrpSpPr/>
+        <p:nvPr/>
+      </p:nvGrpSpPr>
+      <p:grpSpPr>
+        <a:xfrm>
+          <a:off x="0" y="0"/>
+          <a:ext cx="0" cy="0"/>
+          <a:chOff x="0" y="0"/>
+          <a:chExt cx="0" cy="0"/>
+        </a:xfrm>
+      </p:grpSpPr>
+      <p:sp>
+        <p:nvSpPr>
           <p:cNvPr id="58371" name="Text Box 3"/>
           <p:cNvSpPr txBox="1">
             <a:spLocks noChangeArrowheads="1"/>
@@ -5762,7 +6936,7 @@
             <a:fld id="{B8D01330-1CCD-420A-86D1-6B5E88908576}" type="slidenum">
               <a:rPr lang="en-US" smtClean="0"/>
               <a:pPr/>
-              <a:t>10</a:t>
+              <a:t>11</a:t>
             </a:fld>
             <a:endParaRPr lang="en-US" dirty="0" smtClean="0"/>
           </a:p>
@@ -6390,7 +7564,7 @@
 </p:sld>
 </file>
 
-<file path=ppt/slides/slide11.xml><?xml version="1.0" encoding="utf-8"?>
+<file path=ppt/slides/slide12.xml><?xml version="1.0" encoding="utf-8"?>
 <p:sld xmlns:a="http://schemas.openxmlformats.org/drawingml/2006/main" xmlns:r="http://schemas.openxmlformats.org/officeDocument/2006/relationships" xmlns:p="http://schemas.openxmlformats.org/presentationml/2006/main">
   <p:cSld>
     <p:spTree>
@@ -6556,7 +7730,7 @@
               <a:pPr>
                 <a:defRPr/>
               </a:pPr>
-              <a:t>11</a:t>
+              <a:t>12</a:t>
             </a:fld>
             <a:endParaRPr lang="en-US" dirty="0"/>
           </a:p>
@@ -6585,7 +7759,7 @@
 </p:sld>
 </file>
 
-<file path=ppt/slides/slide12.xml><?xml version="1.0" encoding="utf-8"?>
+<file path=ppt/slides/slide13.xml><?xml version="1.0" encoding="utf-8"?>
 <p:sld xmlns:a="http://schemas.openxmlformats.org/drawingml/2006/main" xmlns:r="http://schemas.openxmlformats.org/officeDocument/2006/relationships" xmlns:p="http://schemas.openxmlformats.org/presentationml/2006/main">
   <p:cSld>
     <p:spTree>
@@ -7120,7 +8294,7 @@
             <a:fld id="{94284E41-544E-443B-BF20-3F3016A53813}" type="slidenum">
               <a:rPr lang="en-US" smtClean="0"/>
               <a:pPr/>
-              <a:t>12</a:t>
+              <a:t>13</a:t>
             </a:fld>
             <a:endParaRPr lang="en-US" dirty="0"/>
           </a:p>
@@ -7299,7 +8473,7 @@
 </p:sld>
 </file>
 
-<file path=ppt/slides/slide13.xml><?xml version="1.0" encoding="utf-8"?>
+<file path=ppt/slides/slide14.xml><?xml version="1.0" encoding="utf-8"?>
 <p:sld xmlns:a="http://schemas.openxmlformats.org/drawingml/2006/main" xmlns:r="http://schemas.openxmlformats.org/officeDocument/2006/relationships" xmlns:p="http://schemas.openxmlformats.org/presentationml/2006/main">
   <p:cSld>
     <p:spTree>
@@ -7790,7 +8964,7 @@
             <a:fld id="{94284E41-544E-443B-BF20-3F3016A53813}" type="slidenum">
               <a:rPr lang="en-US" smtClean="0"/>
               <a:pPr/>
-              <a:t>13</a:t>
+              <a:t>14</a:t>
             </a:fld>
             <a:endParaRPr lang="en-US" dirty="0"/>
           </a:p>
@@ -8126,7 +9300,7 @@
 </p:sld>
 </file>
 
-<file path=ppt/slides/slide14.xml><?xml version="1.0" encoding="utf-8"?>
+<file path=ppt/slides/slide15.xml><?xml version="1.0" encoding="utf-8"?>
 <p:sld xmlns:a="http://schemas.openxmlformats.org/drawingml/2006/main" xmlns:r="http://schemas.openxmlformats.org/officeDocument/2006/relationships" xmlns:p="http://schemas.openxmlformats.org/presentationml/2006/main">
   <p:cSld>
     <p:spTree>
@@ -9370,7 +10544,7 @@
             <a:fld id="{86EAE78E-AE76-4F1B-881B-AA2344559BF4}" type="slidenum">
               <a:rPr lang="en-US" smtClean="0"/>
               <a:pPr/>
-              <a:t>14</a:t>
+              <a:t>15</a:t>
             </a:fld>
             <a:endParaRPr lang="en-US" dirty="0"/>
           </a:p>
@@ -9394,7 +10568,7 @@
 </p:sld>
 </file>
 
-<file path=ppt/slides/slide15.xml><?xml version="1.0" encoding="utf-8"?>
+<file path=ppt/slides/slide16.xml><?xml version="1.0" encoding="utf-8"?>
 <p:sld xmlns:a="http://schemas.openxmlformats.org/drawingml/2006/main" xmlns:r="http://schemas.openxmlformats.org/officeDocument/2006/relationships" xmlns:p="http://schemas.openxmlformats.org/presentationml/2006/main">
   <p:cSld>
     <p:spTree>
@@ -9622,7 +10796,7 @@
             <a:fld id="{C7424A53-C80F-4B5F-8DC5-4503ED6667F4}" type="slidenum">
               <a:rPr lang="en-US" smtClean="0"/>
               <a:pPr/>
-              <a:t>15</a:t>
+              <a:t>16</a:t>
             </a:fld>
             <a:endParaRPr lang="en-US" dirty="0"/>
           </a:p>
@@ -9798,7 +10972,7 @@
 </p:sld>
 </file>
 
-<file path=ppt/slides/slide16.xml><?xml version="1.0" encoding="utf-8"?>
+<file path=ppt/slides/slide17.xml><?xml version="1.0" encoding="utf-8"?>
 <p:sld xmlns:a="http://schemas.openxmlformats.org/drawingml/2006/main" xmlns:r="http://schemas.openxmlformats.org/officeDocument/2006/relationships" xmlns:p="http://schemas.openxmlformats.org/presentationml/2006/main">
   <p:cSld>
     <p:spTree>
@@ -10051,7 +11225,7 @@
             <a:fld id="{3389E3BE-44FC-45BE-86CD-72A24BB15DB6}" type="slidenum">
               <a:rPr lang="en-US" smtClean="0"/>
               <a:pPr/>
-              <a:t>16</a:t>
+              <a:t>17</a:t>
             </a:fld>
             <a:endParaRPr lang="en-US" dirty="0"/>
           </a:p>
@@ -10205,7 +11379,7 @@
 </p:sld>
 </file>
 
-<file path=ppt/slides/slide17.xml><?xml version="1.0" encoding="utf-8"?>
+<file path=ppt/slides/slide18.xml><?xml version="1.0" encoding="utf-8"?>
 <p:sld xmlns:a="http://schemas.openxmlformats.org/drawingml/2006/main" xmlns:r="http://schemas.openxmlformats.org/officeDocument/2006/relationships" xmlns:p="http://schemas.openxmlformats.org/presentationml/2006/main">
   <p:cSld>
     <p:spTree>
@@ -10987,782 +12161,6 @@
             <a:fld id="{81CBBCE2-D853-4305-A92E-B5A9F1BA618A}" type="slidenum">
               <a:rPr lang="en-US" smtClean="0"/>
               <a:pPr/>
-              <a:t>17</a:t>
-            </a:fld>
-            <a:endParaRPr lang="en-US" dirty="0"/>
-          </a:p>
-        </p:txBody>
-      </p:sp>
-    </p:spTree>
-  </p:cSld>
-  <p:clrMapOvr>
-    <a:masterClrMapping/>
-  </p:clrMapOvr>
-  <p:transition xmlns:p14="http://schemas.microsoft.com/office/powerpoint/2010/main">
-    <p:fade/>
-  </p:transition>
-  <p:timing>
-    <p:tnLst>
-      <p:par>
-        <p:cTn xmlns:p14="http://schemas.microsoft.com/office/powerpoint/2010/main" id="1" dur="indefinite" restart="never" nodeType="tmRoot"/>
-      </p:par>
-    </p:tnLst>
-  </p:timing>
-</p:sld>
-</file>
-
-<file path=ppt/slides/slide18.xml><?xml version="1.0" encoding="utf-8"?>
-<p:sld xmlns:a="http://schemas.openxmlformats.org/drawingml/2006/main" xmlns:r="http://schemas.openxmlformats.org/officeDocument/2006/relationships" xmlns:p="http://schemas.openxmlformats.org/presentationml/2006/main">
-  <p:cSld>
-    <p:spTree>
-      <p:nvGrpSpPr>
-        <p:cNvPr id="1" name=""/>
-        <p:cNvGrpSpPr/>
-        <p:nvPr/>
-      </p:nvGrpSpPr>
-      <p:grpSpPr>
-        <a:xfrm>
-          <a:off x="0" y="0"/>
-          <a:ext cx="0" cy="0"/>
-          <a:chOff x="0" y="0"/>
-          <a:chExt cx="0" cy="0"/>
-        </a:xfrm>
-      </p:grpSpPr>
-      <p:sp>
-        <p:nvSpPr>
-          <p:cNvPr id="64514" name="Rectangle 2"/>
-          <p:cNvSpPr>
-            <a:spLocks noGrp="1" noChangeArrowheads="1"/>
-          </p:cNvSpPr>
-          <p:nvPr>
-            <p:ph type="title"/>
-          </p:nvPr>
-        </p:nvSpPr>
-        <p:spPr/>
-        <p:txBody>
-          <a:bodyPr/>
-          <a:lstStyle/>
-          <a:p>
-            <a:pPr eaLnBrk="1" hangingPunct="1"/>
-            <a:r>
-              <a:rPr lang="en-US" altLang="zh-CN" sz="4400" dirty="0" smtClean="0">
-                <a:ea typeface="宋体" pitchFamily="2" charset="-122"/>
-              </a:rPr>
-              <a:t>Spanning Trees</a:t>
-            </a:r>
-          </a:p>
-        </p:txBody>
-      </p:sp>
-      <p:sp>
-        <p:nvSpPr>
-          <p:cNvPr id="64515" name="Oval 3"/>
-          <p:cNvSpPr>
-            <a:spLocks noChangeArrowheads="1"/>
-          </p:cNvSpPr>
-          <p:nvPr/>
-        </p:nvSpPr>
-        <p:spPr bwMode="auto">
-          <a:xfrm>
-            <a:off x="1866900" y="2133600"/>
-            <a:ext cx="276225" cy="276225"/>
-          </a:xfrm>
-          <a:prstGeom prst="ellipse">
-            <a:avLst/>
-          </a:prstGeom>
-          <a:solidFill>
-            <a:srgbClr val="0066FF"/>
-          </a:solidFill>
-          <a:ln w="9525">
-            <a:solidFill>
-              <a:schemeClr val="tx1"/>
-            </a:solidFill>
-            <a:round/>
-            <a:headEnd/>
-            <a:tailEnd type="none" w="lg" len="lg"/>
-          </a:ln>
-        </p:spPr>
-        <p:txBody>
-          <a:bodyPr wrap="none" anchor="ctr"/>
-          <a:lstStyle/>
-          <a:p>
-            <a:endParaRPr lang="zh-CN" altLang="en-US">
-              <a:ea typeface="宋体" pitchFamily="2" charset="-122"/>
-            </a:endParaRPr>
-          </a:p>
-        </p:txBody>
-      </p:sp>
-      <p:sp>
-        <p:nvSpPr>
-          <p:cNvPr id="64516" name="Oval 4"/>
-          <p:cNvSpPr>
-            <a:spLocks noChangeArrowheads="1"/>
-          </p:cNvSpPr>
-          <p:nvPr/>
-        </p:nvSpPr>
-        <p:spPr bwMode="auto">
-          <a:xfrm>
-            <a:off x="2835275" y="2938463"/>
-            <a:ext cx="276225" cy="276225"/>
-          </a:xfrm>
-          <a:prstGeom prst="ellipse">
-            <a:avLst/>
-          </a:prstGeom>
-          <a:solidFill>
-            <a:srgbClr val="0066FF"/>
-          </a:solidFill>
-          <a:ln w="9525">
-            <a:solidFill>
-              <a:schemeClr val="tx1"/>
-            </a:solidFill>
-            <a:round/>
-            <a:headEnd/>
-            <a:tailEnd type="none" w="lg" len="lg"/>
-          </a:ln>
-        </p:spPr>
-        <p:txBody>
-          <a:bodyPr wrap="none" anchor="ctr"/>
-          <a:lstStyle/>
-          <a:p>
-            <a:endParaRPr lang="zh-CN" altLang="en-US">
-              <a:ea typeface="宋体" pitchFamily="2" charset="-122"/>
-            </a:endParaRPr>
-          </a:p>
-        </p:txBody>
-      </p:sp>
-      <p:sp>
-        <p:nvSpPr>
-          <p:cNvPr id="64517" name="Oval 5"/>
-          <p:cNvSpPr>
-            <a:spLocks noChangeArrowheads="1"/>
-          </p:cNvSpPr>
-          <p:nvPr/>
-        </p:nvSpPr>
-        <p:spPr bwMode="auto">
-          <a:xfrm>
-            <a:off x="3941763" y="2133600"/>
-            <a:ext cx="276225" cy="276225"/>
-          </a:xfrm>
-          <a:prstGeom prst="ellipse">
-            <a:avLst/>
-          </a:prstGeom>
-          <a:solidFill>
-            <a:srgbClr val="0066FF"/>
-          </a:solidFill>
-          <a:ln w="9525">
-            <a:solidFill>
-              <a:schemeClr val="tx1"/>
-            </a:solidFill>
-            <a:round/>
-            <a:headEnd/>
-            <a:tailEnd type="none" w="lg" len="lg"/>
-          </a:ln>
-        </p:spPr>
-        <p:txBody>
-          <a:bodyPr wrap="none" anchor="ctr"/>
-          <a:lstStyle/>
-          <a:p>
-            <a:endParaRPr lang="zh-CN" altLang="en-US">
-              <a:ea typeface="宋体" pitchFamily="2" charset="-122"/>
-            </a:endParaRPr>
-          </a:p>
-        </p:txBody>
-      </p:sp>
-      <p:sp>
-        <p:nvSpPr>
-          <p:cNvPr id="64518" name="Oval 6"/>
-          <p:cNvSpPr>
-            <a:spLocks noChangeArrowheads="1"/>
-          </p:cNvSpPr>
-          <p:nvPr/>
-        </p:nvSpPr>
-        <p:spPr bwMode="auto">
-          <a:xfrm>
-            <a:off x="2835275" y="4044950"/>
-            <a:ext cx="276225" cy="276225"/>
-          </a:xfrm>
-          <a:prstGeom prst="ellipse">
-            <a:avLst/>
-          </a:prstGeom>
-          <a:solidFill>
-            <a:srgbClr val="0066FF"/>
-          </a:solidFill>
-          <a:ln w="9525">
-            <a:solidFill>
-              <a:schemeClr val="tx1"/>
-            </a:solidFill>
-            <a:round/>
-            <a:headEnd/>
-            <a:tailEnd type="none" w="lg" len="lg"/>
-          </a:ln>
-        </p:spPr>
-        <p:txBody>
-          <a:bodyPr wrap="none" anchor="ctr"/>
-          <a:lstStyle/>
-          <a:p>
-            <a:endParaRPr lang="zh-CN" altLang="en-US">
-              <a:ea typeface="宋体" pitchFamily="2" charset="-122"/>
-            </a:endParaRPr>
-          </a:p>
-        </p:txBody>
-      </p:sp>
-      <p:sp>
-        <p:nvSpPr>
-          <p:cNvPr id="64519" name="Oval 7"/>
-          <p:cNvSpPr>
-            <a:spLocks noChangeArrowheads="1"/>
-          </p:cNvSpPr>
-          <p:nvPr/>
-        </p:nvSpPr>
-        <p:spPr bwMode="auto">
-          <a:xfrm>
-            <a:off x="4632325" y="3359150"/>
-            <a:ext cx="277813" cy="276225"/>
-          </a:xfrm>
-          <a:prstGeom prst="ellipse">
-            <a:avLst/>
-          </a:prstGeom>
-          <a:solidFill>
-            <a:srgbClr val="0066FF"/>
-          </a:solidFill>
-          <a:ln w="9525">
-            <a:solidFill>
-              <a:schemeClr val="tx1"/>
-            </a:solidFill>
-            <a:round/>
-            <a:headEnd/>
-            <a:tailEnd type="none" w="lg" len="lg"/>
-          </a:ln>
-        </p:spPr>
-        <p:txBody>
-          <a:bodyPr wrap="none" anchor="ctr"/>
-          <a:lstStyle/>
-          <a:p>
-            <a:endParaRPr lang="zh-CN" altLang="en-US">
-              <a:ea typeface="宋体" pitchFamily="2" charset="-122"/>
-            </a:endParaRPr>
-          </a:p>
-        </p:txBody>
-      </p:sp>
-      <p:sp>
-        <p:nvSpPr>
-          <p:cNvPr id="64520" name="Oval 8"/>
-          <p:cNvSpPr>
-            <a:spLocks noChangeArrowheads="1"/>
-          </p:cNvSpPr>
-          <p:nvPr/>
-        </p:nvSpPr>
-        <p:spPr bwMode="auto">
-          <a:xfrm>
-            <a:off x="4079875" y="4044950"/>
-            <a:ext cx="276225" cy="276225"/>
-          </a:xfrm>
-          <a:prstGeom prst="ellipse">
-            <a:avLst/>
-          </a:prstGeom>
-          <a:solidFill>
-            <a:srgbClr val="0066FF"/>
-          </a:solidFill>
-          <a:ln w="9525">
-            <a:solidFill>
-              <a:schemeClr val="tx1"/>
-            </a:solidFill>
-            <a:round/>
-            <a:headEnd/>
-            <a:tailEnd type="none" w="lg" len="lg"/>
-          </a:ln>
-        </p:spPr>
-        <p:txBody>
-          <a:bodyPr wrap="none" anchor="ctr"/>
-          <a:lstStyle/>
-          <a:p>
-            <a:endParaRPr lang="zh-CN" altLang="en-US">
-              <a:ea typeface="宋体" pitchFamily="2" charset="-122"/>
-            </a:endParaRPr>
-          </a:p>
-        </p:txBody>
-      </p:sp>
-      <p:sp>
-        <p:nvSpPr>
-          <p:cNvPr id="64521" name="Oval 9"/>
-          <p:cNvSpPr>
-            <a:spLocks noChangeArrowheads="1"/>
-          </p:cNvSpPr>
-          <p:nvPr/>
-        </p:nvSpPr>
-        <p:spPr bwMode="auto">
-          <a:xfrm>
-            <a:off x="5505450" y="2133600"/>
-            <a:ext cx="276225" cy="276225"/>
-          </a:xfrm>
-          <a:prstGeom prst="ellipse">
-            <a:avLst/>
-          </a:prstGeom>
-          <a:solidFill>
-            <a:srgbClr val="0066FF"/>
-          </a:solidFill>
-          <a:ln w="9525">
-            <a:solidFill>
-              <a:schemeClr val="tx1"/>
-            </a:solidFill>
-            <a:round/>
-            <a:headEnd/>
-            <a:tailEnd type="none" w="lg" len="lg"/>
-          </a:ln>
-        </p:spPr>
-        <p:txBody>
-          <a:bodyPr wrap="none" anchor="ctr"/>
-          <a:lstStyle/>
-          <a:p>
-            <a:endParaRPr lang="zh-CN" altLang="en-US">
-              <a:ea typeface="宋体" pitchFamily="2" charset="-122"/>
-            </a:endParaRPr>
-          </a:p>
-        </p:txBody>
-      </p:sp>
-      <p:sp>
-        <p:nvSpPr>
-          <p:cNvPr id="64522" name="Oval 10"/>
-          <p:cNvSpPr>
-            <a:spLocks noChangeArrowheads="1"/>
-          </p:cNvSpPr>
-          <p:nvPr/>
-        </p:nvSpPr>
-        <p:spPr bwMode="auto">
-          <a:xfrm>
-            <a:off x="5503863" y="4044950"/>
-            <a:ext cx="276225" cy="276225"/>
-          </a:xfrm>
-          <a:prstGeom prst="ellipse">
-            <a:avLst/>
-          </a:prstGeom>
-          <a:solidFill>
-            <a:srgbClr val="0066FF"/>
-          </a:solidFill>
-          <a:ln w="9525">
-            <a:solidFill>
-              <a:schemeClr val="tx1"/>
-            </a:solidFill>
-            <a:round/>
-            <a:headEnd/>
-            <a:tailEnd type="none" w="lg" len="lg"/>
-          </a:ln>
-        </p:spPr>
-        <p:txBody>
-          <a:bodyPr wrap="none" anchor="ctr"/>
-          <a:lstStyle/>
-          <a:p>
-            <a:endParaRPr lang="zh-CN" altLang="en-US">
-              <a:ea typeface="宋体" pitchFamily="2" charset="-122"/>
-            </a:endParaRPr>
-          </a:p>
-        </p:txBody>
-      </p:sp>
-      <p:sp>
-        <p:nvSpPr>
-          <p:cNvPr id="64523" name="Oval 11"/>
-          <p:cNvSpPr>
-            <a:spLocks noChangeArrowheads="1"/>
-          </p:cNvSpPr>
-          <p:nvPr/>
-        </p:nvSpPr>
-        <p:spPr bwMode="auto">
-          <a:xfrm>
-            <a:off x="6977063" y="3359150"/>
-            <a:ext cx="276225" cy="276225"/>
-          </a:xfrm>
-          <a:prstGeom prst="ellipse">
-            <a:avLst/>
-          </a:prstGeom>
-          <a:solidFill>
-            <a:srgbClr val="0066FF"/>
-          </a:solidFill>
-          <a:ln w="9525">
-            <a:solidFill>
-              <a:schemeClr val="tx1"/>
-            </a:solidFill>
-            <a:round/>
-            <a:headEnd/>
-            <a:tailEnd type="none" w="lg" len="lg"/>
-          </a:ln>
-        </p:spPr>
-        <p:txBody>
-          <a:bodyPr wrap="none" anchor="ctr"/>
-          <a:lstStyle/>
-          <a:p>
-            <a:endParaRPr lang="zh-CN" altLang="en-US">
-              <a:ea typeface="宋体" pitchFamily="2" charset="-122"/>
-            </a:endParaRPr>
-          </a:p>
-        </p:txBody>
-      </p:sp>
-      <p:cxnSp>
-        <p:nvCxnSpPr>
-          <p:cNvPr id="64524" name="AutoShape 14"/>
-          <p:cNvCxnSpPr>
-            <a:cxnSpLocks noChangeShapeType="1"/>
-          </p:cNvCxnSpPr>
-          <p:nvPr/>
-        </p:nvCxnSpPr>
-        <p:spPr bwMode="auto">
-          <a:xfrm>
-            <a:off x="5741988" y="2370138"/>
-            <a:ext cx="1274762" cy="1028700"/>
-          </a:xfrm>
-          <a:prstGeom prst="straightConnector1">
-            <a:avLst/>
-          </a:prstGeom>
-          <a:noFill/>
-          <a:ln w="31750">
-            <a:solidFill>
-              <a:srgbClr val="FF00FF"/>
-            </a:solidFill>
-            <a:round/>
-            <a:headEnd/>
-            <a:tailEnd type="none" w="lg" len="lg"/>
-          </a:ln>
-        </p:spPr>
-      </p:cxnSp>
-      <p:cxnSp>
-        <p:nvCxnSpPr>
-          <p:cNvPr id="64525" name="AutoShape 15"/>
-          <p:cNvCxnSpPr>
-            <a:cxnSpLocks noChangeShapeType="1"/>
-          </p:cNvCxnSpPr>
-          <p:nvPr/>
-        </p:nvCxnSpPr>
-        <p:spPr bwMode="auto">
-          <a:xfrm flipH="1">
-            <a:off x="5641975" y="2409825"/>
-            <a:ext cx="1588" cy="1635125"/>
-          </a:xfrm>
-          <a:prstGeom prst="straightConnector1">
-            <a:avLst/>
-          </a:prstGeom>
-          <a:noFill/>
-          <a:ln w="25400">
-            <a:solidFill>
-              <a:schemeClr val="tx1"/>
-            </a:solidFill>
-            <a:round/>
-            <a:headEnd/>
-            <a:tailEnd type="none" w="lg" len="lg"/>
-          </a:ln>
-        </p:spPr>
-      </p:cxnSp>
-      <p:cxnSp>
-        <p:nvCxnSpPr>
-          <p:cNvPr id="64526" name="AutoShape 16"/>
-          <p:cNvCxnSpPr>
-            <a:cxnSpLocks noChangeShapeType="1"/>
-          </p:cNvCxnSpPr>
-          <p:nvPr/>
-        </p:nvCxnSpPr>
-        <p:spPr bwMode="auto">
-          <a:xfrm>
-            <a:off x="4910138" y="3497263"/>
-            <a:ext cx="2066925" cy="0"/>
-          </a:xfrm>
-          <a:prstGeom prst="straightConnector1">
-            <a:avLst/>
-          </a:prstGeom>
-          <a:noFill/>
-          <a:ln w="31750">
-            <a:solidFill>
-              <a:srgbClr val="FF00FF"/>
-            </a:solidFill>
-            <a:round/>
-            <a:headEnd/>
-            <a:tailEnd type="none" w="lg" len="lg"/>
-          </a:ln>
-        </p:spPr>
-      </p:cxnSp>
-      <p:cxnSp>
-        <p:nvCxnSpPr>
-          <p:cNvPr id="64527" name="AutoShape 18"/>
-          <p:cNvCxnSpPr>
-            <a:cxnSpLocks noChangeShapeType="1"/>
-          </p:cNvCxnSpPr>
-          <p:nvPr/>
-        </p:nvCxnSpPr>
-        <p:spPr bwMode="auto">
-          <a:xfrm>
-            <a:off x="2103438" y="2370138"/>
-            <a:ext cx="771525" cy="608012"/>
-          </a:xfrm>
-          <a:prstGeom prst="straightConnector1">
-            <a:avLst/>
-          </a:prstGeom>
-          <a:noFill/>
-          <a:ln w="31750">
-            <a:solidFill>
-              <a:srgbClr val="FF00FF"/>
-            </a:solidFill>
-            <a:round/>
-            <a:headEnd/>
-            <a:tailEnd type="none" w="lg" len="lg"/>
-          </a:ln>
-        </p:spPr>
-      </p:cxnSp>
-      <p:cxnSp>
-        <p:nvCxnSpPr>
-          <p:cNvPr id="64528" name="AutoShape 19"/>
-          <p:cNvCxnSpPr>
-            <a:cxnSpLocks noChangeShapeType="1"/>
-          </p:cNvCxnSpPr>
-          <p:nvPr/>
-        </p:nvCxnSpPr>
-        <p:spPr bwMode="auto">
-          <a:xfrm flipV="1">
-            <a:off x="3071813" y="2370138"/>
-            <a:ext cx="909637" cy="608012"/>
-          </a:xfrm>
-          <a:prstGeom prst="straightConnector1">
-            <a:avLst/>
-          </a:prstGeom>
-          <a:noFill/>
-          <a:ln w="25400">
-            <a:solidFill>
-              <a:schemeClr val="tx1"/>
-            </a:solidFill>
-            <a:round/>
-            <a:headEnd/>
-            <a:tailEnd type="none" w="lg" len="lg"/>
-          </a:ln>
-        </p:spPr>
-      </p:cxnSp>
-      <p:cxnSp>
-        <p:nvCxnSpPr>
-          <p:cNvPr id="64529" name="AutoShape 20"/>
-          <p:cNvCxnSpPr>
-            <a:cxnSpLocks noChangeShapeType="1"/>
-          </p:cNvCxnSpPr>
-          <p:nvPr/>
-        </p:nvCxnSpPr>
-        <p:spPr bwMode="auto">
-          <a:xfrm flipH="1">
-            <a:off x="2143125" y="2271713"/>
-            <a:ext cx="1798638" cy="0"/>
-          </a:xfrm>
-          <a:prstGeom prst="straightConnector1">
-            <a:avLst/>
-          </a:prstGeom>
-          <a:noFill/>
-          <a:ln w="31750">
-            <a:solidFill>
-              <a:srgbClr val="FF00FF"/>
-            </a:solidFill>
-            <a:round/>
-            <a:headEnd/>
-            <a:tailEnd type="none" w="lg" len="lg"/>
-          </a:ln>
-        </p:spPr>
-      </p:cxnSp>
-      <p:cxnSp>
-        <p:nvCxnSpPr>
-          <p:cNvPr id="64530" name="AutoShape 21"/>
-          <p:cNvCxnSpPr>
-            <a:cxnSpLocks noChangeShapeType="1"/>
-          </p:cNvCxnSpPr>
-          <p:nvPr/>
-        </p:nvCxnSpPr>
-        <p:spPr bwMode="auto">
-          <a:xfrm>
-            <a:off x="2973388" y="3214688"/>
-            <a:ext cx="0" cy="830262"/>
-          </a:xfrm>
-          <a:prstGeom prst="straightConnector1">
-            <a:avLst/>
-          </a:prstGeom>
-          <a:noFill/>
-          <a:ln w="25400">
-            <a:solidFill>
-              <a:schemeClr val="tx1"/>
-            </a:solidFill>
-            <a:round/>
-            <a:headEnd/>
-            <a:tailEnd type="none" w="lg" len="lg"/>
-          </a:ln>
-        </p:spPr>
-      </p:cxnSp>
-      <p:cxnSp>
-        <p:nvCxnSpPr>
-          <p:cNvPr id="64531" name="AutoShape 22"/>
-          <p:cNvCxnSpPr>
-            <a:cxnSpLocks noChangeShapeType="1"/>
-          </p:cNvCxnSpPr>
-          <p:nvPr/>
-        </p:nvCxnSpPr>
-        <p:spPr bwMode="auto">
-          <a:xfrm>
-            <a:off x="3111500" y="4183063"/>
-            <a:ext cx="968375" cy="0"/>
-          </a:xfrm>
-          <a:prstGeom prst="straightConnector1">
-            <a:avLst/>
-          </a:prstGeom>
-          <a:noFill/>
-          <a:ln w="31750">
-            <a:solidFill>
-              <a:srgbClr val="FF00FF"/>
-            </a:solidFill>
-            <a:round/>
-            <a:headEnd/>
-            <a:tailEnd type="none" w="lg" len="lg"/>
-          </a:ln>
-        </p:spPr>
-      </p:cxnSp>
-      <p:cxnSp>
-        <p:nvCxnSpPr>
-          <p:cNvPr id="64532" name="AutoShape 23"/>
-          <p:cNvCxnSpPr>
-            <a:cxnSpLocks noChangeShapeType="1"/>
-          </p:cNvCxnSpPr>
-          <p:nvPr/>
-        </p:nvCxnSpPr>
-        <p:spPr bwMode="auto">
-          <a:xfrm flipV="1">
-            <a:off x="4316413" y="3635375"/>
-            <a:ext cx="455612" cy="449263"/>
-          </a:xfrm>
-          <a:prstGeom prst="straightConnector1">
-            <a:avLst/>
-          </a:prstGeom>
-          <a:noFill/>
-          <a:ln w="31750">
-            <a:solidFill>
-              <a:srgbClr val="FF00FF"/>
-            </a:solidFill>
-            <a:round/>
-            <a:headEnd/>
-            <a:tailEnd type="none" w="lg" len="lg"/>
-          </a:ln>
-        </p:spPr>
-      </p:cxnSp>
-      <p:cxnSp>
-        <p:nvCxnSpPr>
-          <p:cNvPr id="64533" name="AutoShape 24"/>
-          <p:cNvCxnSpPr>
-            <a:cxnSpLocks noChangeShapeType="1"/>
-          </p:cNvCxnSpPr>
-          <p:nvPr/>
-        </p:nvCxnSpPr>
-        <p:spPr bwMode="auto">
-          <a:xfrm>
-            <a:off x="4178300" y="2370138"/>
-            <a:ext cx="495300" cy="1028700"/>
-          </a:xfrm>
-          <a:prstGeom prst="straightConnector1">
-            <a:avLst/>
-          </a:prstGeom>
-          <a:noFill/>
-          <a:ln w="31750">
-            <a:solidFill>
-              <a:srgbClr val="FF00FF"/>
-            </a:solidFill>
-            <a:round/>
-            <a:headEnd/>
-            <a:tailEnd type="none" w="lg" len="lg"/>
-          </a:ln>
-        </p:spPr>
-      </p:cxnSp>
-      <p:cxnSp>
-        <p:nvCxnSpPr>
-          <p:cNvPr id="64534" name="AutoShape 25"/>
-          <p:cNvCxnSpPr>
-            <a:cxnSpLocks noChangeShapeType="1"/>
-          </p:cNvCxnSpPr>
-          <p:nvPr/>
-        </p:nvCxnSpPr>
-        <p:spPr bwMode="auto">
-          <a:xfrm flipH="1">
-            <a:off x="5740400" y="3595688"/>
-            <a:ext cx="1276350" cy="488950"/>
-          </a:xfrm>
-          <a:prstGeom prst="straightConnector1">
-            <a:avLst/>
-          </a:prstGeom>
-          <a:noFill/>
-          <a:ln w="31750">
-            <a:solidFill>
-              <a:srgbClr val="FF00FF"/>
-            </a:solidFill>
-            <a:round/>
-            <a:headEnd/>
-            <a:tailEnd type="none" w="lg" len="lg"/>
-          </a:ln>
-        </p:spPr>
-      </p:cxnSp>
-      <p:sp>
-        <p:nvSpPr>
-          <p:cNvPr id="64535" name="Text Box 26"/>
-          <p:cNvSpPr txBox="1">
-            <a:spLocks noChangeArrowheads="1"/>
-          </p:cNvSpPr>
-          <p:nvPr/>
-        </p:nvSpPr>
-        <p:spPr bwMode="auto">
-          <a:xfrm>
-            <a:off x="2578100" y="4751388"/>
-            <a:ext cx="3776663" cy="701675"/>
-          </a:xfrm>
-          <a:prstGeom prst="rect">
-            <a:avLst/>
-          </a:prstGeom>
-          <a:noFill/>
-          <a:ln w="31750">
-            <a:noFill/>
-            <a:miter lim="800000"/>
-            <a:headEnd/>
-            <a:tailEnd type="none" w="lg" len="lg"/>
-          </a:ln>
-        </p:spPr>
-        <p:txBody>
-          <a:bodyPr wrap="none">
-            <a:spAutoFit/>
-          </a:bodyPr>
-          <a:lstStyle/>
-          <a:p>
-            <a:r>
-              <a:rPr lang="en-US" altLang="zh-CN">
-                <a:solidFill>
-                  <a:srgbClr val="FF00FF"/>
-                </a:solidFill>
-                <a:latin typeface="Comic Sans MS" pitchFamily="8" charset="0"/>
-                <a:ea typeface="宋体" pitchFamily="2" charset="-122"/>
-              </a:rPr>
-              <a:t>a spanning tree</a:t>
-            </a:r>
-          </a:p>
-        </p:txBody>
-      </p:sp>
-      <p:sp>
-        <p:nvSpPr>
-          <p:cNvPr id="64536" name="Rectangle 11"/>
-          <p:cNvSpPr>
-            <a:spLocks noGrp="1" noChangeArrowheads="1"/>
-          </p:cNvSpPr>
-          <p:nvPr>
-            <p:ph type="sldNum" sz="quarter" idx="10"/>
-          </p:nvPr>
-        </p:nvSpPr>
-        <p:spPr>
-          <a:noFill/>
-        </p:spPr>
-        <p:txBody>
-          <a:bodyPr/>
-          <a:lstStyle/>
-          <a:p>
-            <a:r>
-              <a:rPr lang="en-US" dirty="0" err="1"/>
-              <a:t>lec</a:t>
-            </a:r>
-            <a:r>
-              <a:rPr lang="en-US" dirty="0" smtClean="0"/>
-              <a:t> 8F.</a:t>
-            </a:r>
-            <a:fld id="{FB20FF73-0C0A-4D58-A285-F32197C96EE3}" type="slidenum">
-              <a:rPr lang="en-US" smtClean="0"/>
-              <a:pPr/>
               <a:t>18</a:t>
             </a:fld>
             <a:endParaRPr lang="en-US" dirty="0"/>
@@ -11806,7 +12204,7 @@
       </p:grpSpPr>
       <p:sp>
         <p:nvSpPr>
-          <p:cNvPr id="65538" name="Rectangle 2"/>
+          <p:cNvPr id="64514" name="Rectangle 2"/>
           <p:cNvSpPr>
             <a:spLocks noGrp="1" noChangeArrowheads="1"/>
           </p:cNvSpPr>
@@ -11831,7 +12229,7 @@
       </p:sp>
       <p:sp>
         <p:nvSpPr>
-          <p:cNvPr id="65539" name="Oval 3"/>
+          <p:cNvPr id="64515" name="Oval 3"/>
           <p:cNvSpPr>
             <a:spLocks noChangeArrowheads="1"/>
           </p:cNvSpPr>
@@ -11869,7 +12267,7 @@
       </p:sp>
       <p:sp>
         <p:nvSpPr>
-          <p:cNvPr id="65540" name="Oval 4"/>
+          <p:cNvPr id="64516" name="Oval 4"/>
           <p:cNvSpPr>
             <a:spLocks noChangeArrowheads="1"/>
           </p:cNvSpPr>
@@ -11907,7 +12305,7 @@
       </p:sp>
       <p:sp>
         <p:nvSpPr>
-          <p:cNvPr id="65541" name="Oval 5"/>
+          <p:cNvPr id="64517" name="Oval 5"/>
           <p:cNvSpPr>
             <a:spLocks noChangeArrowheads="1"/>
           </p:cNvSpPr>
@@ -11945,7 +12343,7 @@
       </p:sp>
       <p:sp>
         <p:nvSpPr>
-          <p:cNvPr id="65542" name="Oval 6"/>
+          <p:cNvPr id="64518" name="Oval 6"/>
           <p:cNvSpPr>
             <a:spLocks noChangeArrowheads="1"/>
           </p:cNvSpPr>
@@ -11983,7 +12381,7 @@
       </p:sp>
       <p:sp>
         <p:nvSpPr>
-          <p:cNvPr id="65543" name="Oval 7"/>
+          <p:cNvPr id="64519" name="Oval 7"/>
           <p:cNvSpPr>
             <a:spLocks noChangeArrowheads="1"/>
           </p:cNvSpPr>
@@ -12021,7 +12419,7 @@
       </p:sp>
       <p:sp>
         <p:nvSpPr>
-          <p:cNvPr id="65544" name="Oval 8"/>
+          <p:cNvPr id="64520" name="Oval 8"/>
           <p:cNvSpPr>
             <a:spLocks noChangeArrowheads="1"/>
           </p:cNvSpPr>
@@ -12059,7 +12457,7 @@
       </p:sp>
       <p:sp>
         <p:nvSpPr>
-          <p:cNvPr id="65545" name="Oval 9"/>
+          <p:cNvPr id="64521" name="Oval 9"/>
           <p:cNvSpPr>
             <a:spLocks noChangeArrowheads="1"/>
           </p:cNvSpPr>
@@ -12097,7 +12495,7 @@
       </p:sp>
       <p:sp>
         <p:nvSpPr>
-          <p:cNvPr id="65546" name="Oval 10"/>
+          <p:cNvPr id="64522" name="Oval 10"/>
           <p:cNvSpPr>
             <a:spLocks noChangeArrowheads="1"/>
           </p:cNvSpPr>
@@ -12135,7 +12533,7 @@
       </p:sp>
       <p:sp>
         <p:nvSpPr>
-          <p:cNvPr id="65547" name="Oval 11"/>
+          <p:cNvPr id="64523" name="Oval 11"/>
           <p:cNvSpPr>
             <a:spLocks noChangeArrowheads="1"/>
           </p:cNvSpPr>
@@ -12173,7 +12571,7 @@
       </p:sp>
       <p:cxnSp>
         <p:nvCxnSpPr>
-          <p:cNvPr id="65548" name="AutoShape 12"/>
+          <p:cNvPr id="64524" name="AutoShape 14"/>
           <p:cNvCxnSpPr>
             <a:cxnSpLocks noChangeShapeType="1"/>
           </p:cNvCxnSpPr>
@@ -12188,9 +12586,9 @@
             <a:avLst/>
           </a:prstGeom>
           <a:noFill/>
-          <a:ln w="44450">
+          <a:ln w="31750">
             <a:solidFill>
-              <a:srgbClr val="00B050"/>
+              <a:srgbClr val="FF00FF"/>
             </a:solidFill>
             <a:round/>
             <a:headEnd/>
@@ -12200,7 +12598,7 @@
       </p:cxnSp>
       <p:cxnSp>
         <p:nvCxnSpPr>
-          <p:cNvPr id="65549" name="AutoShape 13"/>
+          <p:cNvPr id="64525" name="AutoShape 15"/>
           <p:cNvCxnSpPr>
             <a:cxnSpLocks noChangeShapeType="1"/>
           </p:cNvCxnSpPr>
@@ -12210,87 +12608,6 @@
           <a:xfrm flipH="1">
             <a:off x="5641975" y="2409825"/>
             <a:ext cx="1588" cy="1635125"/>
-          </a:xfrm>
-          <a:prstGeom prst="straightConnector1">
-            <a:avLst/>
-          </a:prstGeom>
-          <a:noFill/>
-          <a:ln w="44450">
-            <a:solidFill>
-              <a:srgbClr val="00B050"/>
-            </a:solidFill>
-            <a:round/>
-            <a:headEnd/>
-            <a:tailEnd type="none" w="lg" len="lg"/>
-          </a:ln>
-        </p:spPr>
-      </p:cxnSp>
-      <p:cxnSp>
-        <p:nvCxnSpPr>
-          <p:cNvPr id="65550" name="AutoShape 14"/>
-          <p:cNvCxnSpPr>
-            <a:cxnSpLocks noChangeShapeType="1"/>
-          </p:cNvCxnSpPr>
-          <p:nvPr/>
-        </p:nvCxnSpPr>
-        <p:spPr bwMode="auto">
-          <a:xfrm>
-            <a:off x="4910138" y="3497263"/>
-            <a:ext cx="2066925" cy="0"/>
-          </a:xfrm>
-          <a:prstGeom prst="straightConnector1">
-            <a:avLst/>
-          </a:prstGeom>
-          <a:noFill/>
-          <a:ln w="44450">
-            <a:solidFill>
-              <a:srgbClr val="00B050"/>
-            </a:solidFill>
-            <a:round/>
-            <a:headEnd/>
-            <a:tailEnd type="none" w="lg" len="lg"/>
-          </a:ln>
-        </p:spPr>
-      </p:cxnSp>
-      <p:cxnSp>
-        <p:nvCxnSpPr>
-          <p:cNvPr id="65551" name="AutoShape 15"/>
-          <p:cNvCxnSpPr>
-            <a:cxnSpLocks noChangeShapeType="1"/>
-          </p:cNvCxnSpPr>
-          <p:nvPr/>
-        </p:nvCxnSpPr>
-        <p:spPr bwMode="auto">
-          <a:xfrm>
-            <a:off x="2103438" y="2370138"/>
-            <a:ext cx="771525" cy="608012"/>
-          </a:xfrm>
-          <a:prstGeom prst="straightConnector1">
-            <a:avLst/>
-          </a:prstGeom>
-          <a:noFill/>
-          <a:ln w="44450">
-            <a:solidFill>
-              <a:srgbClr val="00B050"/>
-            </a:solidFill>
-            <a:round/>
-            <a:headEnd/>
-            <a:tailEnd type="none" w="lg" len="lg"/>
-          </a:ln>
-        </p:spPr>
-      </p:cxnSp>
-      <p:cxnSp>
-        <p:nvCxnSpPr>
-          <p:cNvPr id="65552" name="AutoShape 16"/>
-          <p:cNvCxnSpPr>
-            <a:cxnSpLocks noChangeShapeType="1"/>
-          </p:cNvCxnSpPr>
-          <p:nvPr/>
-        </p:nvCxnSpPr>
-        <p:spPr bwMode="auto">
-          <a:xfrm flipV="1">
-            <a:off x="3071813" y="2370138"/>
-            <a:ext cx="909637" cy="608012"/>
           </a:xfrm>
           <a:prstGeom prst="straightConnector1">
             <a:avLst/>
@@ -12308,24 +12625,24 @@
       </p:cxnSp>
       <p:cxnSp>
         <p:nvCxnSpPr>
-          <p:cNvPr id="65553" name="AutoShape 17"/>
+          <p:cNvPr id="64526" name="AutoShape 16"/>
           <p:cNvCxnSpPr>
             <a:cxnSpLocks noChangeShapeType="1"/>
           </p:cNvCxnSpPr>
           <p:nvPr/>
         </p:nvCxnSpPr>
         <p:spPr bwMode="auto">
-          <a:xfrm flipH="1">
-            <a:off x="2143125" y="2271713"/>
-            <a:ext cx="1798638" cy="0"/>
+          <a:xfrm>
+            <a:off x="4910138" y="3497263"/>
+            <a:ext cx="2066925" cy="0"/>
           </a:xfrm>
           <a:prstGeom prst="straightConnector1">
             <a:avLst/>
           </a:prstGeom>
           <a:noFill/>
-          <a:ln w="44450">
+          <a:ln w="31750">
             <a:solidFill>
-              <a:srgbClr val="00B050"/>
+              <a:srgbClr val="FF00FF"/>
             </a:solidFill>
             <a:round/>
             <a:headEnd/>
@@ -12335,7 +12652,7 @@
       </p:cxnSp>
       <p:cxnSp>
         <p:nvCxnSpPr>
-          <p:cNvPr id="65554" name="AutoShape 18"/>
+          <p:cNvPr id="64527" name="AutoShape 18"/>
           <p:cNvCxnSpPr>
             <a:cxnSpLocks noChangeShapeType="1"/>
           </p:cNvCxnSpPr>
@@ -12343,16 +12660,16 @@
         </p:nvCxnSpPr>
         <p:spPr bwMode="auto">
           <a:xfrm>
-            <a:off x="2973388" y="3214688"/>
-            <a:ext cx="0" cy="830262"/>
+            <a:off x="2103438" y="2370138"/>
+            <a:ext cx="771525" cy="608012"/>
           </a:xfrm>
           <a:prstGeom prst="straightConnector1">
             <a:avLst/>
           </a:prstGeom>
           <a:noFill/>
-          <a:ln w="44450">
+          <a:ln w="31750">
             <a:solidFill>
-              <a:srgbClr val="00B050"/>
+              <a:srgbClr val="FF00FF"/>
             </a:solidFill>
             <a:round/>
             <a:headEnd/>
@@ -12362,70 +12679,16 @@
       </p:cxnSp>
       <p:cxnSp>
         <p:nvCxnSpPr>
-          <p:cNvPr id="65555" name="AutoShape 19"/>
+          <p:cNvPr id="64528" name="AutoShape 19"/>
           <p:cNvCxnSpPr>
             <a:cxnSpLocks noChangeShapeType="1"/>
           </p:cNvCxnSpPr>
           <p:nvPr/>
         </p:nvCxnSpPr>
         <p:spPr bwMode="auto">
-          <a:xfrm>
-            <a:off x="3111500" y="4183063"/>
-            <a:ext cx="968375" cy="0"/>
-          </a:xfrm>
-          <a:prstGeom prst="straightConnector1">
-            <a:avLst/>
-          </a:prstGeom>
-          <a:noFill/>
-          <a:ln w="44450">
-            <a:solidFill>
-              <a:srgbClr val="00B050"/>
-            </a:solidFill>
-            <a:round/>
-            <a:headEnd/>
-            <a:tailEnd type="none" w="lg" len="lg"/>
-          </a:ln>
-        </p:spPr>
-      </p:cxnSp>
-      <p:cxnSp>
-        <p:nvCxnSpPr>
-          <p:cNvPr id="65556" name="AutoShape 20"/>
-          <p:cNvCxnSpPr>
-            <a:cxnSpLocks noChangeShapeType="1"/>
-          </p:cNvCxnSpPr>
-          <p:nvPr/>
-        </p:nvCxnSpPr>
-        <p:spPr bwMode="auto">
           <a:xfrm flipV="1">
-            <a:off x="4316413" y="3635375"/>
-            <a:ext cx="455612" cy="449263"/>
-          </a:xfrm>
-          <a:prstGeom prst="straightConnector1">
-            <a:avLst/>
-          </a:prstGeom>
-          <a:noFill/>
-          <a:ln w="44450">
-            <a:solidFill>
-              <a:srgbClr val="00B050"/>
-            </a:solidFill>
-            <a:round/>
-            <a:headEnd/>
-            <a:tailEnd type="none" w="lg" len="lg"/>
-          </a:ln>
-        </p:spPr>
-      </p:cxnSp>
-      <p:cxnSp>
-        <p:nvCxnSpPr>
-          <p:cNvPr id="65557" name="AutoShape 21"/>
-          <p:cNvCxnSpPr>
-            <a:cxnSpLocks noChangeShapeType="1"/>
-          </p:cNvCxnSpPr>
-          <p:nvPr/>
-        </p:nvCxnSpPr>
-        <p:spPr bwMode="auto">
-          <a:xfrm>
-            <a:off x="4178300" y="2370138"/>
-            <a:ext cx="495300" cy="1028700"/>
+            <a:off x="3071813" y="2370138"/>
+            <a:ext cx="909637" cy="608012"/>
           </a:xfrm>
           <a:prstGeom prst="straightConnector1">
             <a:avLst/>
@@ -12443,7 +12706,7 @@
       </p:cxnSp>
       <p:cxnSp>
         <p:nvCxnSpPr>
-          <p:cNvPr id="65558" name="AutoShape 22"/>
+          <p:cNvPr id="64529" name="AutoShape 20"/>
           <p:cNvCxnSpPr>
             <a:cxnSpLocks noChangeShapeType="1"/>
           </p:cNvCxnSpPr>
@@ -12451,8 +12714,35 @@
         </p:nvCxnSpPr>
         <p:spPr bwMode="auto">
           <a:xfrm flipH="1">
-            <a:off x="5740400" y="3595688"/>
-            <a:ext cx="1276350" cy="488950"/>
+            <a:off x="2143125" y="2271713"/>
+            <a:ext cx="1798638" cy="0"/>
+          </a:xfrm>
+          <a:prstGeom prst="straightConnector1">
+            <a:avLst/>
+          </a:prstGeom>
+          <a:noFill/>
+          <a:ln w="31750">
+            <a:solidFill>
+              <a:srgbClr val="FF00FF"/>
+            </a:solidFill>
+            <a:round/>
+            <a:headEnd/>
+            <a:tailEnd type="none" w="lg" len="lg"/>
+          </a:ln>
+        </p:spPr>
+      </p:cxnSp>
+      <p:cxnSp>
+        <p:nvCxnSpPr>
+          <p:cNvPr id="64530" name="AutoShape 21"/>
+          <p:cNvCxnSpPr>
+            <a:cxnSpLocks noChangeShapeType="1"/>
+          </p:cNvCxnSpPr>
+          <p:nvPr/>
+        </p:nvCxnSpPr>
+        <p:spPr bwMode="auto">
+          <a:xfrm>
+            <a:off x="2973388" y="3214688"/>
+            <a:ext cx="0" cy="830262"/>
           </a:xfrm>
           <a:prstGeom prst="straightConnector1">
             <a:avLst/>
@@ -12468,9 +12758,117 @@
           </a:ln>
         </p:spPr>
       </p:cxnSp>
-      <p:sp>
-        <p:nvSpPr>
-          <p:cNvPr id="65559" name="Text Box 23"/>
+      <p:cxnSp>
+        <p:nvCxnSpPr>
+          <p:cNvPr id="64531" name="AutoShape 22"/>
+          <p:cNvCxnSpPr>
+            <a:cxnSpLocks noChangeShapeType="1"/>
+          </p:cNvCxnSpPr>
+          <p:nvPr/>
+        </p:nvCxnSpPr>
+        <p:spPr bwMode="auto">
+          <a:xfrm>
+            <a:off x="3111500" y="4183063"/>
+            <a:ext cx="968375" cy="0"/>
+          </a:xfrm>
+          <a:prstGeom prst="straightConnector1">
+            <a:avLst/>
+          </a:prstGeom>
+          <a:noFill/>
+          <a:ln w="31750">
+            <a:solidFill>
+              <a:srgbClr val="FF00FF"/>
+            </a:solidFill>
+            <a:round/>
+            <a:headEnd/>
+            <a:tailEnd type="none" w="lg" len="lg"/>
+          </a:ln>
+        </p:spPr>
+      </p:cxnSp>
+      <p:cxnSp>
+        <p:nvCxnSpPr>
+          <p:cNvPr id="64532" name="AutoShape 23"/>
+          <p:cNvCxnSpPr>
+            <a:cxnSpLocks noChangeShapeType="1"/>
+          </p:cNvCxnSpPr>
+          <p:nvPr/>
+        </p:nvCxnSpPr>
+        <p:spPr bwMode="auto">
+          <a:xfrm flipV="1">
+            <a:off x="4316413" y="3635375"/>
+            <a:ext cx="455612" cy="449263"/>
+          </a:xfrm>
+          <a:prstGeom prst="straightConnector1">
+            <a:avLst/>
+          </a:prstGeom>
+          <a:noFill/>
+          <a:ln w="31750">
+            <a:solidFill>
+              <a:srgbClr val="FF00FF"/>
+            </a:solidFill>
+            <a:round/>
+            <a:headEnd/>
+            <a:tailEnd type="none" w="lg" len="lg"/>
+          </a:ln>
+        </p:spPr>
+      </p:cxnSp>
+      <p:cxnSp>
+        <p:nvCxnSpPr>
+          <p:cNvPr id="64533" name="AutoShape 24"/>
+          <p:cNvCxnSpPr>
+            <a:cxnSpLocks noChangeShapeType="1"/>
+          </p:cNvCxnSpPr>
+          <p:nvPr/>
+        </p:nvCxnSpPr>
+        <p:spPr bwMode="auto">
+          <a:xfrm>
+            <a:off x="4178300" y="2370138"/>
+            <a:ext cx="495300" cy="1028700"/>
+          </a:xfrm>
+          <a:prstGeom prst="straightConnector1">
+            <a:avLst/>
+          </a:prstGeom>
+          <a:noFill/>
+          <a:ln w="31750">
+            <a:solidFill>
+              <a:srgbClr val="FF00FF"/>
+            </a:solidFill>
+            <a:round/>
+            <a:headEnd/>
+            <a:tailEnd type="none" w="lg" len="lg"/>
+          </a:ln>
+        </p:spPr>
+      </p:cxnSp>
+      <p:cxnSp>
+        <p:nvCxnSpPr>
+          <p:cNvPr id="64534" name="AutoShape 25"/>
+          <p:cNvCxnSpPr>
+            <a:cxnSpLocks noChangeShapeType="1"/>
+          </p:cNvCxnSpPr>
+          <p:nvPr/>
+        </p:nvCxnSpPr>
+        <p:spPr bwMode="auto">
+          <a:xfrm flipH="1">
+            <a:off x="5740400" y="3595688"/>
+            <a:ext cx="1276350" cy="488950"/>
+          </a:xfrm>
+          <a:prstGeom prst="straightConnector1">
+            <a:avLst/>
+          </a:prstGeom>
+          <a:noFill/>
+          <a:ln w="31750">
+            <a:solidFill>
+              <a:srgbClr val="FF00FF"/>
+            </a:solidFill>
+            <a:round/>
+            <a:headEnd/>
+            <a:tailEnd type="none" w="lg" len="lg"/>
+          </a:ln>
+        </p:spPr>
+      </p:cxnSp>
+      <p:sp>
+        <p:nvSpPr>
+          <p:cNvPr id="64535" name="Text Box 26"/>
           <p:cNvSpPr txBox="1">
             <a:spLocks noChangeArrowheads="1"/>
           </p:cNvSpPr>
@@ -12478,8 +12876,8 @@
         </p:nvSpPr>
         <p:spPr bwMode="auto">
           <a:xfrm>
-            <a:off x="1703388" y="4729163"/>
-            <a:ext cx="5364162" cy="1311275"/>
+            <a:off x="2578100" y="4751388"/>
+            <a:ext cx="3776663" cy="701675"/>
           </a:xfrm>
           <a:prstGeom prst="rect">
             <a:avLst/>
@@ -12498,40 +12896,22 @@
           </a:bodyPr>
           <a:lstStyle/>
           <a:p>
-            <a:pPr algn="ctr"/>
-            <a:r>
-              <a:rPr lang="en-US" altLang="zh-CN">
-                <a:latin typeface="Comic Sans MS" pitchFamily="8" charset="0"/>
-                <a:ea typeface="宋体" pitchFamily="2" charset="-122"/>
-              </a:rPr>
-              <a:t>another </a:t>
-            </a:r>
             <a:r>
               <a:rPr lang="en-US" altLang="zh-CN">
                 <a:solidFill>
-                  <a:srgbClr val="008000"/>
+                  <a:srgbClr val="FF00FF"/>
                 </a:solidFill>
                 <a:latin typeface="Comic Sans MS" pitchFamily="8" charset="0"/>
                 <a:ea typeface="宋体" pitchFamily="2" charset="-122"/>
               </a:rPr>
-              <a:t>spanning tree</a:t>
-            </a:r>
-          </a:p>
-          <a:p>
-            <a:pPr algn="ctr"/>
-            <a:r>
-              <a:rPr lang="en-US" altLang="zh-CN">
-                <a:latin typeface="Comic Sans MS" pitchFamily="8" charset="0"/>
-                <a:ea typeface="宋体" pitchFamily="2" charset="-122"/>
-              </a:rPr>
-              <a:t>(can have many)</a:t>
-            </a:r>
-          </a:p>
-        </p:txBody>
-      </p:sp>
-      <p:sp>
-        <p:nvSpPr>
-          <p:cNvPr id="65560" name="Rectangle 11"/>
+              <a:t>a spanning tree</a:t>
+            </a:r>
+          </a:p>
+        </p:txBody>
+      </p:sp>
+      <p:sp>
+        <p:nvSpPr>
+          <p:cNvPr id="64536" name="Rectangle 11"/>
           <p:cNvSpPr>
             <a:spLocks noGrp="1" noChangeArrowheads="1"/>
           </p:cNvSpPr>
@@ -12554,7 +12934,7 @@
               <a:rPr lang="en-US" dirty="0" smtClean="0"/>
               <a:t> 8F.</a:t>
             </a:r>
-            <a:fld id="{74805E1D-9C35-44EE-9E88-65BD19912804}" type="slidenum">
+            <a:fld id="{FB20FF73-0C0A-4D58-A285-F32197C96EE3}" type="slidenum">
               <a:rPr lang="en-US" smtClean="0"/>
               <a:pPr/>
               <a:t>19</a:t>
@@ -12769,6 +13149,800 @@
       </p:grpSpPr>
       <p:sp>
         <p:nvSpPr>
+          <p:cNvPr id="65538" name="Rectangle 2"/>
+          <p:cNvSpPr>
+            <a:spLocks noGrp="1" noChangeArrowheads="1"/>
+          </p:cNvSpPr>
+          <p:nvPr>
+            <p:ph type="title"/>
+          </p:nvPr>
+        </p:nvSpPr>
+        <p:spPr/>
+        <p:txBody>
+          <a:bodyPr/>
+          <a:lstStyle/>
+          <a:p>
+            <a:pPr eaLnBrk="1" hangingPunct="1"/>
+            <a:r>
+              <a:rPr lang="en-US" altLang="zh-CN" sz="4400" dirty="0" smtClean="0">
+                <a:ea typeface="宋体" pitchFamily="2" charset="-122"/>
+              </a:rPr>
+              <a:t>Spanning Trees</a:t>
+            </a:r>
+          </a:p>
+        </p:txBody>
+      </p:sp>
+      <p:sp>
+        <p:nvSpPr>
+          <p:cNvPr id="65539" name="Oval 3"/>
+          <p:cNvSpPr>
+            <a:spLocks noChangeArrowheads="1"/>
+          </p:cNvSpPr>
+          <p:nvPr/>
+        </p:nvSpPr>
+        <p:spPr bwMode="auto">
+          <a:xfrm>
+            <a:off x="1866900" y="2133600"/>
+            <a:ext cx="276225" cy="276225"/>
+          </a:xfrm>
+          <a:prstGeom prst="ellipse">
+            <a:avLst/>
+          </a:prstGeom>
+          <a:solidFill>
+            <a:srgbClr val="0066FF"/>
+          </a:solidFill>
+          <a:ln w="9525">
+            <a:solidFill>
+              <a:schemeClr val="tx1"/>
+            </a:solidFill>
+            <a:round/>
+            <a:headEnd/>
+            <a:tailEnd type="none" w="lg" len="lg"/>
+          </a:ln>
+        </p:spPr>
+        <p:txBody>
+          <a:bodyPr wrap="none" anchor="ctr"/>
+          <a:lstStyle/>
+          <a:p>
+            <a:endParaRPr lang="zh-CN" altLang="en-US">
+              <a:ea typeface="宋体" pitchFamily="2" charset="-122"/>
+            </a:endParaRPr>
+          </a:p>
+        </p:txBody>
+      </p:sp>
+      <p:sp>
+        <p:nvSpPr>
+          <p:cNvPr id="65540" name="Oval 4"/>
+          <p:cNvSpPr>
+            <a:spLocks noChangeArrowheads="1"/>
+          </p:cNvSpPr>
+          <p:nvPr/>
+        </p:nvSpPr>
+        <p:spPr bwMode="auto">
+          <a:xfrm>
+            <a:off x="2835275" y="2938463"/>
+            <a:ext cx="276225" cy="276225"/>
+          </a:xfrm>
+          <a:prstGeom prst="ellipse">
+            <a:avLst/>
+          </a:prstGeom>
+          <a:solidFill>
+            <a:srgbClr val="0066FF"/>
+          </a:solidFill>
+          <a:ln w="9525">
+            <a:solidFill>
+              <a:schemeClr val="tx1"/>
+            </a:solidFill>
+            <a:round/>
+            <a:headEnd/>
+            <a:tailEnd type="none" w="lg" len="lg"/>
+          </a:ln>
+        </p:spPr>
+        <p:txBody>
+          <a:bodyPr wrap="none" anchor="ctr"/>
+          <a:lstStyle/>
+          <a:p>
+            <a:endParaRPr lang="zh-CN" altLang="en-US">
+              <a:ea typeface="宋体" pitchFamily="2" charset="-122"/>
+            </a:endParaRPr>
+          </a:p>
+        </p:txBody>
+      </p:sp>
+      <p:sp>
+        <p:nvSpPr>
+          <p:cNvPr id="65541" name="Oval 5"/>
+          <p:cNvSpPr>
+            <a:spLocks noChangeArrowheads="1"/>
+          </p:cNvSpPr>
+          <p:nvPr/>
+        </p:nvSpPr>
+        <p:spPr bwMode="auto">
+          <a:xfrm>
+            <a:off x="3941763" y="2133600"/>
+            <a:ext cx="276225" cy="276225"/>
+          </a:xfrm>
+          <a:prstGeom prst="ellipse">
+            <a:avLst/>
+          </a:prstGeom>
+          <a:solidFill>
+            <a:srgbClr val="0066FF"/>
+          </a:solidFill>
+          <a:ln w="9525">
+            <a:solidFill>
+              <a:schemeClr val="tx1"/>
+            </a:solidFill>
+            <a:round/>
+            <a:headEnd/>
+            <a:tailEnd type="none" w="lg" len="lg"/>
+          </a:ln>
+        </p:spPr>
+        <p:txBody>
+          <a:bodyPr wrap="none" anchor="ctr"/>
+          <a:lstStyle/>
+          <a:p>
+            <a:endParaRPr lang="zh-CN" altLang="en-US">
+              <a:ea typeface="宋体" pitchFamily="2" charset="-122"/>
+            </a:endParaRPr>
+          </a:p>
+        </p:txBody>
+      </p:sp>
+      <p:sp>
+        <p:nvSpPr>
+          <p:cNvPr id="65542" name="Oval 6"/>
+          <p:cNvSpPr>
+            <a:spLocks noChangeArrowheads="1"/>
+          </p:cNvSpPr>
+          <p:nvPr/>
+        </p:nvSpPr>
+        <p:spPr bwMode="auto">
+          <a:xfrm>
+            <a:off x="2835275" y="4044950"/>
+            <a:ext cx="276225" cy="276225"/>
+          </a:xfrm>
+          <a:prstGeom prst="ellipse">
+            <a:avLst/>
+          </a:prstGeom>
+          <a:solidFill>
+            <a:srgbClr val="0066FF"/>
+          </a:solidFill>
+          <a:ln w="9525">
+            <a:solidFill>
+              <a:schemeClr val="tx1"/>
+            </a:solidFill>
+            <a:round/>
+            <a:headEnd/>
+            <a:tailEnd type="none" w="lg" len="lg"/>
+          </a:ln>
+        </p:spPr>
+        <p:txBody>
+          <a:bodyPr wrap="none" anchor="ctr"/>
+          <a:lstStyle/>
+          <a:p>
+            <a:endParaRPr lang="zh-CN" altLang="en-US">
+              <a:ea typeface="宋体" pitchFamily="2" charset="-122"/>
+            </a:endParaRPr>
+          </a:p>
+        </p:txBody>
+      </p:sp>
+      <p:sp>
+        <p:nvSpPr>
+          <p:cNvPr id="65543" name="Oval 7"/>
+          <p:cNvSpPr>
+            <a:spLocks noChangeArrowheads="1"/>
+          </p:cNvSpPr>
+          <p:nvPr/>
+        </p:nvSpPr>
+        <p:spPr bwMode="auto">
+          <a:xfrm>
+            <a:off x="4632325" y="3359150"/>
+            <a:ext cx="277813" cy="276225"/>
+          </a:xfrm>
+          <a:prstGeom prst="ellipse">
+            <a:avLst/>
+          </a:prstGeom>
+          <a:solidFill>
+            <a:srgbClr val="0066FF"/>
+          </a:solidFill>
+          <a:ln w="9525">
+            <a:solidFill>
+              <a:schemeClr val="tx1"/>
+            </a:solidFill>
+            <a:round/>
+            <a:headEnd/>
+            <a:tailEnd type="none" w="lg" len="lg"/>
+          </a:ln>
+        </p:spPr>
+        <p:txBody>
+          <a:bodyPr wrap="none" anchor="ctr"/>
+          <a:lstStyle/>
+          <a:p>
+            <a:endParaRPr lang="zh-CN" altLang="en-US">
+              <a:ea typeface="宋体" pitchFamily="2" charset="-122"/>
+            </a:endParaRPr>
+          </a:p>
+        </p:txBody>
+      </p:sp>
+      <p:sp>
+        <p:nvSpPr>
+          <p:cNvPr id="65544" name="Oval 8"/>
+          <p:cNvSpPr>
+            <a:spLocks noChangeArrowheads="1"/>
+          </p:cNvSpPr>
+          <p:nvPr/>
+        </p:nvSpPr>
+        <p:spPr bwMode="auto">
+          <a:xfrm>
+            <a:off x="4079875" y="4044950"/>
+            <a:ext cx="276225" cy="276225"/>
+          </a:xfrm>
+          <a:prstGeom prst="ellipse">
+            <a:avLst/>
+          </a:prstGeom>
+          <a:solidFill>
+            <a:srgbClr val="0066FF"/>
+          </a:solidFill>
+          <a:ln w="9525">
+            <a:solidFill>
+              <a:schemeClr val="tx1"/>
+            </a:solidFill>
+            <a:round/>
+            <a:headEnd/>
+            <a:tailEnd type="none" w="lg" len="lg"/>
+          </a:ln>
+        </p:spPr>
+        <p:txBody>
+          <a:bodyPr wrap="none" anchor="ctr"/>
+          <a:lstStyle/>
+          <a:p>
+            <a:endParaRPr lang="zh-CN" altLang="en-US">
+              <a:ea typeface="宋体" pitchFamily="2" charset="-122"/>
+            </a:endParaRPr>
+          </a:p>
+        </p:txBody>
+      </p:sp>
+      <p:sp>
+        <p:nvSpPr>
+          <p:cNvPr id="65545" name="Oval 9"/>
+          <p:cNvSpPr>
+            <a:spLocks noChangeArrowheads="1"/>
+          </p:cNvSpPr>
+          <p:nvPr/>
+        </p:nvSpPr>
+        <p:spPr bwMode="auto">
+          <a:xfrm>
+            <a:off x="5505450" y="2133600"/>
+            <a:ext cx="276225" cy="276225"/>
+          </a:xfrm>
+          <a:prstGeom prst="ellipse">
+            <a:avLst/>
+          </a:prstGeom>
+          <a:solidFill>
+            <a:srgbClr val="0066FF"/>
+          </a:solidFill>
+          <a:ln w="9525">
+            <a:solidFill>
+              <a:schemeClr val="tx1"/>
+            </a:solidFill>
+            <a:round/>
+            <a:headEnd/>
+            <a:tailEnd type="none" w="lg" len="lg"/>
+          </a:ln>
+        </p:spPr>
+        <p:txBody>
+          <a:bodyPr wrap="none" anchor="ctr"/>
+          <a:lstStyle/>
+          <a:p>
+            <a:endParaRPr lang="zh-CN" altLang="en-US">
+              <a:ea typeface="宋体" pitchFamily="2" charset="-122"/>
+            </a:endParaRPr>
+          </a:p>
+        </p:txBody>
+      </p:sp>
+      <p:sp>
+        <p:nvSpPr>
+          <p:cNvPr id="65546" name="Oval 10"/>
+          <p:cNvSpPr>
+            <a:spLocks noChangeArrowheads="1"/>
+          </p:cNvSpPr>
+          <p:nvPr/>
+        </p:nvSpPr>
+        <p:spPr bwMode="auto">
+          <a:xfrm>
+            <a:off x="5503863" y="4044950"/>
+            <a:ext cx="276225" cy="276225"/>
+          </a:xfrm>
+          <a:prstGeom prst="ellipse">
+            <a:avLst/>
+          </a:prstGeom>
+          <a:solidFill>
+            <a:srgbClr val="0066FF"/>
+          </a:solidFill>
+          <a:ln w="9525">
+            <a:solidFill>
+              <a:schemeClr val="tx1"/>
+            </a:solidFill>
+            <a:round/>
+            <a:headEnd/>
+            <a:tailEnd type="none" w="lg" len="lg"/>
+          </a:ln>
+        </p:spPr>
+        <p:txBody>
+          <a:bodyPr wrap="none" anchor="ctr"/>
+          <a:lstStyle/>
+          <a:p>
+            <a:endParaRPr lang="zh-CN" altLang="en-US">
+              <a:ea typeface="宋体" pitchFamily="2" charset="-122"/>
+            </a:endParaRPr>
+          </a:p>
+        </p:txBody>
+      </p:sp>
+      <p:sp>
+        <p:nvSpPr>
+          <p:cNvPr id="65547" name="Oval 11"/>
+          <p:cNvSpPr>
+            <a:spLocks noChangeArrowheads="1"/>
+          </p:cNvSpPr>
+          <p:nvPr/>
+        </p:nvSpPr>
+        <p:spPr bwMode="auto">
+          <a:xfrm>
+            <a:off x="6977063" y="3359150"/>
+            <a:ext cx="276225" cy="276225"/>
+          </a:xfrm>
+          <a:prstGeom prst="ellipse">
+            <a:avLst/>
+          </a:prstGeom>
+          <a:solidFill>
+            <a:srgbClr val="0066FF"/>
+          </a:solidFill>
+          <a:ln w="9525">
+            <a:solidFill>
+              <a:schemeClr val="tx1"/>
+            </a:solidFill>
+            <a:round/>
+            <a:headEnd/>
+            <a:tailEnd type="none" w="lg" len="lg"/>
+          </a:ln>
+        </p:spPr>
+        <p:txBody>
+          <a:bodyPr wrap="none" anchor="ctr"/>
+          <a:lstStyle/>
+          <a:p>
+            <a:endParaRPr lang="zh-CN" altLang="en-US">
+              <a:ea typeface="宋体" pitchFamily="2" charset="-122"/>
+            </a:endParaRPr>
+          </a:p>
+        </p:txBody>
+      </p:sp>
+      <p:cxnSp>
+        <p:nvCxnSpPr>
+          <p:cNvPr id="65548" name="AutoShape 12"/>
+          <p:cNvCxnSpPr>
+            <a:cxnSpLocks noChangeShapeType="1"/>
+          </p:cNvCxnSpPr>
+          <p:nvPr/>
+        </p:nvCxnSpPr>
+        <p:spPr bwMode="auto">
+          <a:xfrm>
+            <a:off x="5741988" y="2370138"/>
+            <a:ext cx="1274762" cy="1028700"/>
+          </a:xfrm>
+          <a:prstGeom prst="straightConnector1">
+            <a:avLst/>
+          </a:prstGeom>
+          <a:noFill/>
+          <a:ln w="44450">
+            <a:solidFill>
+              <a:srgbClr val="00B050"/>
+            </a:solidFill>
+            <a:round/>
+            <a:headEnd/>
+            <a:tailEnd type="none" w="lg" len="lg"/>
+          </a:ln>
+        </p:spPr>
+      </p:cxnSp>
+      <p:cxnSp>
+        <p:nvCxnSpPr>
+          <p:cNvPr id="65549" name="AutoShape 13"/>
+          <p:cNvCxnSpPr>
+            <a:cxnSpLocks noChangeShapeType="1"/>
+          </p:cNvCxnSpPr>
+          <p:nvPr/>
+        </p:nvCxnSpPr>
+        <p:spPr bwMode="auto">
+          <a:xfrm flipH="1">
+            <a:off x="5641975" y="2409825"/>
+            <a:ext cx="1588" cy="1635125"/>
+          </a:xfrm>
+          <a:prstGeom prst="straightConnector1">
+            <a:avLst/>
+          </a:prstGeom>
+          <a:noFill/>
+          <a:ln w="44450">
+            <a:solidFill>
+              <a:srgbClr val="00B050"/>
+            </a:solidFill>
+            <a:round/>
+            <a:headEnd/>
+            <a:tailEnd type="none" w="lg" len="lg"/>
+          </a:ln>
+        </p:spPr>
+      </p:cxnSp>
+      <p:cxnSp>
+        <p:nvCxnSpPr>
+          <p:cNvPr id="65550" name="AutoShape 14"/>
+          <p:cNvCxnSpPr>
+            <a:cxnSpLocks noChangeShapeType="1"/>
+          </p:cNvCxnSpPr>
+          <p:nvPr/>
+        </p:nvCxnSpPr>
+        <p:spPr bwMode="auto">
+          <a:xfrm>
+            <a:off x="4910138" y="3497263"/>
+            <a:ext cx="2066925" cy="0"/>
+          </a:xfrm>
+          <a:prstGeom prst="straightConnector1">
+            <a:avLst/>
+          </a:prstGeom>
+          <a:noFill/>
+          <a:ln w="44450">
+            <a:solidFill>
+              <a:srgbClr val="00B050"/>
+            </a:solidFill>
+            <a:round/>
+            <a:headEnd/>
+            <a:tailEnd type="none" w="lg" len="lg"/>
+          </a:ln>
+        </p:spPr>
+      </p:cxnSp>
+      <p:cxnSp>
+        <p:nvCxnSpPr>
+          <p:cNvPr id="65551" name="AutoShape 15"/>
+          <p:cNvCxnSpPr>
+            <a:cxnSpLocks noChangeShapeType="1"/>
+          </p:cNvCxnSpPr>
+          <p:nvPr/>
+        </p:nvCxnSpPr>
+        <p:spPr bwMode="auto">
+          <a:xfrm>
+            <a:off x="2103438" y="2370138"/>
+            <a:ext cx="771525" cy="608012"/>
+          </a:xfrm>
+          <a:prstGeom prst="straightConnector1">
+            <a:avLst/>
+          </a:prstGeom>
+          <a:noFill/>
+          <a:ln w="44450">
+            <a:solidFill>
+              <a:srgbClr val="00B050"/>
+            </a:solidFill>
+            <a:round/>
+            <a:headEnd/>
+            <a:tailEnd type="none" w="lg" len="lg"/>
+          </a:ln>
+        </p:spPr>
+      </p:cxnSp>
+      <p:cxnSp>
+        <p:nvCxnSpPr>
+          <p:cNvPr id="65552" name="AutoShape 16"/>
+          <p:cNvCxnSpPr>
+            <a:cxnSpLocks noChangeShapeType="1"/>
+          </p:cNvCxnSpPr>
+          <p:nvPr/>
+        </p:nvCxnSpPr>
+        <p:spPr bwMode="auto">
+          <a:xfrm flipV="1">
+            <a:off x="3071813" y="2370138"/>
+            <a:ext cx="909637" cy="608012"/>
+          </a:xfrm>
+          <a:prstGeom prst="straightConnector1">
+            <a:avLst/>
+          </a:prstGeom>
+          <a:noFill/>
+          <a:ln w="25400">
+            <a:solidFill>
+              <a:schemeClr val="tx1"/>
+            </a:solidFill>
+            <a:round/>
+            <a:headEnd/>
+            <a:tailEnd type="none" w="lg" len="lg"/>
+          </a:ln>
+        </p:spPr>
+      </p:cxnSp>
+      <p:cxnSp>
+        <p:nvCxnSpPr>
+          <p:cNvPr id="65553" name="AutoShape 17"/>
+          <p:cNvCxnSpPr>
+            <a:cxnSpLocks noChangeShapeType="1"/>
+          </p:cNvCxnSpPr>
+          <p:nvPr/>
+        </p:nvCxnSpPr>
+        <p:spPr bwMode="auto">
+          <a:xfrm flipH="1">
+            <a:off x="2143125" y="2271713"/>
+            <a:ext cx="1798638" cy="0"/>
+          </a:xfrm>
+          <a:prstGeom prst="straightConnector1">
+            <a:avLst/>
+          </a:prstGeom>
+          <a:noFill/>
+          <a:ln w="44450">
+            <a:solidFill>
+              <a:srgbClr val="00B050"/>
+            </a:solidFill>
+            <a:round/>
+            <a:headEnd/>
+            <a:tailEnd type="none" w="lg" len="lg"/>
+          </a:ln>
+        </p:spPr>
+      </p:cxnSp>
+      <p:cxnSp>
+        <p:nvCxnSpPr>
+          <p:cNvPr id="65554" name="AutoShape 18"/>
+          <p:cNvCxnSpPr>
+            <a:cxnSpLocks noChangeShapeType="1"/>
+          </p:cNvCxnSpPr>
+          <p:nvPr/>
+        </p:nvCxnSpPr>
+        <p:spPr bwMode="auto">
+          <a:xfrm>
+            <a:off x="2973388" y="3214688"/>
+            <a:ext cx="0" cy="830262"/>
+          </a:xfrm>
+          <a:prstGeom prst="straightConnector1">
+            <a:avLst/>
+          </a:prstGeom>
+          <a:noFill/>
+          <a:ln w="44450">
+            <a:solidFill>
+              <a:srgbClr val="00B050"/>
+            </a:solidFill>
+            <a:round/>
+            <a:headEnd/>
+            <a:tailEnd type="none" w="lg" len="lg"/>
+          </a:ln>
+        </p:spPr>
+      </p:cxnSp>
+      <p:cxnSp>
+        <p:nvCxnSpPr>
+          <p:cNvPr id="65555" name="AutoShape 19"/>
+          <p:cNvCxnSpPr>
+            <a:cxnSpLocks noChangeShapeType="1"/>
+          </p:cNvCxnSpPr>
+          <p:nvPr/>
+        </p:nvCxnSpPr>
+        <p:spPr bwMode="auto">
+          <a:xfrm>
+            <a:off x="3111500" y="4183063"/>
+            <a:ext cx="968375" cy="0"/>
+          </a:xfrm>
+          <a:prstGeom prst="straightConnector1">
+            <a:avLst/>
+          </a:prstGeom>
+          <a:noFill/>
+          <a:ln w="44450">
+            <a:solidFill>
+              <a:srgbClr val="00B050"/>
+            </a:solidFill>
+            <a:round/>
+            <a:headEnd/>
+            <a:tailEnd type="none" w="lg" len="lg"/>
+          </a:ln>
+        </p:spPr>
+      </p:cxnSp>
+      <p:cxnSp>
+        <p:nvCxnSpPr>
+          <p:cNvPr id="65556" name="AutoShape 20"/>
+          <p:cNvCxnSpPr>
+            <a:cxnSpLocks noChangeShapeType="1"/>
+          </p:cNvCxnSpPr>
+          <p:nvPr/>
+        </p:nvCxnSpPr>
+        <p:spPr bwMode="auto">
+          <a:xfrm flipV="1">
+            <a:off x="4316413" y="3635375"/>
+            <a:ext cx="455612" cy="449263"/>
+          </a:xfrm>
+          <a:prstGeom prst="straightConnector1">
+            <a:avLst/>
+          </a:prstGeom>
+          <a:noFill/>
+          <a:ln w="44450">
+            <a:solidFill>
+              <a:srgbClr val="00B050"/>
+            </a:solidFill>
+            <a:round/>
+            <a:headEnd/>
+            <a:tailEnd type="none" w="lg" len="lg"/>
+          </a:ln>
+        </p:spPr>
+      </p:cxnSp>
+      <p:cxnSp>
+        <p:nvCxnSpPr>
+          <p:cNvPr id="65557" name="AutoShape 21"/>
+          <p:cNvCxnSpPr>
+            <a:cxnSpLocks noChangeShapeType="1"/>
+          </p:cNvCxnSpPr>
+          <p:nvPr/>
+        </p:nvCxnSpPr>
+        <p:spPr bwMode="auto">
+          <a:xfrm>
+            <a:off x="4178300" y="2370138"/>
+            <a:ext cx="495300" cy="1028700"/>
+          </a:xfrm>
+          <a:prstGeom prst="straightConnector1">
+            <a:avLst/>
+          </a:prstGeom>
+          <a:noFill/>
+          <a:ln w="25400">
+            <a:solidFill>
+              <a:schemeClr val="tx1"/>
+            </a:solidFill>
+            <a:round/>
+            <a:headEnd/>
+            <a:tailEnd type="none" w="lg" len="lg"/>
+          </a:ln>
+        </p:spPr>
+      </p:cxnSp>
+      <p:cxnSp>
+        <p:nvCxnSpPr>
+          <p:cNvPr id="65558" name="AutoShape 22"/>
+          <p:cNvCxnSpPr>
+            <a:cxnSpLocks noChangeShapeType="1"/>
+          </p:cNvCxnSpPr>
+          <p:nvPr/>
+        </p:nvCxnSpPr>
+        <p:spPr bwMode="auto">
+          <a:xfrm flipH="1">
+            <a:off x="5740400" y="3595688"/>
+            <a:ext cx="1276350" cy="488950"/>
+          </a:xfrm>
+          <a:prstGeom prst="straightConnector1">
+            <a:avLst/>
+          </a:prstGeom>
+          <a:noFill/>
+          <a:ln w="25400">
+            <a:solidFill>
+              <a:schemeClr val="tx1"/>
+            </a:solidFill>
+            <a:round/>
+            <a:headEnd/>
+            <a:tailEnd type="none" w="lg" len="lg"/>
+          </a:ln>
+        </p:spPr>
+      </p:cxnSp>
+      <p:sp>
+        <p:nvSpPr>
+          <p:cNvPr id="65559" name="Text Box 23"/>
+          <p:cNvSpPr txBox="1">
+            <a:spLocks noChangeArrowheads="1"/>
+          </p:cNvSpPr>
+          <p:nvPr/>
+        </p:nvSpPr>
+        <p:spPr bwMode="auto">
+          <a:xfrm>
+            <a:off x="1703388" y="4729163"/>
+            <a:ext cx="5364162" cy="1311275"/>
+          </a:xfrm>
+          <a:prstGeom prst="rect">
+            <a:avLst/>
+          </a:prstGeom>
+          <a:noFill/>
+          <a:ln w="31750">
+            <a:noFill/>
+            <a:miter lim="800000"/>
+            <a:headEnd/>
+            <a:tailEnd type="none" w="lg" len="lg"/>
+          </a:ln>
+        </p:spPr>
+        <p:txBody>
+          <a:bodyPr wrap="none">
+            <a:spAutoFit/>
+          </a:bodyPr>
+          <a:lstStyle/>
+          <a:p>
+            <a:pPr algn="ctr"/>
+            <a:r>
+              <a:rPr lang="en-US" altLang="zh-CN">
+                <a:latin typeface="Comic Sans MS" pitchFamily="8" charset="0"/>
+                <a:ea typeface="宋体" pitchFamily="2" charset="-122"/>
+              </a:rPr>
+              <a:t>another </a:t>
+            </a:r>
+            <a:r>
+              <a:rPr lang="en-US" altLang="zh-CN">
+                <a:solidFill>
+                  <a:srgbClr val="008000"/>
+                </a:solidFill>
+                <a:latin typeface="Comic Sans MS" pitchFamily="8" charset="0"/>
+                <a:ea typeface="宋体" pitchFamily="2" charset="-122"/>
+              </a:rPr>
+              <a:t>spanning tree</a:t>
+            </a:r>
+          </a:p>
+          <a:p>
+            <a:pPr algn="ctr"/>
+            <a:r>
+              <a:rPr lang="en-US" altLang="zh-CN">
+                <a:latin typeface="Comic Sans MS" pitchFamily="8" charset="0"/>
+                <a:ea typeface="宋体" pitchFamily="2" charset="-122"/>
+              </a:rPr>
+              <a:t>(can have many)</a:t>
+            </a:r>
+          </a:p>
+        </p:txBody>
+      </p:sp>
+      <p:sp>
+        <p:nvSpPr>
+          <p:cNvPr id="65560" name="Rectangle 11"/>
+          <p:cNvSpPr>
+            <a:spLocks noGrp="1" noChangeArrowheads="1"/>
+          </p:cNvSpPr>
+          <p:nvPr>
+            <p:ph type="sldNum" sz="quarter" idx="10"/>
+          </p:nvPr>
+        </p:nvSpPr>
+        <p:spPr>
+          <a:noFill/>
+        </p:spPr>
+        <p:txBody>
+          <a:bodyPr/>
+          <a:lstStyle/>
+          <a:p>
+            <a:r>
+              <a:rPr lang="en-US" dirty="0" err="1"/>
+              <a:t>lec</a:t>
+            </a:r>
+            <a:r>
+              <a:rPr lang="en-US" dirty="0" smtClean="0"/>
+              <a:t> 8F.</a:t>
+            </a:r>
+            <a:fld id="{74805E1D-9C35-44EE-9E88-65BD19912804}" type="slidenum">
+              <a:rPr lang="en-US" smtClean="0"/>
+              <a:pPr/>
+              <a:t>20</a:t>
+            </a:fld>
+            <a:endParaRPr lang="en-US" dirty="0"/>
+          </a:p>
+        </p:txBody>
+      </p:sp>
+    </p:spTree>
+  </p:cSld>
+  <p:clrMapOvr>
+    <a:masterClrMapping/>
+  </p:clrMapOvr>
+  <p:transition xmlns:p14="http://schemas.microsoft.com/office/powerpoint/2010/main">
+    <p:fade/>
+  </p:transition>
+  <p:timing>
+    <p:tnLst>
+      <p:par>
+        <p:cTn xmlns:p14="http://schemas.microsoft.com/office/powerpoint/2010/main" id="1" dur="indefinite" restart="never" nodeType="tmRoot"/>
+      </p:par>
+    </p:tnLst>
+  </p:timing>
+</p:sld>
+</file>
+
+<file path=ppt/slides/slide21.xml><?xml version="1.0" encoding="utf-8"?>
+<p:sld xmlns:a="http://schemas.openxmlformats.org/drawingml/2006/main" xmlns:r="http://schemas.openxmlformats.org/officeDocument/2006/relationships" xmlns:p="http://schemas.openxmlformats.org/presentationml/2006/main">
+  <p:cSld>
+    <p:spTree>
+      <p:nvGrpSpPr>
+        <p:cNvPr id="1" name=""/>
+        <p:cNvGrpSpPr/>
+        <p:nvPr/>
+      </p:nvGrpSpPr>
+      <p:grpSpPr>
+        <a:xfrm>
+          <a:off x="0" y="0"/>
+          <a:ext cx="0" cy="0"/>
+          <a:chOff x="0" y="0"/>
+          <a:chExt cx="0" cy="0"/>
+        </a:xfrm>
+      </p:grpSpPr>
+      <p:sp>
+        <p:nvSpPr>
           <p:cNvPr id="66562" name="Rectangle 2"/>
           <p:cNvSpPr>
             <a:spLocks noGrp="1" noChangeArrowheads="1"/>
@@ -12955,7 +14129,7 @@
             <a:fld id="{D3A2648A-3D07-4686-9397-220DF4B6A18C}" type="slidenum">
               <a:rPr lang="en-US" smtClean="0"/>
               <a:pPr/>
-              <a:t>20</a:t>
+              <a:t>21</a:t>
             </a:fld>
             <a:endParaRPr lang="en-US" dirty="0"/>
           </a:p>
@@ -13082,7 +14256,7 @@
 </p:sld>
 </file>
 
-<file path=ppt/slides/slide21.xml><?xml version="1.0" encoding="utf-8"?>
+<file path=ppt/slides/slide22.xml><?xml version="1.0" encoding="utf-8"?>
 <p:sld xmlns:a="http://schemas.openxmlformats.org/drawingml/2006/main" xmlns:r="http://schemas.openxmlformats.org/officeDocument/2006/relationships" xmlns:p="http://schemas.openxmlformats.org/presentationml/2006/main">
   <p:cSld>
     <p:spTree>
@@ -13188,7 +14362,7 @@
             <a:fld id="{D3A2648A-3D07-4686-9397-220DF4B6A18C}" type="slidenum">
               <a:rPr lang="en-US" smtClean="0"/>
               <a:pPr/>
-              <a:t>21</a:t>
+              <a:t>22</a:t>
             </a:fld>
             <a:endParaRPr lang="en-US" dirty="0"/>
           </a:p>
@@ -13375,9 +14549,6 @@
               </a:rPr>
               <a:t>Find min weight spanning tree?</a:t>
             </a:r>
-            <a:endParaRPr lang="en-US" altLang="zh-CN" sz="4400" dirty="0" smtClean="0">
-              <a:ea typeface="宋体" pitchFamily="2" charset="-122"/>
-            </a:endParaRPr>
           </a:p>
         </p:txBody>
       </p:sp>
@@ -13911,9 +15082,6 @@
                 </a:rPr>
                 <a:t>4</a:t>
               </a:r>
-              <a:endParaRPr lang="en-US" sz="2800" dirty="0" smtClean="0">
-                <a:latin typeface="+mj-lt"/>
-              </a:endParaRPr>
             </a:p>
           </p:txBody>
         </p:sp>
@@ -13945,9 +15113,6 @@
                 </a:rPr>
                 <a:t>4</a:t>
               </a:r>
-              <a:endParaRPr lang="en-US" sz="2800" dirty="0" smtClean="0">
-                <a:latin typeface="+mj-lt"/>
-              </a:endParaRPr>
             </a:p>
           </p:txBody>
         </p:sp>
@@ -13979,9 +15144,6 @@
                 </a:rPr>
                 <a:t>1</a:t>
               </a:r>
-              <a:endParaRPr lang="en-US" sz="2800" dirty="0" smtClean="0">
-                <a:latin typeface="+mj-lt"/>
-              </a:endParaRPr>
             </a:p>
           </p:txBody>
         </p:sp>
@@ -14013,9 +15175,6 @@
                 </a:rPr>
                 <a:t>3</a:t>
               </a:r>
-              <a:endParaRPr lang="en-US" sz="2800" dirty="0" smtClean="0">
-                <a:latin typeface="+mj-lt"/>
-              </a:endParaRPr>
             </a:p>
           </p:txBody>
         </p:sp>
@@ -14047,9 +15206,6 @@
                 </a:rPr>
                 <a:t>6</a:t>
               </a:r>
-              <a:endParaRPr lang="en-US" sz="2800" dirty="0" smtClean="0">
-                <a:latin typeface="+mj-lt"/>
-              </a:endParaRPr>
             </a:p>
           </p:txBody>
         </p:sp>
@@ -14081,9 +15237,6 @@
                 </a:rPr>
                 <a:t>9</a:t>
               </a:r>
-              <a:endParaRPr lang="en-US" sz="2800" dirty="0" smtClean="0">
-                <a:latin typeface="+mj-lt"/>
-              </a:endParaRPr>
             </a:p>
           </p:txBody>
         </p:sp>
@@ -14115,9 +15268,6 @@
                 </a:rPr>
                 <a:t>2</a:t>
               </a:r>
-              <a:endParaRPr lang="en-US" sz="2800" dirty="0" smtClean="0">
-                <a:latin typeface="+mj-lt"/>
-              </a:endParaRPr>
             </a:p>
           </p:txBody>
         </p:sp>
@@ -14149,9 +15299,6 @@
                 </a:rPr>
                 <a:t>1</a:t>
               </a:r>
-              <a:endParaRPr lang="en-US" sz="2800" dirty="0" smtClean="0">
-                <a:latin typeface="+mj-lt"/>
-              </a:endParaRPr>
             </a:p>
           </p:txBody>
         </p:sp>
@@ -14183,9 +15330,6 @@
                 </a:rPr>
                 <a:t>7</a:t>
               </a:r>
-              <a:endParaRPr lang="en-US" sz="2800" dirty="0" smtClean="0">
-                <a:latin typeface="+mj-lt"/>
-              </a:endParaRPr>
             </a:p>
           </p:txBody>
         </p:sp>
@@ -14345,7 +15489,7 @@
 </p:sld>
 </file>
 
-<file path=ppt/slides/slide22.xml><?xml version="1.0" encoding="utf-8"?>
+<file path=ppt/slides/slide23.xml><?xml version="1.0" encoding="utf-8"?>
 <p:sld xmlns:a="http://schemas.openxmlformats.org/drawingml/2006/main" xmlns:r="http://schemas.openxmlformats.org/officeDocument/2006/relationships" xmlns:p="http://schemas.openxmlformats.org/presentationml/2006/main">
   <p:cSld>
     <p:spTree>
@@ -14486,7 +15630,7 @@
               <a:pPr>
                 <a:defRPr/>
               </a:pPr>
-              <a:t>22</a:t>
+              <a:t>23</a:t>
             </a:fld>
             <a:endParaRPr lang="en-US" dirty="0"/>
           </a:p>
@@ -14946,7 +16090,7 @@
 </p:sld>
 </file>
 
-<file path=ppt/slides/slide23.xml><?xml version="1.0" encoding="utf-8"?>
+<file path=ppt/slides/slide24.xml><?xml version="1.0" encoding="utf-8"?>
 <p:sld xmlns:a="http://schemas.openxmlformats.org/drawingml/2006/main" xmlns:r="http://schemas.openxmlformats.org/officeDocument/2006/relationships" xmlns:p="http://schemas.openxmlformats.org/presentationml/2006/main">
   <p:cSld>
     <p:spTree>
@@ -15016,7 +16160,7 @@
             <a:fld id="{D3A2648A-3D07-4686-9397-220DF4B6A18C}" type="slidenum">
               <a:rPr lang="en-US" smtClean="0"/>
               <a:pPr/>
-              <a:t>23</a:t>
+              <a:t>24</a:t>
             </a:fld>
             <a:endParaRPr lang="en-US" dirty="0"/>
           </a:p>
@@ -15050,9 +16194,6 @@
               </a:rPr>
               <a:t>color components</a:t>
             </a:r>
-            <a:endParaRPr lang="en-US" sz="4400" dirty="0" smtClean="0">
-              <a:latin typeface="+mj-lt"/>
-            </a:endParaRPr>
           </a:p>
         </p:txBody>
       </p:sp>
@@ -15586,9 +16727,6 @@
                 </a:rPr>
                 <a:t>4</a:t>
               </a:r>
-              <a:endParaRPr lang="en-US" sz="2800" dirty="0" smtClean="0">
-                <a:latin typeface="+mj-lt"/>
-              </a:endParaRPr>
             </a:p>
           </p:txBody>
         </p:sp>
@@ -15620,9 +16758,6 @@
                 </a:rPr>
                 <a:t>4</a:t>
               </a:r>
-              <a:endParaRPr lang="en-US" sz="2800" dirty="0" smtClean="0">
-                <a:latin typeface="+mj-lt"/>
-              </a:endParaRPr>
             </a:p>
           </p:txBody>
         </p:sp>
@@ -15654,9 +16789,6 @@
                 </a:rPr>
                 <a:t>1</a:t>
               </a:r>
-              <a:endParaRPr lang="en-US" sz="2800" dirty="0" smtClean="0">
-                <a:latin typeface="+mj-lt"/>
-              </a:endParaRPr>
             </a:p>
           </p:txBody>
         </p:sp>
@@ -15688,9 +16820,6 @@
                 </a:rPr>
                 <a:t>3</a:t>
               </a:r>
-              <a:endParaRPr lang="en-US" sz="2800" dirty="0" smtClean="0">
-                <a:latin typeface="+mj-lt"/>
-              </a:endParaRPr>
             </a:p>
           </p:txBody>
         </p:sp>
@@ -15722,9 +16851,6 @@
                 </a:rPr>
                 <a:t>6</a:t>
               </a:r>
-              <a:endParaRPr lang="en-US" sz="2800" dirty="0" smtClean="0">
-                <a:latin typeface="+mj-lt"/>
-              </a:endParaRPr>
             </a:p>
           </p:txBody>
         </p:sp>
@@ -15756,9 +16882,6 @@
                 </a:rPr>
                 <a:t>9</a:t>
               </a:r>
-              <a:endParaRPr lang="en-US" sz="2800" dirty="0" smtClean="0">
-                <a:latin typeface="+mj-lt"/>
-              </a:endParaRPr>
             </a:p>
           </p:txBody>
         </p:sp>
@@ -15790,9 +16913,6 @@
                 </a:rPr>
                 <a:t>2</a:t>
               </a:r>
-              <a:endParaRPr lang="en-US" sz="2800" dirty="0" smtClean="0">
-                <a:latin typeface="+mj-lt"/>
-              </a:endParaRPr>
             </a:p>
           </p:txBody>
         </p:sp>
@@ -15824,9 +16944,6 @@
                 </a:rPr>
                 <a:t>1</a:t>
               </a:r>
-              <a:endParaRPr lang="en-US" sz="2800" dirty="0" smtClean="0">
-                <a:latin typeface="+mj-lt"/>
-              </a:endParaRPr>
             </a:p>
           </p:txBody>
         </p:sp>
@@ -15858,9 +16975,6 @@
                 </a:rPr>
                 <a:t>7</a:t>
               </a:r>
-              <a:endParaRPr lang="en-US" sz="2800" dirty="0" smtClean="0">
-                <a:latin typeface="+mj-lt"/>
-              </a:endParaRPr>
             </a:p>
           </p:txBody>
         </p:sp>
@@ -15875,949 +16989,13 @@
   <p:clrMapOvr>
     <a:masterClrMapping/>
   </p:clrMapOvr>
-  <mc:AlternateContent xmlns:mc="http://schemas.openxmlformats.org/markup-compatibility/2006">
-    <mc:Choice xmlns:p14="http://schemas.microsoft.com/office/powerpoint/2010/main" Requires="p14">
+  <mc:AlternateContent xmlns:mc="http://schemas.openxmlformats.org/markup-compatibility/2006" xmlns:p14="http://schemas.microsoft.com/office/powerpoint/2010/main">
+    <mc:Choice Requires="p14">
       <p:transition spd="med" p14:dur="700">
         <p:fade/>
       </p:transition>
     </mc:Choice>
-    <mc:Fallback>
-      <p:transition xmlns:p14="http://schemas.microsoft.com/office/powerpoint/2010/main" spd="med">
-        <p:fade/>
-      </p:transition>
-    </mc:Fallback>
-  </mc:AlternateContent>
-  <p:timing>
-    <p:tnLst>
-      <p:par>
-        <p:cTn xmlns:p14="http://schemas.microsoft.com/office/powerpoint/2010/main" id="1" dur="indefinite" restart="never" nodeType="tmRoot"/>
-      </p:par>
-    </p:tnLst>
-  </p:timing>
-</p:sld>
-</file>
-
-<file path=ppt/slides/slide24.xml><?xml version="1.0" encoding="utf-8"?>
-<p:sld xmlns:a="http://schemas.openxmlformats.org/drawingml/2006/main" xmlns:r="http://schemas.openxmlformats.org/officeDocument/2006/relationships" xmlns:p="http://schemas.openxmlformats.org/presentationml/2006/main">
-  <p:cSld>
-    <p:spTree>
-      <p:nvGrpSpPr>
-        <p:cNvPr id="1" name=""/>
-        <p:cNvGrpSpPr/>
-        <p:nvPr/>
-      </p:nvGrpSpPr>
-      <p:grpSpPr>
-        <a:xfrm>
-          <a:off x="0" y="0"/>
-          <a:ext cx="0" cy="0"/>
-          <a:chOff x="0" y="0"/>
-          <a:chExt cx="0" cy="0"/>
-        </a:xfrm>
-      </p:grpSpPr>
-      <p:sp>
-        <p:nvSpPr>
-          <p:cNvPr id="66562" name="Rectangle 2"/>
-          <p:cNvSpPr>
-            <a:spLocks noGrp="1" noChangeArrowheads="1"/>
-          </p:cNvSpPr>
-          <p:nvPr>
-            <p:ph type="title"/>
-          </p:nvPr>
-        </p:nvSpPr>
-        <p:spPr/>
-        <p:txBody>
-          <a:bodyPr/>
-          <a:lstStyle/>
-          <a:p>
-            <a:pPr eaLnBrk="1" hangingPunct="1"/>
-            <a:r>
-              <a:rPr lang="en-US" altLang="zh-CN" dirty="0" smtClean="0">
-                <a:ea typeface="宋体" pitchFamily="2" charset="-122"/>
-              </a:rPr>
-              <a:t>Minimum Spanning Trees</a:t>
-            </a:r>
-          </a:p>
-        </p:txBody>
-      </p:sp>
-      <p:sp>
-        <p:nvSpPr>
-          <p:cNvPr id="66565" name="Rectangle 11"/>
-          <p:cNvSpPr>
-            <a:spLocks noGrp="1" noChangeArrowheads="1"/>
-          </p:cNvSpPr>
-          <p:nvPr>
-            <p:ph type="sldNum" sz="quarter" idx="10"/>
-          </p:nvPr>
-        </p:nvSpPr>
-        <p:spPr>
-          <a:noFill/>
-        </p:spPr>
-        <p:txBody>
-          <a:bodyPr/>
-          <a:lstStyle/>
-          <a:p>
-            <a:r>
-              <a:rPr lang="en-US" dirty="0" err="1"/>
-              <a:t>lec</a:t>
-            </a:r>
-            <a:r>
-              <a:rPr lang="en-US" dirty="0" smtClean="0"/>
-              <a:t> 8F.</a:t>
-            </a:r>
-            <a:fld id="{D3A2648A-3D07-4686-9397-220DF4B6A18C}" type="slidenum">
-              <a:rPr lang="en-US" smtClean="0"/>
-              <a:pPr/>
-              <a:t>24</a:t>
-            </a:fld>
-            <a:endParaRPr lang="en-US" dirty="0"/>
-          </a:p>
-        </p:txBody>
-      </p:sp>
-      <p:sp>
-        <p:nvSpPr>
-          <p:cNvPr id="4" name="TextBox 3"/>
-          <p:cNvSpPr txBox="1"/>
-          <p:nvPr/>
-        </p:nvSpPr>
-        <p:spPr>
-          <a:xfrm>
-            <a:off x="884445" y="997802"/>
-            <a:ext cx="4725998" cy="769441"/>
-          </a:xfrm>
-          <a:prstGeom prst="rect">
-            <a:avLst/>
-          </a:prstGeom>
-          <a:noFill/>
-        </p:spPr>
-        <p:txBody>
-          <a:bodyPr wrap="none" rtlCol="0">
-            <a:spAutoFit/>
-          </a:bodyPr>
-          <a:lstStyle/>
-          <a:p>
-            <a:r>
-              <a:rPr lang="en-US" sz="4400" dirty="0" smtClean="0">
-                <a:latin typeface="+mj-lt"/>
-              </a:rPr>
-              <a:t>color components</a:t>
-            </a:r>
-            <a:endParaRPr lang="en-US" sz="4400" dirty="0" smtClean="0">
-              <a:latin typeface="+mj-lt"/>
-            </a:endParaRPr>
-          </a:p>
-        </p:txBody>
-      </p:sp>
-      <p:sp>
-        <p:nvSpPr>
-          <p:cNvPr id="54" name="Oval 5"/>
-          <p:cNvSpPr>
-            <a:spLocks noChangeArrowheads="1"/>
-          </p:cNvSpPr>
-          <p:nvPr/>
-        </p:nvSpPr>
-        <p:spPr bwMode="auto">
-          <a:xfrm>
-            <a:off x="2842590" y="3278189"/>
-            <a:ext cx="276225" cy="276225"/>
-          </a:xfrm>
-          <a:prstGeom prst="ellipse">
-            <a:avLst/>
-          </a:prstGeom>
-          <a:solidFill>
-            <a:schemeClr val="tx2"/>
-          </a:solidFill>
-          <a:ln w="9525">
-            <a:solidFill>
-              <a:schemeClr val="tx1"/>
-            </a:solidFill>
-            <a:round/>
-            <a:headEnd/>
-            <a:tailEnd type="none" w="lg" len="lg"/>
-          </a:ln>
-        </p:spPr>
-        <p:txBody>
-          <a:bodyPr wrap="none" anchor="ctr"/>
-          <a:lstStyle/>
-          <a:p>
-            <a:endParaRPr lang="zh-CN" altLang="en-US">
-              <a:ea typeface="宋体" pitchFamily="2" charset="-122"/>
-            </a:endParaRPr>
-          </a:p>
-        </p:txBody>
-      </p:sp>
-      <p:sp>
-        <p:nvSpPr>
-          <p:cNvPr id="55" name="Oval 6"/>
-          <p:cNvSpPr>
-            <a:spLocks noChangeArrowheads="1"/>
-          </p:cNvSpPr>
-          <p:nvPr/>
-        </p:nvSpPr>
-        <p:spPr bwMode="auto">
-          <a:xfrm>
-            <a:off x="4483748" y="3278189"/>
-            <a:ext cx="276225" cy="276225"/>
-          </a:xfrm>
-          <a:prstGeom prst="ellipse">
-            <a:avLst/>
-          </a:prstGeom>
-          <a:solidFill>
-            <a:schemeClr val="accent3"/>
-          </a:solidFill>
-          <a:ln w="9525">
-            <a:solidFill>
-              <a:schemeClr val="tx1"/>
-            </a:solidFill>
-            <a:round/>
-            <a:headEnd/>
-            <a:tailEnd type="none" w="lg" len="lg"/>
-          </a:ln>
-        </p:spPr>
-        <p:txBody>
-          <a:bodyPr wrap="none" anchor="ctr"/>
-          <a:lstStyle/>
-          <a:p>
-            <a:endParaRPr lang="zh-CN" altLang="en-US">
-              <a:ea typeface="宋体" pitchFamily="2" charset="-122"/>
-            </a:endParaRPr>
-          </a:p>
-        </p:txBody>
-      </p:sp>
-      <p:sp>
-        <p:nvSpPr>
-          <p:cNvPr id="56" name="Oval 7"/>
-          <p:cNvSpPr>
-            <a:spLocks noChangeArrowheads="1"/>
-          </p:cNvSpPr>
-          <p:nvPr/>
-        </p:nvSpPr>
-        <p:spPr bwMode="auto">
-          <a:xfrm>
-            <a:off x="4479009" y="2042893"/>
-            <a:ext cx="276225" cy="276225"/>
-          </a:xfrm>
-          <a:prstGeom prst="ellipse">
-            <a:avLst/>
-          </a:prstGeom>
-          <a:solidFill>
-            <a:schemeClr val="tx2"/>
-          </a:solidFill>
-          <a:ln w="9525">
-            <a:solidFill>
-              <a:schemeClr val="tx1"/>
-            </a:solidFill>
-            <a:round/>
-            <a:headEnd/>
-            <a:tailEnd type="none" w="lg" len="lg"/>
-          </a:ln>
-        </p:spPr>
-        <p:txBody>
-          <a:bodyPr wrap="none" anchor="ctr"/>
-          <a:lstStyle/>
-          <a:p>
-            <a:endParaRPr lang="zh-CN" altLang="en-US">
-              <a:ea typeface="宋体" pitchFamily="2" charset="-122"/>
-            </a:endParaRPr>
-          </a:p>
-        </p:txBody>
-      </p:sp>
-      <p:sp>
-        <p:nvSpPr>
-          <p:cNvPr id="57" name="Oval 8"/>
-          <p:cNvSpPr>
-            <a:spLocks noChangeArrowheads="1"/>
-          </p:cNvSpPr>
-          <p:nvPr/>
-        </p:nvSpPr>
-        <p:spPr bwMode="auto">
-          <a:xfrm>
-            <a:off x="3712694" y="4506058"/>
-            <a:ext cx="276225" cy="276225"/>
-          </a:xfrm>
-          <a:prstGeom prst="ellipse">
-            <a:avLst/>
-          </a:prstGeom>
-          <a:solidFill>
-            <a:schemeClr val="tx2"/>
-          </a:solidFill>
-          <a:ln w="9525">
-            <a:solidFill>
-              <a:schemeClr val="tx1"/>
-            </a:solidFill>
-            <a:round/>
-            <a:headEnd/>
-            <a:tailEnd type="none" w="lg" len="lg"/>
-          </a:ln>
-        </p:spPr>
-        <p:txBody>
-          <a:bodyPr wrap="none" anchor="ctr"/>
-          <a:lstStyle/>
-          <a:p>
-            <a:endParaRPr lang="zh-CN" altLang="en-US">
-              <a:ea typeface="宋体" pitchFamily="2" charset="-122"/>
-            </a:endParaRPr>
-          </a:p>
-        </p:txBody>
-      </p:sp>
-      <p:sp>
-        <p:nvSpPr>
-          <p:cNvPr id="58" name="Oval 9"/>
-          <p:cNvSpPr>
-            <a:spLocks noChangeArrowheads="1"/>
-          </p:cNvSpPr>
-          <p:nvPr/>
-        </p:nvSpPr>
-        <p:spPr bwMode="auto">
-          <a:xfrm>
-            <a:off x="5995280" y="3278189"/>
-            <a:ext cx="277813" cy="276225"/>
-          </a:xfrm>
-          <a:prstGeom prst="ellipse">
-            <a:avLst/>
-          </a:prstGeom>
-          <a:solidFill>
-            <a:schemeClr val="accent3"/>
-          </a:solidFill>
-          <a:ln w="9525">
-            <a:solidFill>
-              <a:schemeClr val="tx1"/>
-            </a:solidFill>
-            <a:round/>
-            <a:headEnd/>
-            <a:tailEnd type="none" w="lg" len="lg"/>
-          </a:ln>
-        </p:spPr>
-        <p:txBody>
-          <a:bodyPr wrap="none" anchor="ctr"/>
-          <a:lstStyle/>
-          <a:p>
-            <a:endParaRPr lang="zh-CN" altLang="en-US">
-              <a:ea typeface="宋体" pitchFamily="2" charset="-122"/>
-            </a:endParaRPr>
-          </a:p>
-        </p:txBody>
-      </p:sp>
-      <p:sp>
-        <p:nvSpPr>
-          <p:cNvPr id="59" name="Oval 10"/>
-          <p:cNvSpPr>
-            <a:spLocks noChangeArrowheads="1"/>
-          </p:cNvSpPr>
-          <p:nvPr/>
-        </p:nvSpPr>
-        <p:spPr bwMode="auto">
-          <a:xfrm>
-            <a:off x="5116040" y="4506058"/>
-            <a:ext cx="276225" cy="276225"/>
-          </a:xfrm>
-          <a:prstGeom prst="ellipse">
-            <a:avLst/>
-          </a:prstGeom>
-          <a:solidFill>
-            <a:schemeClr val="tx2"/>
-          </a:solidFill>
-          <a:ln w="9525">
-            <a:solidFill>
-              <a:schemeClr val="tx1"/>
-            </a:solidFill>
-            <a:round/>
-            <a:headEnd/>
-            <a:tailEnd type="none" w="lg" len="lg"/>
-          </a:ln>
-        </p:spPr>
-        <p:txBody>
-          <a:bodyPr wrap="none" anchor="ctr"/>
-          <a:lstStyle/>
-          <a:p>
-            <a:endParaRPr lang="zh-CN" altLang="en-US">
-              <a:ea typeface="宋体" pitchFamily="2" charset="-122"/>
-            </a:endParaRPr>
-          </a:p>
-        </p:txBody>
-      </p:sp>
-      <p:cxnSp>
-        <p:nvCxnSpPr>
-          <p:cNvPr id="60" name="AutoShape 14"/>
-          <p:cNvCxnSpPr>
-            <a:cxnSpLocks noChangeShapeType="1"/>
-            <a:stCxn id="54" idx="6"/>
-            <a:endCxn id="55" idx="2"/>
-          </p:cNvCxnSpPr>
-          <p:nvPr/>
-        </p:nvCxnSpPr>
-        <p:spPr bwMode="auto">
-          <a:xfrm>
-            <a:off x="3118815" y="3416302"/>
-            <a:ext cx="1364933" cy="0"/>
-          </a:xfrm>
-          <a:prstGeom prst="straightConnector1">
-            <a:avLst/>
-          </a:prstGeom>
-          <a:noFill/>
-          <a:ln w="31750">
-            <a:solidFill>
-              <a:schemeClr val="tx1"/>
-            </a:solidFill>
-            <a:round/>
-            <a:headEnd/>
-            <a:tailEnd type="none" w="lg" len="lg"/>
-          </a:ln>
-        </p:spPr>
-      </p:cxnSp>
-      <p:cxnSp>
-        <p:nvCxnSpPr>
-          <p:cNvPr id="61" name="AutoShape 16"/>
-          <p:cNvCxnSpPr>
-            <a:cxnSpLocks noChangeShapeType="1"/>
-            <a:stCxn id="56" idx="3"/>
-          </p:cNvCxnSpPr>
-          <p:nvPr/>
-        </p:nvCxnSpPr>
-        <p:spPr bwMode="auto">
-          <a:xfrm flipH="1">
-            <a:off x="3080563" y="2278666"/>
-            <a:ext cx="1438898" cy="1030524"/>
-          </a:xfrm>
-          <a:prstGeom prst="straightConnector1">
-            <a:avLst/>
-          </a:prstGeom>
-          <a:noFill/>
-          <a:ln w="31750">
-            <a:solidFill>
-              <a:schemeClr val="tx1"/>
-            </a:solidFill>
-            <a:round/>
-            <a:headEnd/>
-            <a:tailEnd type="none" w="lg" len="lg"/>
-          </a:ln>
-        </p:spPr>
-      </p:cxnSp>
-      <p:cxnSp>
-        <p:nvCxnSpPr>
-          <p:cNvPr id="62" name="AutoShape 17"/>
-          <p:cNvCxnSpPr>
-            <a:cxnSpLocks noChangeShapeType="1"/>
-            <a:stCxn id="55" idx="4"/>
-            <a:endCxn id="57" idx="7"/>
-          </p:cNvCxnSpPr>
-          <p:nvPr/>
-        </p:nvCxnSpPr>
-        <p:spPr bwMode="auto">
-          <a:xfrm flipH="1">
-            <a:off x="3948467" y="3554414"/>
-            <a:ext cx="673394" cy="992096"/>
-          </a:xfrm>
-          <a:prstGeom prst="straightConnector1">
-            <a:avLst/>
-          </a:prstGeom>
-          <a:noFill/>
-          <a:ln w="31750">
-            <a:solidFill>
-              <a:schemeClr val="tx1"/>
-            </a:solidFill>
-            <a:round/>
-            <a:headEnd/>
-            <a:tailEnd type="none" w="lg" len="lg"/>
-          </a:ln>
-        </p:spPr>
-      </p:cxnSp>
-      <p:cxnSp>
-        <p:nvCxnSpPr>
-          <p:cNvPr id="63" name="AutoShape 18"/>
-          <p:cNvCxnSpPr>
-            <a:cxnSpLocks noChangeShapeType="1"/>
-            <a:stCxn id="57" idx="6"/>
-            <a:endCxn id="59" idx="2"/>
-          </p:cNvCxnSpPr>
-          <p:nvPr/>
-        </p:nvCxnSpPr>
-        <p:spPr bwMode="auto">
-          <a:xfrm>
-            <a:off x="3988919" y="4644171"/>
-            <a:ext cx="1127121" cy="0"/>
-          </a:xfrm>
-          <a:prstGeom prst="straightConnector1">
-            <a:avLst/>
-          </a:prstGeom>
-          <a:noFill/>
-          <a:ln w="31750">
-            <a:solidFill>
-              <a:schemeClr val="tx1"/>
-            </a:solidFill>
-            <a:round/>
-            <a:headEnd/>
-            <a:tailEnd type="none" w="lg" len="lg"/>
-          </a:ln>
-        </p:spPr>
-      </p:cxnSp>
-      <p:cxnSp>
-        <p:nvCxnSpPr>
-          <p:cNvPr id="64" name="AutoShape 19"/>
-          <p:cNvCxnSpPr>
-            <a:cxnSpLocks noChangeShapeType="1"/>
-            <a:stCxn id="59" idx="7"/>
-            <a:endCxn id="58" idx="4"/>
-          </p:cNvCxnSpPr>
-          <p:nvPr/>
-        </p:nvCxnSpPr>
-        <p:spPr bwMode="auto">
-          <a:xfrm flipV="1">
-            <a:off x="5351813" y="3554414"/>
-            <a:ext cx="782374" cy="992096"/>
-          </a:xfrm>
-          <a:prstGeom prst="straightConnector1">
-            <a:avLst/>
-          </a:prstGeom>
-          <a:noFill/>
-          <a:ln w="31750">
-            <a:solidFill>
-              <a:schemeClr val="tx1"/>
-            </a:solidFill>
-            <a:round/>
-            <a:headEnd/>
-            <a:tailEnd type="none" w="lg" len="lg"/>
-          </a:ln>
-        </p:spPr>
-      </p:cxnSp>
-      <p:cxnSp>
-        <p:nvCxnSpPr>
-          <p:cNvPr id="65" name="AutoShape 25"/>
-          <p:cNvCxnSpPr>
-            <a:cxnSpLocks noChangeShapeType="1"/>
-            <a:stCxn id="56" idx="5"/>
-            <a:endCxn id="58" idx="1"/>
-          </p:cNvCxnSpPr>
-          <p:nvPr/>
-        </p:nvCxnSpPr>
-        <p:spPr bwMode="auto">
-          <a:xfrm>
-            <a:off x="4714782" y="2278666"/>
-            <a:ext cx="1321183" cy="1039975"/>
-          </a:xfrm>
-          <a:prstGeom prst="straightConnector1">
-            <a:avLst/>
-          </a:prstGeom>
-          <a:noFill/>
-          <a:ln w="31750">
-            <a:solidFill>
-              <a:schemeClr val="tx1"/>
-            </a:solidFill>
-            <a:round/>
-            <a:headEnd/>
-            <a:tailEnd type="none" w="lg" len="lg"/>
-          </a:ln>
-        </p:spPr>
-      </p:cxnSp>
-      <p:cxnSp>
-        <p:nvCxnSpPr>
-          <p:cNvPr id="66" name="AutoShape 14"/>
-          <p:cNvCxnSpPr>
-            <a:cxnSpLocks noChangeShapeType="1"/>
-            <a:stCxn id="55" idx="6"/>
-            <a:endCxn id="58" idx="2"/>
-          </p:cNvCxnSpPr>
-          <p:nvPr/>
-        </p:nvCxnSpPr>
-        <p:spPr bwMode="auto">
-          <a:xfrm>
-            <a:off x="4759973" y="3416302"/>
-            <a:ext cx="1235307" cy="0"/>
-          </a:xfrm>
-          <a:prstGeom prst="straightConnector1">
-            <a:avLst/>
-          </a:prstGeom>
-          <a:noFill/>
-          <a:ln w="31750">
-            <a:solidFill>
-              <a:schemeClr val="tx1"/>
-            </a:solidFill>
-            <a:round/>
-            <a:headEnd/>
-            <a:tailEnd type="none" w="lg" len="lg"/>
-          </a:ln>
-        </p:spPr>
-      </p:cxnSp>
-      <p:cxnSp>
-        <p:nvCxnSpPr>
-          <p:cNvPr id="68" name="AutoShape 19"/>
-          <p:cNvCxnSpPr>
-            <a:cxnSpLocks noChangeShapeType="1"/>
-            <a:stCxn id="59" idx="1"/>
-            <a:endCxn id="55" idx="4"/>
-          </p:cNvCxnSpPr>
-          <p:nvPr/>
-        </p:nvCxnSpPr>
-        <p:spPr bwMode="auto">
-          <a:xfrm flipH="1" flipV="1">
-            <a:off x="4621861" y="3554414"/>
-            <a:ext cx="534631" cy="992096"/>
-          </a:xfrm>
-          <a:prstGeom prst="straightConnector1">
-            <a:avLst/>
-          </a:prstGeom>
-          <a:noFill/>
-          <a:ln w="31750">
-            <a:solidFill>
-              <a:schemeClr val="tx1"/>
-            </a:solidFill>
-            <a:round/>
-            <a:headEnd/>
-            <a:tailEnd type="none" w="lg" len="lg"/>
-          </a:ln>
-        </p:spPr>
-      </p:cxnSp>
-      <p:cxnSp>
-        <p:nvCxnSpPr>
-          <p:cNvPr id="69" name="AutoShape 19"/>
-          <p:cNvCxnSpPr>
-            <a:cxnSpLocks noChangeShapeType="1"/>
-            <a:stCxn id="57" idx="1"/>
-            <a:endCxn id="54" idx="5"/>
-          </p:cNvCxnSpPr>
-          <p:nvPr/>
-        </p:nvCxnSpPr>
-        <p:spPr bwMode="auto">
-          <a:xfrm flipH="1" flipV="1">
-            <a:off x="3078363" y="3513962"/>
-            <a:ext cx="674783" cy="1032548"/>
-          </a:xfrm>
-          <a:prstGeom prst="straightConnector1">
-            <a:avLst/>
-          </a:prstGeom>
-          <a:noFill/>
-          <a:ln w="31750">
-            <a:solidFill>
-              <a:schemeClr val="tx1"/>
-            </a:solidFill>
-            <a:round/>
-            <a:headEnd/>
-            <a:tailEnd type="none" w="lg" len="lg"/>
-          </a:ln>
-        </p:spPr>
-      </p:cxnSp>
-      <p:sp>
-        <p:nvSpPr>
-          <p:cNvPr id="70" name="TextBox 69"/>
-          <p:cNvSpPr txBox="1"/>
-          <p:nvPr/>
-        </p:nvSpPr>
-        <p:spPr>
-          <a:xfrm>
-            <a:off x="5365893" y="2366003"/>
-            <a:ext cx="403826" cy="523220"/>
-          </a:xfrm>
-          <a:prstGeom prst="rect">
-            <a:avLst/>
-          </a:prstGeom>
-          <a:noFill/>
-        </p:spPr>
-        <p:txBody>
-          <a:bodyPr wrap="none" rtlCol="0">
-            <a:spAutoFit/>
-          </a:bodyPr>
-          <a:lstStyle/>
-          <a:p>
-            <a:r>
-              <a:rPr lang="en-US" sz="2800" dirty="0" smtClean="0">
-                <a:latin typeface="+mj-lt"/>
-              </a:rPr>
-              <a:t>4</a:t>
-            </a:r>
-            <a:endParaRPr lang="en-US" sz="2800" dirty="0" smtClean="0">
-              <a:latin typeface="+mj-lt"/>
-            </a:endParaRPr>
-          </a:p>
-        </p:txBody>
-      </p:sp>
-      <p:sp>
-        <p:nvSpPr>
-          <p:cNvPr id="71" name="TextBox 70"/>
-          <p:cNvSpPr txBox="1"/>
-          <p:nvPr/>
-        </p:nvSpPr>
-        <p:spPr>
-          <a:xfrm>
-            <a:off x="3689089" y="2942448"/>
-            <a:ext cx="403826" cy="523220"/>
-          </a:xfrm>
-          <a:prstGeom prst="rect">
-            <a:avLst/>
-          </a:prstGeom>
-          <a:noFill/>
-        </p:spPr>
-        <p:txBody>
-          <a:bodyPr wrap="none" rtlCol="0">
-            <a:spAutoFit/>
-          </a:bodyPr>
-          <a:lstStyle/>
-          <a:p>
-            <a:r>
-              <a:rPr lang="en-US" sz="2800" dirty="0" smtClean="0">
-                <a:latin typeface="+mj-lt"/>
-              </a:rPr>
-              <a:t>4</a:t>
-            </a:r>
-            <a:endParaRPr lang="en-US" sz="2800" dirty="0" smtClean="0">
-              <a:latin typeface="+mj-lt"/>
-            </a:endParaRPr>
-          </a:p>
-        </p:txBody>
-      </p:sp>
-      <p:sp>
-        <p:nvSpPr>
-          <p:cNvPr id="72" name="TextBox 71"/>
-          <p:cNvSpPr txBox="1"/>
-          <p:nvPr/>
-        </p:nvSpPr>
-        <p:spPr>
-          <a:xfrm>
-            <a:off x="5163575" y="2926872"/>
-            <a:ext cx="346319" cy="523220"/>
-          </a:xfrm>
-          <a:prstGeom prst="rect">
-            <a:avLst/>
-          </a:prstGeom>
-          <a:noFill/>
-        </p:spPr>
-        <p:txBody>
-          <a:bodyPr wrap="none" rtlCol="0">
-            <a:spAutoFit/>
-          </a:bodyPr>
-          <a:lstStyle/>
-          <a:p>
-            <a:r>
-              <a:rPr lang="en-US" sz="2800" dirty="0" smtClean="0">
-                <a:latin typeface="+mj-lt"/>
-              </a:rPr>
-              <a:t>1</a:t>
-            </a:r>
-            <a:endParaRPr lang="en-US" sz="2800" dirty="0" smtClean="0">
-              <a:latin typeface="+mj-lt"/>
-            </a:endParaRPr>
-          </a:p>
-        </p:txBody>
-      </p:sp>
-      <p:sp>
-        <p:nvSpPr>
-          <p:cNvPr id="73" name="TextBox 72"/>
-          <p:cNvSpPr txBox="1"/>
-          <p:nvPr/>
-        </p:nvSpPr>
-        <p:spPr>
-          <a:xfrm>
-            <a:off x="3432483" y="2328207"/>
-            <a:ext cx="403826" cy="523220"/>
-          </a:xfrm>
-          <a:prstGeom prst="rect">
-            <a:avLst/>
-          </a:prstGeom>
-          <a:noFill/>
-        </p:spPr>
-        <p:txBody>
-          <a:bodyPr wrap="none" rtlCol="0">
-            <a:spAutoFit/>
-          </a:bodyPr>
-          <a:lstStyle/>
-          <a:p>
-            <a:r>
-              <a:rPr lang="en-US" sz="2800" dirty="0" smtClean="0">
-                <a:latin typeface="+mj-lt"/>
-              </a:rPr>
-              <a:t>3</a:t>
-            </a:r>
-            <a:endParaRPr lang="en-US" sz="2800" dirty="0" smtClean="0">
-              <a:latin typeface="+mj-lt"/>
-            </a:endParaRPr>
-          </a:p>
-        </p:txBody>
-      </p:sp>
-      <p:sp>
-        <p:nvSpPr>
-          <p:cNvPr id="74" name="TextBox 73"/>
-          <p:cNvSpPr txBox="1"/>
-          <p:nvPr/>
-        </p:nvSpPr>
-        <p:spPr>
-          <a:xfrm>
-            <a:off x="3069636" y="3908060"/>
-            <a:ext cx="403826" cy="523220"/>
-          </a:xfrm>
-          <a:prstGeom prst="rect">
-            <a:avLst/>
-          </a:prstGeom>
-          <a:noFill/>
-        </p:spPr>
-        <p:txBody>
-          <a:bodyPr wrap="none" rtlCol="0">
-            <a:spAutoFit/>
-          </a:bodyPr>
-          <a:lstStyle/>
-          <a:p>
-            <a:r>
-              <a:rPr lang="en-US" sz="2800" dirty="0" smtClean="0">
-                <a:latin typeface="+mj-lt"/>
-              </a:rPr>
-              <a:t>6</a:t>
-            </a:r>
-            <a:endParaRPr lang="en-US" sz="2800" dirty="0" smtClean="0">
-              <a:latin typeface="+mj-lt"/>
-            </a:endParaRPr>
-          </a:p>
-        </p:txBody>
-      </p:sp>
-      <p:sp>
-        <p:nvSpPr>
-          <p:cNvPr id="75" name="TextBox 74"/>
-          <p:cNvSpPr txBox="1"/>
-          <p:nvPr/>
-        </p:nvSpPr>
-        <p:spPr>
-          <a:xfrm>
-            <a:off x="3926217" y="3683162"/>
-            <a:ext cx="403826" cy="523220"/>
-          </a:xfrm>
-          <a:prstGeom prst="rect">
-            <a:avLst/>
-          </a:prstGeom>
-          <a:noFill/>
-        </p:spPr>
-        <p:txBody>
-          <a:bodyPr wrap="none" rtlCol="0">
-            <a:spAutoFit/>
-          </a:bodyPr>
-          <a:lstStyle/>
-          <a:p>
-            <a:r>
-              <a:rPr lang="en-US" sz="2800" dirty="0" smtClean="0">
-                <a:latin typeface="+mj-lt"/>
-              </a:rPr>
-              <a:t>9</a:t>
-            </a:r>
-            <a:endParaRPr lang="en-US" sz="2800" dirty="0" smtClean="0">
-              <a:latin typeface="+mj-lt"/>
-            </a:endParaRPr>
-          </a:p>
-        </p:txBody>
-      </p:sp>
-      <p:sp>
-        <p:nvSpPr>
-          <p:cNvPr id="76" name="TextBox 75"/>
-          <p:cNvSpPr txBox="1"/>
-          <p:nvPr/>
-        </p:nvSpPr>
-        <p:spPr>
-          <a:xfrm>
-            <a:off x="5722980" y="3885384"/>
-            <a:ext cx="403826" cy="523220"/>
-          </a:xfrm>
-          <a:prstGeom prst="rect">
-            <a:avLst/>
-          </a:prstGeom>
-          <a:noFill/>
-        </p:spPr>
-        <p:txBody>
-          <a:bodyPr wrap="none" rtlCol="0">
-            <a:spAutoFit/>
-          </a:bodyPr>
-          <a:lstStyle/>
-          <a:p>
-            <a:r>
-              <a:rPr lang="en-US" sz="2800" dirty="0">
-                <a:latin typeface="+mj-lt"/>
-              </a:rPr>
-              <a:t>2</a:t>
-            </a:r>
-            <a:endParaRPr lang="en-US" sz="2800" dirty="0" smtClean="0">
-              <a:latin typeface="+mj-lt"/>
-            </a:endParaRPr>
-          </a:p>
-        </p:txBody>
-      </p:sp>
-      <p:sp>
-        <p:nvSpPr>
-          <p:cNvPr id="77" name="TextBox 76"/>
-          <p:cNvSpPr txBox="1"/>
-          <p:nvPr/>
-        </p:nvSpPr>
-        <p:spPr>
-          <a:xfrm>
-            <a:off x="4432040" y="4188640"/>
-            <a:ext cx="346319" cy="523220"/>
-          </a:xfrm>
-          <a:prstGeom prst="rect">
-            <a:avLst/>
-          </a:prstGeom>
-          <a:noFill/>
-        </p:spPr>
-        <p:txBody>
-          <a:bodyPr wrap="none" rtlCol="0">
-            <a:spAutoFit/>
-          </a:bodyPr>
-          <a:lstStyle/>
-          <a:p>
-            <a:r>
-              <a:rPr lang="en-US" sz="2800" dirty="0" smtClean="0">
-                <a:latin typeface="+mj-lt"/>
-              </a:rPr>
-              <a:t>1</a:t>
-            </a:r>
-            <a:endParaRPr lang="en-US" sz="2800" dirty="0" smtClean="0">
-              <a:latin typeface="+mj-lt"/>
-            </a:endParaRPr>
-          </a:p>
-        </p:txBody>
-      </p:sp>
-      <p:sp>
-        <p:nvSpPr>
-          <p:cNvPr id="78" name="TextBox 77"/>
-          <p:cNvSpPr txBox="1"/>
-          <p:nvPr/>
-        </p:nvSpPr>
-        <p:spPr>
-          <a:xfrm>
-            <a:off x="4918161" y="3706639"/>
-            <a:ext cx="403826" cy="523220"/>
-          </a:xfrm>
-          <a:prstGeom prst="rect">
-            <a:avLst/>
-          </a:prstGeom>
-          <a:noFill/>
-        </p:spPr>
-        <p:txBody>
-          <a:bodyPr wrap="none" rtlCol="0">
-            <a:spAutoFit/>
-          </a:bodyPr>
-          <a:lstStyle/>
-          <a:p>
-            <a:r>
-              <a:rPr lang="en-US" sz="2800" dirty="0" smtClean="0">
-                <a:latin typeface="+mj-lt"/>
-              </a:rPr>
-              <a:t>7</a:t>
-            </a:r>
-            <a:endParaRPr lang="en-US" sz="2800" dirty="0" smtClean="0">
-              <a:latin typeface="+mj-lt"/>
-            </a:endParaRPr>
-          </a:p>
-        </p:txBody>
-      </p:sp>
-    </p:spTree>
-    <p:extLst>
-      <p:ext uri="{BB962C8B-B14F-4D97-AF65-F5344CB8AC3E}">
-        <p14:creationId xmlns:p14="http://schemas.microsoft.com/office/powerpoint/2010/main" val="980039277"/>
-      </p:ext>
-    </p:extLst>
-  </p:cSld>
-  <p:clrMapOvr>
-    <a:masterClrMapping/>
-  </p:clrMapOvr>
-  <mc:AlternateContent xmlns:mc="http://schemas.openxmlformats.org/markup-compatibility/2006">
-    <mc:Choice xmlns:p14="http://schemas.microsoft.com/office/powerpoint/2010/main" Requires="p14">
-      <p:transition spd="med" p14:dur="700">
-        <p:fade/>
-      </p:transition>
-    </mc:Choice>
-    <mc:Fallback>
+    <mc:Fallback xmlns="">
       <p:transition xmlns:p14="http://schemas.microsoft.com/office/powerpoint/2010/main" spd="med">
         <p:fade/>
       </p:transition>
@@ -16918,7 +17096,7 @@
         <p:spPr>
           <a:xfrm>
             <a:off x="884445" y="997802"/>
-            <a:ext cx="3030197" cy="769441"/>
+            <a:ext cx="4725998" cy="769441"/>
           </a:xfrm>
           <a:prstGeom prst="rect">
             <a:avLst/>
@@ -16935,11 +17113,8 @@
               <a:rPr lang="en-US" sz="4400" dirty="0" smtClean="0">
                 <a:latin typeface="+mj-lt"/>
               </a:rPr>
-              <a:t>gray edges</a:t>
-            </a:r>
-            <a:endParaRPr lang="en-US" sz="4400" dirty="0" smtClean="0">
-              <a:latin typeface="+mj-lt"/>
-            </a:endParaRPr>
+              <a:t>color components</a:t>
+            </a:r>
           </a:p>
         </p:txBody>
       </p:sp>
@@ -17190,11 +17365,9 @@
             <a:avLst/>
           </a:prstGeom>
           <a:noFill/>
-          <a:ln w="53975">
+          <a:ln w="31750">
             <a:solidFill>
-              <a:schemeClr val="bg2">
-                <a:lumMod val="75000"/>
-              </a:schemeClr>
+              <a:schemeClr val="tx1"/>
             </a:solidFill>
             <a:round/>
             <a:headEnd/>
@@ -17249,11 +17422,9 @@
             <a:avLst/>
           </a:prstGeom>
           <a:noFill/>
-          <a:ln w="53975">
+          <a:ln w="31750">
             <a:solidFill>
-              <a:schemeClr val="bg2">
-                <a:lumMod val="75000"/>
-              </a:schemeClr>
+              <a:schemeClr val="tx1"/>
             </a:solidFill>
             <a:round/>
             <a:headEnd/>
@@ -17309,11 +17480,9 @@
             <a:avLst/>
           </a:prstGeom>
           <a:noFill/>
-          <a:ln w="53975">
+          <a:ln w="31750">
             <a:solidFill>
-              <a:schemeClr val="bg2">
-                <a:lumMod val="75000"/>
-              </a:schemeClr>
+              <a:schemeClr val="tx1"/>
             </a:solidFill>
             <a:round/>
             <a:headEnd/>
@@ -17340,11 +17509,9 @@
             <a:avLst/>
           </a:prstGeom>
           <a:noFill/>
-          <a:ln w="53975">
+          <a:ln w="31750">
             <a:solidFill>
-              <a:schemeClr val="bg2">
-                <a:lumMod val="75000"/>
-              </a:schemeClr>
+              <a:schemeClr val="tx1"/>
             </a:solidFill>
             <a:round/>
             <a:headEnd/>
@@ -17400,11 +17567,9 @@
             <a:avLst/>
           </a:prstGeom>
           <a:noFill/>
-          <a:ln w="53975">
+          <a:ln w="31750">
             <a:solidFill>
-              <a:schemeClr val="bg2">
-                <a:lumMod val="75000"/>
-              </a:schemeClr>
+              <a:schemeClr val="tx1"/>
             </a:solidFill>
             <a:round/>
             <a:headEnd/>
@@ -17469,9 +17634,6 @@
               </a:rPr>
               <a:t>4</a:t>
             </a:r>
-            <a:endParaRPr lang="en-US" sz="2800" dirty="0" smtClean="0">
-              <a:latin typeface="+mj-lt"/>
-            </a:endParaRPr>
           </a:p>
         </p:txBody>
       </p:sp>
@@ -17503,9 +17665,6 @@
               </a:rPr>
               <a:t>4</a:t>
             </a:r>
-            <a:endParaRPr lang="en-US" sz="2800" dirty="0" smtClean="0">
-              <a:latin typeface="+mj-lt"/>
-            </a:endParaRPr>
           </a:p>
         </p:txBody>
       </p:sp>
@@ -17537,9 +17696,6 @@
               </a:rPr>
               <a:t>1</a:t>
             </a:r>
-            <a:endParaRPr lang="en-US" sz="2800" dirty="0" smtClean="0">
-              <a:latin typeface="+mj-lt"/>
-            </a:endParaRPr>
           </a:p>
         </p:txBody>
       </p:sp>
@@ -17571,9 +17727,6 @@
               </a:rPr>
               <a:t>3</a:t>
             </a:r>
-            <a:endParaRPr lang="en-US" sz="2800" dirty="0" smtClean="0">
-              <a:latin typeface="+mj-lt"/>
-            </a:endParaRPr>
           </a:p>
         </p:txBody>
       </p:sp>
@@ -17605,9 +17758,6 @@
               </a:rPr>
               <a:t>6</a:t>
             </a:r>
-            <a:endParaRPr lang="en-US" sz="2800" dirty="0" smtClean="0">
-              <a:latin typeface="+mj-lt"/>
-            </a:endParaRPr>
           </a:p>
         </p:txBody>
       </p:sp>
@@ -17639,9 +17789,6 @@
               </a:rPr>
               <a:t>9</a:t>
             </a:r>
-            <a:endParaRPr lang="en-US" sz="2800" dirty="0" smtClean="0">
-              <a:latin typeface="+mj-lt"/>
-            </a:endParaRPr>
           </a:p>
         </p:txBody>
       </p:sp>
@@ -17668,7 +17815,7 @@
           <a:lstStyle/>
           <a:p>
             <a:r>
-              <a:rPr lang="en-US" sz="2800" dirty="0" smtClean="0">
+              <a:rPr lang="en-US" sz="2800" dirty="0">
                 <a:latin typeface="+mj-lt"/>
               </a:rPr>
               <a:t>2</a:t>
@@ -17707,9 +17854,6 @@
               </a:rPr>
               <a:t>1</a:t>
             </a:r>
-            <a:endParaRPr lang="en-US" sz="2800" dirty="0" smtClean="0">
-              <a:latin typeface="+mj-lt"/>
-            </a:endParaRPr>
           </a:p>
         </p:txBody>
       </p:sp>
@@ -17741,29 +17885,26 @@
               </a:rPr>
               <a:t>7</a:t>
             </a:r>
-            <a:endParaRPr lang="en-US" sz="2800" dirty="0" smtClean="0">
-              <a:latin typeface="+mj-lt"/>
-            </a:endParaRPr>
           </a:p>
         </p:txBody>
       </p:sp>
     </p:spTree>
     <p:extLst>
       <p:ext uri="{BB962C8B-B14F-4D97-AF65-F5344CB8AC3E}">
-        <p14:creationId xmlns:p14="http://schemas.microsoft.com/office/powerpoint/2010/main" val="2720289109"/>
+        <p14:creationId xmlns:p14="http://schemas.microsoft.com/office/powerpoint/2010/main" val="980039277"/>
       </p:ext>
     </p:extLst>
   </p:cSld>
   <p:clrMapOvr>
     <a:masterClrMapping/>
   </p:clrMapOvr>
-  <mc:AlternateContent xmlns:mc="http://schemas.openxmlformats.org/markup-compatibility/2006">
-    <mc:Choice xmlns:p14="http://schemas.microsoft.com/office/powerpoint/2010/main" Requires="p14">
+  <mc:AlternateContent xmlns:mc="http://schemas.openxmlformats.org/markup-compatibility/2006" xmlns:p14="http://schemas.microsoft.com/office/powerpoint/2010/main">
+    <mc:Choice Requires="p14">
       <p:transition spd="med" p14:dur="700">
         <p:fade/>
       </p:transition>
     </mc:Choice>
-    <mc:Fallback>
+    <mc:Fallback xmlns="">
       <p:transition xmlns:p14="http://schemas.microsoft.com/office/powerpoint/2010/main" spd="med">
         <p:fade/>
       </p:transition>
@@ -17864,7 +18005,7 @@
         <p:spPr>
           <a:xfrm>
             <a:off x="884445" y="997802"/>
-            <a:ext cx="6400034" cy="769441"/>
+            <a:ext cx="3030197" cy="769441"/>
           </a:xfrm>
           <a:prstGeom prst="rect">
             <a:avLst/>
@@ -17881,11 +18022,8 @@
               <a:rPr lang="en-US" sz="4400" dirty="0" smtClean="0">
                 <a:latin typeface="+mj-lt"/>
               </a:rPr>
-              <a:t>gray edges: min weight</a:t>
-            </a:r>
-            <a:endParaRPr lang="en-US" sz="4400" dirty="0" smtClean="0">
-              <a:latin typeface="+mj-lt"/>
-            </a:endParaRPr>
+              <a:t>gray edges</a:t>
+            </a:r>
           </a:p>
         </p:txBody>
       </p:sp>
@@ -18257,7 +18395,9 @@
           <a:noFill/>
           <a:ln w="53975">
             <a:solidFill>
-              <a:srgbClr val="FF00FF"/>
+              <a:schemeClr val="bg2">
+                <a:lumMod val="75000"/>
+              </a:schemeClr>
             </a:solidFill>
             <a:round/>
             <a:headEnd/>
@@ -18413,9 +18553,6 @@
               </a:rPr>
               <a:t>4</a:t>
             </a:r>
-            <a:endParaRPr lang="en-US" sz="2800" dirty="0" smtClean="0">
-              <a:latin typeface="+mj-lt"/>
-            </a:endParaRPr>
           </a:p>
         </p:txBody>
       </p:sp>
@@ -18447,9 +18584,6 @@
               </a:rPr>
               <a:t>4</a:t>
             </a:r>
-            <a:endParaRPr lang="en-US" sz="2800" dirty="0" smtClean="0">
-              <a:latin typeface="+mj-lt"/>
-            </a:endParaRPr>
           </a:p>
         </p:txBody>
       </p:sp>
@@ -18481,9 +18615,6 @@
               </a:rPr>
               <a:t>1</a:t>
             </a:r>
-            <a:endParaRPr lang="en-US" sz="2800" dirty="0" smtClean="0">
-              <a:latin typeface="+mj-lt"/>
-            </a:endParaRPr>
           </a:p>
         </p:txBody>
       </p:sp>
@@ -18515,9 +18646,6 @@
               </a:rPr>
               <a:t>3</a:t>
             </a:r>
-            <a:endParaRPr lang="en-US" sz="2800" dirty="0" smtClean="0">
-              <a:latin typeface="+mj-lt"/>
-            </a:endParaRPr>
           </a:p>
         </p:txBody>
       </p:sp>
@@ -18549,9 +18677,6 @@
               </a:rPr>
               <a:t>6</a:t>
             </a:r>
-            <a:endParaRPr lang="en-US" sz="2800" dirty="0" smtClean="0">
-              <a:latin typeface="+mj-lt"/>
-            </a:endParaRPr>
           </a:p>
         </p:txBody>
       </p:sp>
@@ -18583,9 +18708,6 @@
               </a:rPr>
               <a:t>9</a:t>
             </a:r>
-            <a:endParaRPr lang="en-US" sz="2800" dirty="0" smtClean="0">
-              <a:latin typeface="+mj-lt"/>
-            </a:endParaRPr>
           </a:p>
         </p:txBody>
       </p:sp>
@@ -18617,9 +18739,6 @@
               </a:rPr>
               <a:t>2</a:t>
             </a:r>
-            <a:endParaRPr lang="en-US" sz="2800" dirty="0" smtClean="0">
-              <a:latin typeface="+mj-lt"/>
-            </a:endParaRPr>
           </a:p>
         </p:txBody>
       </p:sp>
@@ -18651,9 +18770,6 @@
               </a:rPr>
               <a:t>1</a:t>
             </a:r>
-            <a:endParaRPr lang="en-US" sz="2800" dirty="0" smtClean="0">
-              <a:latin typeface="+mj-lt"/>
-            </a:endParaRPr>
           </a:p>
         </p:txBody>
       </p:sp>
@@ -18685,29 +18801,26 @@
               </a:rPr>
               <a:t>7</a:t>
             </a:r>
-            <a:endParaRPr lang="en-US" sz="2800" dirty="0" smtClean="0">
-              <a:latin typeface="+mj-lt"/>
-            </a:endParaRPr>
           </a:p>
         </p:txBody>
       </p:sp>
     </p:spTree>
     <p:extLst>
       <p:ext uri="{BB962C8B-B14F-4D97-AF65-F5344CB8AC3E}">
-        <p14:creationId xmlns:p14="http://schemas.microsoft.com/office/powerpoint/2010/main" val="691857846"/>
+        <p14:creationId xmlns:p14="http://schemas.microsoft.com/office/powerpoint/2010/main" val="2720289109"/>
       </p:ext>
     </p:extLst>
   </p:cSld>
   <p:clrMapOvr>
     <a:masterClrMapping/>
   </p:clrMapOvr>
-  <mc:AlternateContent xmlns:mc="http://schemas.openxmlformats.org/markup-compatibility/2006">
-    <mc:Choice xmlns:p14="http://schemas.microsoft.com/office/powerpoint/2010/main" Requires="p14">
+  <mc:AlternateContent xmlns:mc="http://schemas.openxmlformats.org/markup-compatibility/2006" xmlns:p14="http://schemas.microsoft.com/office/powerpoint/2010/main">
+    <mc:Choice Requires="p14">
       <p:transition spd="med" p14:dur="700">
         <p:fade/>
       </p:transition>
     </mc:Choice>
-    <mc:Fallback>
+    <mc:Fallback xmlns="">
       <p:transition xmlns:p14="http://schemas.microsoft.com/office/powerpoint/2010/main" spd="med">
         <p:fade/>
       </p:transition>
@@ -18808,7 +18921,7 @@
         <p:spPr>
           <a:xfrm>
             <a:off x="884445" y="997802"/>
-            <a:ext cx="4725998" cy="769441"/>
+            <a:ext cx="6400034" cy="769441"/>
           </a:xfrm>
           <a:prstGeom prst="rect">
             <a:avLst/>
@@ -18825,11 +18938,8 @@
               <a:rPr lang="en-US" sz="4400" dirty="0" smtClean="0">
                 <a:latin typeface="+mj-lt"/>
               </a:rPr>
-              <a:t>color components</a:t>
-            </a:r>
-            <a:endParaRPr lang="en-US" sz="4400" dirty="0" smtClean="0">
-              <a:latin typeface="+mj-lt"/>
-            </a:endParaRPr>
+              <a:t>gray edges: min weight</a:t>
+            </a:r>
           </a:p>
         </p:txBody>
       </p:sp>
@@ -18888,6 +18998,44 @@
             <a:avLst/>
           </a:prstGeom>
           <a:solidFill>
+            <a:schemeClr val="accent3"/>
+          </a:solidFill>
+          <a:ln w="9525">
+            <a:solidFill>
+              <a:schemeClr val="tx1"/>
+            </a:solidFill>
+            <a:round/>
+            <a:headEnd/>
+            <a:tailEnd type="none" w="lg" len="lg"/>
+          </a:ln>
+        </p:spPr>
+        <p:txBody>
+          <a:bodyPr wrap="none" anchor="ctr"/>
+          <a:lstStyle/>
+          <a:p>
+            <a:endParaRPr lang="zh-CN" altLang="en-US">
+              <a:ea typeface="宋体" pitchFamily="2" charset="-122"/>
+            </a:endParaRPr>
+          </a:p>
+        </p:txBody>
+      </p:sp>
+      <p:sp>
+        <p:nvSpPr>
+          <p:cNvPr id="56" name="Oval 7"/>
+          <p:cNvSpPr>
+            <a:spLocks noChangeArrowheads="1"/>
+          </p:cNvSpPr>
+          <p:nvPr/>
+        </p:nvSpPr>
+        <p:spPr bwMode="auto">
+          <a:xfrm>
+            <a:off x="4479009" y="2042893"/>
+            <a:ext cx="276225" cy="276225"/>
+          </a:xfrm>
+          <a:prstGeom prst="ellipse">
+            <a:avLst/>
+          </a:prstGeom>
+          <a:solidFill>
             <a:schemeClr val="tx2"/>
           </a:solidFill>
           <a:ln w="9525">
@@ -18911,7 +19059,7 @@
       </p:sp>
       <p:sp>
         <p:nvSpPr>
-          <p:cNvPr id="56" name="Oval 7"/>
+          <p:cNvPr id="57" name="Oval 8"/>
           <p:cNvSpPr>
             <a:spLocks noChangeArrowheads="1"/>
           </p:cNvSpPr>
@@ -18919,8 +19067,46 @@
         </p:nvSpPr>
         <p:spPr bwMode="auto">
           <a:xfrm>
-            <a:off x="4479009" y="2042893"/>
+            <a:off x="3712694" y="4506058"/>
             <a:ext cx="276225" cy="276225"/>
+          </a:xfrm>
+          <a:prstGeom prst="ellipse">
+            <a:avLst/>
+          </a:prstGeom>
+          <a:solidFill>
+            <a:schemeClr val="tx2"/>
+          </a:solidFill>
+          <a:ln w="9525">
+            <a:solidFill>
+              <a:schemeClr val="tx1"/>
+            </a:solidFill>
+            <a:round/>
+            <a:headEnd/>
+            <a:tailEnd type="none" w="lg" len="lg"/>
+          </a:ln>
+        </p:spPr>
+        <p:txBody>
+          <a:bodyPr wrap="none" anchor="ctr"/>
+          <a:lstStyle/>
+          <a:p>
+            <a:endParaRPr lang="zh-CN" altLang="en-US">
+              <a:ea typeface="宋体" pitchFamily="2" charset="-122"/>
+            </a:endParaRPr>
+          </a:p>
+        </p:txBody>
+      </p:sp>
+      <p:sp>
+        <p:nvSpPr>
+          <p:cNvPr id="58" name="Oval 9"/>
+          <p:cNvSpPr>
+            <a:spLocks noChangeArrowheads="1"/>
+          </p:cNvSpPr>
+          <p:nvPr/>
+        </p:nvSpPr>
+        <p:spPr bwMode="auto">
+          <a:xfrm>
+            <a:off x="5995280" y="3278189"/>
+            <a:ext cx="277813" cy="276225"/>
           </a:xfrm>
           <a:prstGeom prst="ellipse">
             <a:avLst/>
@@ -18949,7 +19135,7 @@
       </p:sp>
       <p:sp>
         <p:nvSpPr>
-          <p:cNvPr id="57" name="Oval 8"/>
+          <p:cNvPr id="59" name="Oval 10"/>
           <p:cNvSpPr>
             <a:spLocks noChangeArrowheads="1"/>
           </p:cNvSpPr>
@@ -18957,7 +19143,7 @@
         </p:nvSpPr>
         <p:spPr bwMode="auto">
           <a:xfrm>
-            <a:off x="3712694" y="4506058"/>
+            <a:off x="5116040" y="4506058"/>
             <a:ext cx="276225" cy="276225"/>
           </a:xfrm>
           <a:prstGeom prst="ellipse">
@@ -18985,82 +19171,6 @@
           </a:p>
         </p:txBody>
       </p:sp>
-      <p:sp>
-        <p:nvSpPr>
-          <p:cNvPr id="58" name="Oval 9"/>
-          <p:cNvSpPr>
-            <a:spLocks noChangeArrowheads="1"/>
-          </p:cNvSpPr>
-          <p:nvPr/>
-        </p:nvSpPr>
-        <p:spPr bwMode="auto">
-          <a:xfrm>
-            <a:off x="5995280" y="3278189"/>
-            <a:ext cx="277813" cy="276225"/>
-          </a:xfrm>
-          <a:prstGeom prst="ellipse">
-            <a:avLst/>
-          </a:prstGeom>
-          <a:solidFill>
-            <a:schemeClr val="tx2"/>
-          </a:solidFill>
-          <a:ln w="9525">
-            <a:solidFill>
-              <a:schemeClr val="tx1"/>
-            </a:solidFill>
-            <a:round/>
-            <a:headEnd/>
-            <a:tailEnd type="none" w="lg" len="lg"/>
-          </a:ln>
-        </p:spPr>
-        <p:txBody>
-          <a:bodyPr wrap="none" anchor="ctr"/>
-          <a:lstStyle/>
-          <a:p>
-            <a:endParaRPr lang="zh-CN" altLang="en-US">
-              <a:ea typeface="宋体" pitchFamily="2" charset="-122"/>
-            </a:endParaRPr>
-          </a:p>
-        </p:txBody>
-      </p:sp>
-      <p:sp>
-        <p:nvSpPr>
-          <p:cNvPr id="59" name="Oval 10"/>
-          <p:cNvSpPr>
-            <a:spLocks noChangeArrowheads="1"/>
-          </p:cNvSpPr>
-          <p:nvPr/>
-        </p:nvSpPr>
-        <p:spPr bwMode="auto">
-          <a:xfrm>
-            <a:off x="5116040" y="4506058"/>
-            <a:ext cx="276225" cy="276225"/>
-          </a:xfrm>
-          <a:prstGeom prst="ellipse">
-            <a:avLst/>
-          </a:prstGeom>
-          <a:solidFill>
-            <a:schemeClr val="tx2"/>
-          </a:solidFill>
-          <a:ln w="9525">
-            <a:solidFill>
-              <a:schemeClr val="tx1"/>
-            </a:solidFill>
-            <a:round/>
-            <a:headEnd/>
-            <a:tailEnd type="none" w="lg" len="lg"/>
-          </a:ln>
-        </p:spPr>
-        <p:txBody>
-          <a:bodyPr wrap="none" anchor="ctr"/>
-          <a:lstStyle/>
-          <a:p>
-            <a:endParaRPr lang="zh-CN" altLang="en-US">
-              <a:ea typeface="宋体" pitchFamily="2" charset="-122"/>
-            </a:endParaRPr>
-          </a:p>
-        </p:txBody>
-      </p:sp>
       <p:cxnSp>
         <p:nvCxnSpPr>
           <p:cNvPr id="60" name="AutoShape 14"/>
@@ -19080,9 +19190,11 @@
             <a:avLst/>
           </a:prstGeom>
           <a:noFill/>
-          <a:ln w="31750">
+          <a:ln w="53975">
             <a:solidFill>
-              <a:schemeClr val="tx1"/>
+              <a:schemeClr val="bg2">
+                <a:lumMod val="75000"/>
+              </a:schemeClr>
             </a:solidFill>
             <a:round/>
             <a:headEnd/>
@@ -19137,9 +19249,11 @@
             <a:avLst/>
           </a:prstGeom>
           <a:noFill/>
-          <a:ln w="31750">
+          <a:ln w="53975">
             <a:solidFill>
-              <a:schemeClr val="tx1"/>
+              <a:schemeClr val="bg2">
+                <a:lumMod val="75000"/>
+              </a:schemeClr>
             </a:solidFill>
             <a:round/>
             <a:headEnd/>
@@ -19195,7 +19309,7 @@
             <a:avLst/>
           </a:prstGeom>
           <a:noFill/>
-          <a:ln w="31750">
+          <a:ln w="53975">
             <a:solidFill>
               <a:srgbClr val="FF00FF"/>
             </a:solidFill>
@@ -19224,9 +19338,11 @@
             <a:avLst/>
           </a:prstGeom>
           <a:noFill/>
-          <a:ln w="31750">
+          <a:ln w="53975">
             <a:solidFill>
-              <a:schemeClr val="tx1"/>
+              <a:schemeClr val="bg2">
+                <a:lumMod val="75000"/>
+              </a:schemeClr>
             </a:solidFill>
             <a:round/>
             <a:headEnd/>
@@ -19282,9 +19398,11 @@
             <a:avLst/>
           </a:prstGeom>
           <a:noFill/>
-          <a:ln w="31750">
+          <a:ln w="53975">
             <a:solidFill>
-              <a:schemeClr val="tx1"/>
+              <a:schemeClr val="bg2">
+                <a:lumMod val="75000"/>
+              </a:schemeClr>
             </a:solidFill>
             <a:round/>
             <a:headEnd/>
@@ -19349,9 +19467,6 @@
               </a:rPr>
               <a:t>4</a:t>
             </a:r>
-            <a:endParaRPr lang="en-US" sz="2800" dirty="0" smtClean="0">
-              <a:latin typeface="+mj-lt"/>
-            </a:endParaRPr>
           </a:p>
         </p:txBody>
       </p:sp>
@@ -19383,9 +19498,6 @@
               </a:rPr>
               <a:t>4</a:t>
             </a:r>
-            <a:endParaRPr lang="en-US" sz="2800" dirty="0" smtClean="0">
-              <a:latin typeface="+mj-lt"/>
-            </a:endParaRPr>
           </a:p>
         </p:txBody>
       </p:sp>
@@ -19417,9 +19529,6 @@
               </a:rPr>
               <a:t>1</a:t>
             </a:r>
-            <a:endParaRPr lang="en-US" sz="2800" dirty="0" smtClean="0">
-              <a:latin typeface="+mj-lt"/>
-            </a:endParaRPr>
           </a:p>
         </p:txBody>
       </p:sp>
@@ -19451,9 +19560,6 @@
               </a:rPr>
               <a:t>3</a:t>
             </a:r>
-            <a:endParaRPr lang="en-US" sz="2800" dirty="0" smtClean="0">
-              <a:latin typeface="+mj-lt"/>
-            </a:endParaRPr>
           </a:p>
         </p:txBody>
       </p:sp>
@@ -19485,9 +19591,6 @@
               </a:rPr>
               <a:t>6</a:t>
             </a:r>
-            <a:endParaRPr lang="en-US" sz="2800" dirty="0" smtClean="0">
-              <a:latin typeface="+mj-lt"/>
-            </a:endParaRPr>
           </a:p>
         </p:txBody>
       </p:sp>
@@ -19519,9 +19622,6 @@
               </a:rPr>
               <a:t>9</a:t>
             </a:r>
-            <a:endParaRPr lang="en-US" sz="2800" dirty="0" smtClean="0">
-              <a:latin typeface="+mj-lt"/>
-            </a:endParaRPr>
           </a:p>
         </p:txBody>
       </p:sp>
@@ -19548,14 +19648,11 @@
           <a:lstStyle/>
           <a:p>
             <a:r>
-              <a:rPr lang="en-US" sz="2800" dirty="0">
+              <a:rPr lang="en-US" sz="2800" dirty="0" smtClean="0">
                 <a:latin typeface="+mj-lt"/>
               </a:rPr>
               <a:t>2</a:t>
             </a:r>
-            <a:endParaRPr lang="en-US" sz="2800" dirty="0" smtClean="0">
-              <a:latin typeface="+mj-lt"/>
-            </a:endParaRPr>
           </a:p>
         </p:txBody>
       </p:sp>
@@ -19587,9 +19684,6 @@
               </a:rPr>
               <a:t>1</a:t>
             </a:r>
-            <a:endParaRPr lang="en-US" sz="2800" dirty="0" smtClean="0">
-              <a:latin typeface="+mj-lt"/>
-            </a:endParaRPr>
           </a:p>
         </p:txBody>
       </p:sp>
@@ -19621,29 +19715,26 @@
               </a:rPr>
               <a:t>7</a:t>
             </a:r>
-            <a:endParaRPr lang="en-US" sz="2800" dirty="0" smtClean="0">
-              <a:latin typeface="+mj-lt"/>
-            </a:endParaRPr>
           </a:p>
         </p:txBody>
       </p:sp>
     </p:spTree>
     <p:extLst>
       <p:ext uri="{BB962C8B-B14F-4D97-AF65-F5344CB8AC3E}">
-        <p14:creationId xmlns:p14="http://schemas.microsoft.com/office/powerpoint/2010/main" val="3062342427"/>
+        <p14:creationId xmlns:p14="http://schemas.microsoft.com/office/powerpoint/2010/main" val="691857846"/>
       </p:ext>
     </p:extLst>
   </p:cSld>
   <p:clrMapOvr>
     <a:masterClrMapping/>
   </p:clrMapOvr>
-  <mc:AlternateContent xmlns:mc="http://schemas.openxmlformats.org/markup-compatibility/2006">
-    <mc:Choice xmlns:p14="http://schemas.microsoft.com/office/powerpoint/2010/main" Requires="p14">
+  <mc:AlternateContent xmlns:mc="http://schemas.openxmlformats.org/markup-compatibility/2006" xmlns:p14="http://schemas.microsoft.com/office/powerpoint/2010/main">
+    <mc:Choice Requires="p14">
       <p:transition spd="med" p14:dur="700">
         <p:fade/>
       </p:transition>
     </mc:Choice>
-    <mc:Fallback>
+    <mc:Fallback xmlns="">
       <p:transition xmlns:p14="http://schemas.microsoft.com/office/powerpoint/2010/main" spd="med">
         <p:fade/>
       </p:transition>
@@ -19744,7 +19835,7 @@
         <p:spPr>
           <a:xfrm>
             <a:off x="884445" y="997802"/>
-            <a:ext cx="3030197" cy="769441"/>
+            <a:ext cx="4725998" cy="769441"/>
           </a:xfrm>
           <a:prstGeom prst="rect">
             <a:avLst/>
@@ -19761,11 +19852,8 @@
               <a:rPr lang="en-US" sz="4400" dirty="0" smtClean="0">
                 <a:latin typeface="+mj-lt"/>
               </a:rPr>
-              <a:t>gray edges</a:t>
-            </a:r>
-            <a:endParaRPr lang="en-US" sz="4400" dirty="0" smtClean="0">
-              <a:latin typeface="+mj-lt"/>
-            </a:endParaRPr>
+              <a:t>color components</a:t>
+            </a:r>
           </a:p>
         </p:txBody>
       </p:sp>
@@ -20044,12 +20132,9 @@
             <a:avLst/>
           </a:prstGeom>
           <a:noFill/>
-          <a:ln w="50800">
+          <a:ln w="31750">
             <a:solidFill>
-              <a:schemeClr val="tx1">
-                <a:lumMod val="65000"/>
-                <a:lumOff val="35000"/>
-              </a:schemeClr>
+              <a:schemeClr val="tx1"/>
             </a:solidFill>
             <a:round/>
             <a:headEnd/>
@@ -20163,12 +20248,9 @@
             <a:avLst/>
           </a:prstGeom>
           <a:noFill/>
-          <a:ln w="50800">
+          <a:ln w="31750">
             <a:solidFill>
-              <a:schemeClr val="tx1">
-                <a:lumMod val="65000"/>
-                <a:lumOff val="35000"/>
-              </a:schemeClr>
+              <a:schemeClr val="tx1"/>
             </a:solidFill>
             <a:round/>
             <a:headEnd/>
@@ -20291,9 +20373,6 @@
               </a:rPr>
               <a:t>4</a:t>
             </a:r>
-            <a:endParaRPr lang="en-US" sz="2800" dirty="0" smtClean="0">
-              <a:latin typeface="+mj-lt"/>
-            </a:endParaRPr>
           </a:p>
         </p:txBody>
       </p:sp>
@@ -20325,9 +20404,6 @@
               </a:rPr>
               <a:t>4</a:t>
             </a:r>
-            <a:endParaRPr lang="en-US" sz="2800" dirty="0" smtClean="0">
-              <a:latin typeface="+mj-lt"/>
-            </a:endParaRPr>
           </a:p>
         </p:txBody>
       </p:sp>
@@ -20359,9 +20435,6 @@
               </a:rPr>
               <a:t>1</a:t>
             </a:r>
-            <a:endParaRPr lang="en-US" sz="2800" dirty="0" smtClean="0">
-              <a:latin typeface="+mj-lt"/>
-            </a:endParaRPr>
           </a:p>
         </p:txBody>
       </p:sp>
@@ -20393,9 +20466,6 @@
               </a:rPr>
               <a:t>3</a:t>
             </a:r>
-            <a:endParaRPr lang="en-US" sz="2800" dirty="0" smtClean="0">
-              <a:latin typeface="+mj-lt"/>
-            </a:endParaRPr>
           </a:p>
         </p:txBody>
       </p:sp>
@@ -20427,9 +20497,6 @@
               </a:rPr>
               <a:t>6</a:t>
             </a:r>
-            <a:endParaRPr lang="en-US" sz="2800" dirty="0" smtClean="0">
-              <a:latin typeface="+mj-lt"/>
-            </a:endParaRPr>
           </a:p>
         </p:txBody>
       </p:sp>
@@ -20461,9 +20528,6 @@
               </a:rPr>
               <a:t>9</a:t>
             </a:r>
-            <a:endParaRPr lang="en-US" sz="2800" dirty="0" smtClean="0">
-              <a:latin typeface="+mj-lt"/>
-            </a:endParaRPr>
           </a:p>
         </p:txBody>
       </p:sp>
@@ -20529,9 +20593,6 @@
               </a:rPr>
               <a:t>1</a:t>
             </a:r>
-            <a:endParaRPr lang="en-US" sz="2800" dirty="0" smtClean="0">
-              <a:latin typeface="+mj-lt"/>
-            </a:endParaRPr>
           </a:p>
         </p:txBody>
       </p:sp>
@@ -20563,29 +20624,26 @@
               </a:rPr>
               <a:t>7</a:t>
             </a:r>
-            <a:endParaRPr lang="en-US" sz="2800" dirty="0" smtClean="0">
-              <a:latin typeface="+mj-lt"/>
-            </a:endParaRPr>
           </a:p>
         </p:txBody>
       </p:sp>
     </p:spTree>
     <p:extLst>
       <p:ext uri="{BB962C8B-B14F-4D97-AF65-F5344CB8AC3E}">
-        <p14:creationId xmlns:p14="http://schemas.microsoft.com/office/powerpoint/2010/main" val="1687659482"/>
+        <p14:creationId xmlns:p14="http://schemas.microsoft.com/office/powerpoint/2010/main" val="3062342427"/>
       </p:ext>
     </p:extLst>
   </p:cSld>
   <p:clrMapOvr>
     <a:masterClrMapping/>
   </p:clrMapOvr>
-  <mc:AlternateContent xmlns:mc="http://schemas.openxmlformats.org/markup-compatibility/2006">
-    <mc:Choice xmlns:p14="http://schemas.microsoft.com/office/powerpoint/2010/main" Requires="p14">
+  <mc:AlternateContent xmlns:mc="http://schemas.openxmlformats.org/markup-compatibility/2006" xmlns:p14="http://schemas.microsoft.com/office/powerpoint/2010/main">
+    <mc:Choice Requires="p14">
       <p:transition spd="med" p14:dur="700">
         <p:fade/>
       </p:transition>
     </mc:Choice>
-    <mc:Fallback>
+    <mc:Fallback xmlns="">
       <p:transition xmlns:p14="http://schemas.microsoft.com/office/powerpoint/2010/main" spd="med">
         <p:fade/>
       </p:transition>
@@ -20686,7 +20744,7 @@
         <p:spPr>
           <a:xfrm>
             <a:off x="884445" y="997802"/>
-            <a:ext cx="6172458" cy="769441"/>
+            <a:ext cx="3030197" cy="769441"/>
           </a:xfrm>
           <a:prstGeom prst="rect">
             <a:avLst/>
@@ -20703,11 +20761,8 @@
               <a:rPr lang="en-US" sz="4400" dirty="0" smtClean="0">
                 <a:latin typeface="+mj-lt"/>
               </a:rPr>
-              <a:t>gray edges: min weight</a:t>
-            </a:r>
-            <a:endParaRPr lang="en-US" sz="4400" dirty="0" smtClean="0">
-              <a:latin typeface="+mj-lt"/>
-            </a:endParaRPr>
+              <a:t>gray edges</a:t>
+            </a:r>
           </a:p>
         </p:txBody>
       </p:sp>
@@ -20988,7 +21043,10 @@
           <a:noFill/>
           <a:ln w="50800">
             <a:solidFill>
-              <a:srgbClr val="FF00FF"/>
+              <a:schemeClr val="tx1">
+                <a:lumMod val="65000"/>
+                <a:lumOff val="35000"/>
+              </a:schemeClr>
             </a:solidFill>
             <a:round/>
             <a:headEnd/>
@@ -21230,9 +21288,6 @@
               </a:rPr>
               <a:t>4</a:t>
             </a:r>
-            <a:endParaRPr lang="en-US" sz="2800" dirty="0" smtClean="0">
-              <a:latin typeface="+mj-lt"/>
-            </a:endParaRPr>
           </a:p>
         </p:txBody>
       </p:sp>
@@ -21264,9 +21319,6 @@
               </a:rPr>
               <a:t>4</a:t>
             </a:r>
-            <a:endParaRPr lang="en-US" sz="2800" dirty="0" smtClean="0">
-              <a:latin typeface="+mj-lt"/>
-            </a:endParaRPr>
           </a:p>
         </p:txBody>
       </p:sp>
@@ -21298,9 +21350,6 @@
               </a:rPr>
               <a:t>1</a:t>
             </a:r>
-            <a:endParaRPr lang="en-US" sz="2800" dirty="0" smtClean="0">
-              <a:latin typeface="+mj-lt"/>
-            </a:endParaRPr>
           </a:p>
         </p:txBody>
       </p:sp>
@@ -21332,9 +21381,6 @@
               </a:rPr>
               <a:t>3</a:t>
             </a:r>
-            <a:endParaRPr lang="en-US" sz="2800" dirty="0" smtClean="0">
-              <a:latin typeface="+mj-lt"/>
-            </a:endParaRPr>
           </a:p>
         </p:txBody>
       </p:sp>
@@ -21366,9 +21412,6 @@
               </a:rPr>
               <a:t>6</a:t>
             </a:r>
-            <a:endParaRPr lang="en-US" sz="2800" dirty="0" smtClean="0">
-              <a:latin typeface="+mj-lt"/>
-            </a:endParaRPr>
           </a:p>
         </p:txBody>
       </p:sp>
@@ -21400,9 +21443,6 @@
               </a:rPr>
               <a:t>9</a:t>
             </a:r>
-            <a:endParaRPr lang="en-US" sz="2800" dirty="0" smtClean="0">
-              <a:latin typeface="+mj-lt"/>
-            </a:endParaRPr>
           </a:p>
         </p:txBody>
       </p:sp>
@@ -21468,9 +21508,6 @@
               </a:rPr>
               <a:t>1</a:t>
             </a:r>
-            <a:endParaRPr lang="en-US" sz="2800" dirty="0" smtClean="0">
-              <a:latin typeface="+mj-lt"/>
-            </a:endParaRPr>
           </a:p>
         </p:txBody>
       </p:sp>
@@ -21502,29 +21539,26 @@
               </a:rPr>
               <a:t>7</a:t>
             </a:r>
-            <a:endParaRPr lang="en-US" sz="2800" dirty="0" smtClean="0">
-              <a:latin typeface="+mj-lt"/>
-            </a:endParaRPr>
           </a:p>
         </p:txBody>
       </p:sp>
     </p:spTree>
     <p:extLst>
       <p:ext uri="{BB962C8B-B14F-4D97-AF65-F5344CB8AC3E}">
-        <p14:creationId xmlns:p14="http://schemas.microsoft.com/office/powerpoint/2010/main" val="2166097793"/>
+        <p14:creationId xmlns:p14="http://schemas.microsoft.com/office/powerpoint/2010/main" val="1687659482"/>
       </p:ext>
     </p:extLst>
   </p:cSld>
   <p:clrMapOvr>
     <a:masterClrMapping/>
   </p:clrMapOvr>
-  <mc:AlternateContent xmlns:mc="http://schemas.openxmlformats.org/markup-compatibility/2006">
-    <mc:Choice xmlns:p14="http://schemas.microsoft.com/office/powerpoint/2010/main" Requires="p14">
+  <mc:AlternateContent xmlns:mc="http://schemas.openxmlformats.org/markup-compatibility/2006" xmlns:p14="http://schemas.microsoft.com/office/powerpoint/2010/main">
+    <mc:Choice Requires="p14">
       <p:transition spd="med" p14:dur="700">
         <p:fade/>
       </p:transition>
     </mc:Choice>
-    <mc:Fallback>
+    <mc:Fallback xmlns="">
       <p:transition xmlns:p14="http://schemas.microsoft.com/office/powerpoint/2010/main" spd="med">
         <p:fade/>
       </p:transition>
@@ -22368,7 +22402,7 @@
         <p:spPr>
           <a:xfrm>
             <a:off x="884445" y="997802"/>
-            <a:ext cx="1049511" cy="769441"/>
+            <a:ext cx="6172458" cy="769441"/>
           </a:xfrm>
           <a:prstGeom prst="rect">
             <a:avLst/>
@@ -22382,14 +22416,11 @@
           <a:lstStyle/>
           <a:p>
             <a:r>
-              <a:rPr lang="en-US" sz="4400" dirty="0" err="1" smtClean="0">
+              <a:rPr lang="en-US" sz="4400" dirty="0" smtClean="0">
                 <a:latin typeface="+mj-lt"/>
               </a:rPr>
-              <a:t>etc</a:t>
-            </a:r>
-            <a:endParaRPr lang="en-US" sz="4400" dirty="0" smtClean="0">
-              <a:latin typeface="+mj-lt"/>
-            </a:endParaRPr>
+              <a:t>gray edges: min weight</a:t>
+            </a:r>
           </a:p>
         </p:txBody>
       </p:sp>
@@ -22410,9 +22441,7 @@
             <a:avLst/>
           </a:prstGeom>
           <a:solidFill>
-            <a:schemeClr val="accent1">
-              <a:lumMod val="75000"/>
-            </a:schemeClr>
+            <a:schemeClr val="tx2"/>
           </a:solidFill>
           <a:ln w="9525">
             <a:solidFill>
@@ -22450,9 +22479,7 @@
             <a:avLst/>
           </a:prstGeom>
           <a:solidFill>
-            <a:schemeClr val="accent1">
-              <a:lumMod val="75000"/>
-            </a:schemeClr>
+            <a:schemeClr val="tx2"/>
           </a:solidFill>
           <a:ln w="9525">
             <a:solidFill>
@@ -22490,9 +22517,7 @@
             <a:avLst/>
           </a:prstGeom>
           <a:solidFill>
-            <a:schemeClr val="accent1">
-              <a:lumMod val="75000"/>
-            </a:schemeClr>
+            <a:schemeClr val="accent3"/>
           </a:solidFill>
           <a:ln w="9525">
             <a:solidFill>
@@ -22530,9 +22555,7 @@
             <a:avLst/>
           </a:prstGeom>
           <a:solidFill>
-            <a:schemeClr val="accent1">
-              <a:lumMod val="75000"/>
-            </a:schemeClr>
+            <a:schemeClr val="tx2"/>
           </a:solidFill>
           <a:ln w="9525">
             <a:solidFill>
@@ -22570,9 +22593,7 @@
             <a:avLst/>
           </a:prstGeom>
           <a:solidFill>
-            <a:schemeClr val="accent1">
-              <a:lumMod val="75000"/>
-            </a:schemeClr>
+            <a:schemeClr val="tx2"/>
           </a:solidFill>
           <a:ln w="9525">
             <a:solidFill>
@@ -22610,9 +22631,7 @@
             <a:avLst/>
           </a:prstGeom>
           <a:solidFill>
-            <a:schemeClr val="accent1">
-              <a:lumMod val="75000"/>
-            </a:schemeClr>
+            <a:schemeClr val="tx2"/>
           </a:solidFill>
           <a:ln w="9525">
             <a:solidFill>
@@ -22680,7 +22699,7 @@
             <a:avLst/>
           </a:prstGeom>
           <a:noFill/>
-          <a:ln w="38100">
+          <a:ln w="50800">
             <a:solidFill>
               <a:srgbClr val="FF00FF"/>
             </a:solidFill>
@@ -22740,7 +22759,7 @@
           <a:noFill/>
           <a:ln w="31750">
             <a:solidFill>
-              <a:srgbClr val="FF00FF"/>
+              <a:schemeClr val="tx1"/>
             </a:solidFill>
             <a:round/>
             <a:headEnd/>
@@ -22796,9 +22815,12 @@
             <a:avLst/>
           </a:prstGeom>
           <a:noFill/>
-          <a:ln w="38100">
+          <a:ln w="50800">
             <a:solidFill>
-              <a:srgbClr val="FF00FF"/>
+              <a:schemeClr val="tx1">
+                <a:lumMod val="65000"/>
+                <a:lumOff val="35000"/>
+              </a:schemeClr>
             </a:solidFill>
             <a:round/>
             <a:headEnd/>
@@ -22811,12 +22833,14 @@
           <p:cNvPr id="66" name="AutoShape 14"/>
           <p:cNvCxnSpPr>
             <a:cxnSpLocks noChangeShapeType="1"/>
+            <a:stCxn id="55" idx="6"/>
+            <a:endCxn id="58" idx="2"/>
           </p:cNvCxnSpPr>
           <p:nvPr/>
         </p:nvCxnSpPr>
         <p:spPr bwMode="auto">
           <a:xfrm>
-            <a:off x="4782924" y="3427413"/>
+            <a:off x="4759973" y="3416302"/>
             <a:ext cx="1235307" cy="0"/>
           </a:xfrm>
           <a:prstGeom prst="straightConnector1">
@@ -22825,7 +22849,7 @@
           <a:noFill/>
           <a:ln w="31750">
             <a:solidFill>
-              <a:srgbClr val="FF00FF"/>
+              <a:schemeClr val="tx1"/>
             </a:solidFill>
             <a:round/>
             <a:headEnd/>
@@ -22919,9 +22943,6 @@
               </a:rPr>
               <a:t>4</a:t>
             </a:r>
-            <a:endParaRPr lang="en-US" sz="2800" dirty="0" smtClean="0">
-              <a:latin typeface="+mj-lt"/>
-            </a:endParaRPr>
           </a:p>
         </p:txBody>
       </p:sp>
@@ -22953,9 +22974,6 @@
               </a:rPr>
               <a:t>4</a:t>
             </a:r>
-            <a:endParaRPr lang="en-US" sz="2800" dirty="0" smtClean="0">
-              <a:latin typeface="+mj-lt"/>
-            </a:endParaRPr>
           </a:p>
         </p:txBody>
       </p:sp>
@@ -22987,9 +23005,6 @@
               </a:rPr>
               <a:t>1</a:t>
             </a:r>
-            <a:endParaRPr lang="en-US" sz="2800" dirty="0" smtClean="0">
-              <a:latin typeface="+mj-lt"/>
-            </a:endParaRPr>
           </a:p>
         </p:txBody>
       </p:sp>
@@ -23021,9 +23036,6 @@
               </a:rPr>
               <a:t>3</a:t>
             </a:r>
-            <a:endParaRPr lang="en-US" sz="2800" dirty="0" smtClean="0">
-              <a:latin typeface="+mj-lt"/>
-            </a:endParaRPr>
           </a:p>
         </p:txBody>
       </p:sp>
@@ -23055,9 +23067,6 @@
               </a:rPr>
               <a:t>6</a:t>
             </a:r>
-            <a:endParaRPr lang="en-US" sz="2800" dirty="0" smtClean="0">
-              <a:latin typeface="+mj-lt"/>
-            </a:endParaRPr>
           </a:p>
         </p:txBody>
       </p:sp>
@@ -23089,9 +23098,6 @@
               </a:rPr>
               <a:t>9</a:t>
             </a:r>
-            <a:endParaRPr lang="en-US" sz="2800" dirty="0" smtClean="0">
-              <a:latin typeface="+mj-lt"/>
-            </a:endParaRPr>
           </a:p>
         </p:txBody>
       </p:sp>
@@ -23157,9 +23163,6 @@
               </a:rPr>
               <a:t>1</a:t>
             </a:r>
-            <a:endParaRPr lang="en-US" sz="2800" dirty="0" smtClean="0">
-              <a:latin typeface="+mj-lt"/>
-            </a:endParaRPr>
           </a:p>
         </p:txBody>
       </p:sp>
@@ -23191,29 +23194,26 @@
               </a:rPr>
               <a:t>7</a:t>
             </a:r>
-            <a:endParaRPr lang="en-US" sz="2800" dirty="0" smtClean="0">
-              <a:latin typeface="+mj-lt"/>
-            </a:endParaRPr>
           </a:p>
         </p:txBody>
       </p:sp>
     </p:spTree>
     <p:extLst>
       <p:ext uri="{BB962C8B-B14F-4D97-AF65-F5344CB8AC3E}">
-        <p14:creationId xmlns:p14="http://schemas.microsoft.com/office/powerpoint/2010/main" val="3134104642"/>
+        <p14:creationId xmlns:p14="http://schemas.microsoft.com/office/powerpoint/2010/main" val="2166097793"/>
       </p:ext>
     </p:extLst>
   </p:cSld>
   <p:clrMapOvr>
     <a:masterClrMapping/>
   </p:clrMapOvr>
-  <mc:AlternateContent xmlns:mc="http://schemas.openxmlformats.org/markup-compatibility/2006">
-    <mc:Choice xmlns:p14="http://schemas.microsoft.com/office/powerpoint/2010/main" Requires="p14">
+  <mc:AlternateContent xmlns:mc="http://schemas.openxmlformats.org/markup-compatibility/2006" xmlns:p14="http://schemas.microsoft.com/office/powerpoint/2010/main">
+    <mc:Choice Requires="p14">
       <p:transition spd="med" p14:dur="700">
         <p:fade/>
       </p:transition>
     </mc:Choice>
-    <mc:Fallback>
+    <mc:Fallback xmlns="">
       <p:transition xmlns:p14="http://schemas.microsoft.com/office/powerpoint/2010/main" spd="med">
         <p:fade/>
       </p:transition>
@@ -23248,15 +23248,42 @@
       </p:grpSpPr>
       <p:sp>
         <p:nvSpPr>
-          <p:cNvPr id="4" name="Slide Number Placeholder 3"/>
-          <p:cNvSpPr>
-            <a:spLocks noGrp="1"/>
+          <p:cNvPr id="66562" name="Rectangle 2"/>
+          <p:cNvSpPr>
+            <a:spLocks noGrp="1" noChangeArrowheads="1"/>
+          </p:cNvSpPr>
+          <p:nvPr>
+            <p:ph type="title"/>
+          </p:nvPr>
+        </p:nvSpPr>
+        <p:spPr/>
+        <p:txBody>
+          <a:bodyPr/>
+          <a:lstStyle/>
+          <a:p>
+            <a:pPr eaLnBrk="1" hangingPunct="1"/>
+            <a:r>
+              <a:rPr lang="en-US" altLang="zh-CN" dirty="0" smtClean="0">
+                <a:ea typeface="宋体" pitchFamily="2" charset="-122"/>
+              </a:rPr>
+              <a:t>Minimum Spanning Trees</a:t>
+            </a:r>
+          </a:p>
+        </p:txBody>
+      </p:sp>
+      <p:sp>
+        <p:nvSpPr>
+          <p:cNvPr id="66565" name="Rectangle 11"/>
+          <p:cNvSpPr>
+            <a:spLocks noGrp="1" noChangeArrowheads="1"/>
           </p:cNvSpPr>
           <p:nvPr>
             <p:ph type="sldNum" sz="quarter" idx="10"/>
           </p:nvPr>
         </p:nvSpPr>
-        <p:spPr/>
+        <p:spPr>
+          <a:noFill/>
+        </p:spPr>
         <p:txBody>
           <a:bodyPr/>
           <a:lstStyle/>
@@ -23266,14 +23293,10 @@
               <a:t>lec</a:t>
             </a:r>
             <a:r>
-              <a:rPr lang="en-US" dirty="0"/>
-              <a:t> </a:t>
-            </a:r>
-            <a:r>
               <a:rPr lang="en-US" dirty="0" smtClean="0"/>
-              <a:t>6M.</a:t>
-            </a:r>
-            <a:fld id="{8CB76801-ECFD-4E75-B29A-84CDB3DBBAA0}" type="slidenum">
+              <a:t> 8F.</a:t>
+            </a:r>
+            <a:fld id="{D3A2648A-3D07-4686-9397-220DF4B6A18C}" type="slidenum">
               <a:rPr lang="en-US" smtClean="0"/>
               <a:pPr/>
               <a:t>31</a:t>
@@ -23284,6 +23307,1275 @@
       </p:sp>
       <p:sp>
         <p:nvSpPr>
+          <p:cNvPr id="4" name="TextBox 3"/>
+          <p:cNvSpPr txBox="1"/>
+          <p:nvPr/>
+        </p:nvSpPr>
+        <p:spPr>
+          <a:xfrm>
+            <a:off x="884445" y="997802"/>
+            <a:ext cx="1049511" cy="769441"/>
+          </a:xfrm>
+          <a:prstGeom prst="rect">
+            <a:avLst/>
+          </a:prstGeom>
+          <a:noFill/>
+        </p:spPr>
+        <p:txBody>
+          <a:bodyPr wrap="none" rtlCol="0">
+            <a:spAutoFit/>
+          </a:bodyPr>
+          <a:lstStyle/>
+          <a:p>
+            <a:r>
+              <a:rPr lang="en-US" sz="4400" dirty="0" err="1" smtClean="0">
+                <a:latin typeface="+mj-lt"/>
+              </a:rPr>
+              <a:t>etc</a:t>
+            </a:r>
+            <a:endParaRPr lang="en-US" sz="4400" dirty="0" smtClean="0">
+              <a:latin typeface="+mj-lt"/>
+            </a:endParaRPr>
+          </a:p>
+        </p:txBody>
+      </p:sp>
+      <p:sp>
+        <p:nvSpPr>
+          <p:cNvPr id="54" name="Oval 5"/>
+          <p:cNvSpPr>
+            <a:spLocks noChangeArrowheads="1"/>
+          </p:cNvSpPr>
+          <p:nvPr/>
+        </p:nvSpPr>
+        <p:spPr bwMode="auto">
+          <a:xfrm>
+            <a:off x="2842590" y="3278189"/>
+            <a:ext cx="276225" cy="276225"/>
+          </a:xfrm>
+          <a:prstGeom prst="ellipse">
+            <a:avLst/>
+          </a:prstGeom>
+          <a:solidFill>
+            <a:schemeClr val="accent1">
+              <a:lumMod val="75000"/>
+            </a:schemeClr>
+          </a:solidFill>
+          <a:ln w="9525">
+            <a:solidFill>
+              <a:schemeClr val="tx1"/>
+            </a:solidFill>
+            <a:round/>
+            <a:headEnd/>
+            <a:tailEnd type="none" w="lg" len="lg"/>
+          </a:ln>
+        </p:spPr>
+        <p:txBody>
+          <a:bodyPr wrap="none" anchor="ctr"/>
+          <a:lstStyle/>
+          <a:p>
+            <a:endParaRPr lang="zh-CN" altLang="en-US">
+              <a:ea typeface="宋体" pitchFamily="2" charset="-122"/>
+            </a:endParaRPr>
+          </a:p>
+        </p:txBody>
+      </p:sp>
+      <p:sp>
+        <p:nvSpPr>
+          <p:cNvPr id="55" name="Oval 6"/>
+          <p:cNvSpPr>
+            <a:spLocks noChangeArrowheads="1"/>
+          </p:cNvSpPr>
+          <p:nvPr/>
+        </p:nvSpPr>
+        <p:spPr bwMode="auto">
+          <a:xfrm>
+            <a:off x="4483748" y="3278189"/>
+            <a:ext cx="276225" cy="276225"/>
+          </a:xfrm>
+          <a:prstGeom prst="ellipse">
+            <a:avLst/>
+          </a:prstGeom>
+          <a:solidFill>
+            <a:schemeClr val="accent1">
+              <a:lumMod val="75000"/>
+            </a:schemeClr>
+          </a:solidFill>
+          <a:ln w="9525">
+            <a:solidFill>
+              <a:schemeClr val="tx1"/>
+            </a:solidFill>
+            <a:round/>
+            <a:headEnd/>
+            <a:tailEnd type="none" w="lg" len="lg"/>
+          </a:ln>
+        </p:spPr>
+        <p:txBody>
+          <a:bodyPr wrap="none" anchor="ctr"/>
+          <a:lstStyle/>
+          <a:p>
+            <a:endParaRPr lang="zh-CN" altLang="en-US">
+              <a:ea typeface="宋体" pitchFamily="2" charset="-122"/>
+            </a:endParaRPr>
+          </a:p>
+        </p:txBody>
+      </p:sp>
+      <p:sp>
+        <p:nvSpPr>
+          <p:cNvPr id="56" name="Oval 7"/>
+          <p:cNvSpPr>
+            <a:spLocks noChangeArrowheads="1"/>
+          </p:cNvSpPr>
+          <p:nvPr/>
+        </p:nvSpPr>
+        <p:spPr bwMode="auto">
+          <a:xfrm>
+            <a:off x="4479009" y="2042893"/>
+            <a:ext cx="276225" cy="276225"/>
+          </a:xfrm>
+          <a:prstGeom prst="ellipse">
+            <a:avLst/>
+          </a:prstGeom>
+          <a:solidFill>
+            <a:schemeClr val="accent1">
+              <a:lumMod val="75000"/>
+            </a:schemeClr>
+          </a:solidFill>
+          <a:ln w="9525">
+            <a:solidFill>
+              <a:schemeClr val="tx1"/>
+            </a:solidFill>
+            <a:round/>
+            <a:headEnd/>
+            <a:tailEnd type="none" w="lg" len="lg"/>
+          </a:ln>
+        </p:spPr>
+        <p:txBody>
+          <a:bodyPr wrap="none" anchor="ctr"/>
+          <a:lstStyle/>
+          <a:p>
+            <a:endParaRPr lang="zh-CN" altLang="en-US">
+              <a:ea typeface="宋体" pitchFamily="2" charset="-122"/>
+            </a:endParaRPr>
+          </a:p>
+        </p:txBody>
+      </p:sp>
+      <p:sp>
+        <p:nvSpPr>
+          <p:cNvPr id="57" name="Oval 8"/>
+          <p:cNvSpPr>
+            <a:spLocks noChangeArrowheads="1"/>
+          </p:cNvSpPr>
+          <p:nvPr/>
+        </p:nvSpPr>
+        <p:spPr bwMode="auto">
+          <a:xfrm>
+            <a:off x="3712694" y="4506058"/>
+            <a:ext cx="276225" cy="276225"/>
+          </a:xfrm>
+          <a:prstGeom prst="ellipse">
+            <a:avLst/>
+          </a:prstGeom>
+          <a:solidFill>
+            <a:schemeClr val="accent1">
+              <a:lumMod val="75000"/>
+            </a:schemeClr>
+          </a:solidFill>
+          <a:ln w="9525">
+            <a:solidFill>
+              <a:schemeClr val="tx1"/>
+            </a:solidFill>
+            <a:round/>
+            <a:headEnd/>
+            <a:tailEnd type="none" w="lg" len="lg"/>
+          </a:ln>
+        </p:spPr>
+        <p:txBody>
+          <a:bodyPr wrap="none" anchor="ctr"/>
+          <a:lstStyle/>
+          <a:p>
+            <a:endParaRPr lang="zh-CN" altLang="en-US">
+              <a:ea typeface="宋体" pitchFamily="2" charset="-122"/>
+            </a:endParaRPr>
+          </a:p>
+        </p:txBody>
+      </p:sp>
+      <p:sp>
+        <p:nvSpPr>
+          <p:cNvPr id="58" name="Oval 9"/>
+          <p:cNvSpPr>
+            <a:spLocks noChangeArrowheads="1"/>
+          </p:cNvSpPr>
+          <p:nvPr/>
+        </p:nvSpPr>
+        <p:spPr bwMode="auto">
+          <a:xfrm>
+            <a:off x="5995280" y="3278189"/>
+            <a:ext cx="277813" cy="276225"/>
+          </a:xfrm>
+          <a:prstGeom prst="ellipse">
+            <a:avLst/>
+          </a:prstGeom>
+          <a:solidFill>
+            <a:schemeClr val="accent1">
+              <a:lumMod val="75000"/>
+            </a:schemeClr>
+          </a:solidFill>
+          <a:ln w="9525">
+            <a:solidFill>
+              <a:schemeClr val="tx1"/>
+            </a:solidFill>
+            <a:round/>
+            <a:headEnd/>
+            <a:tailEnd type="none" w="lg" len="lg"/>
+          </a:ln>
+        </p:spPr>
+        <p:txBody>
+          <a:bodyPr wrap="none" anchor="ctr"/>
+          <a:lstStyle/>
+          <a:p>
+            <a:endParaRPr lang="zh-CN" altLang="en-US">
+              <a:ea typeface="宋体" pitchFamily="2" charset="-122"/>
+            </a:endParaRPr>
+          </a:p>
+        </p:txBody>
+      </p:sp>
+      <p:sp>
+        <p:nvSpPr>
+          <p:cNvPr id="59" name="Oval 10"/>
+          <p:cNvSpPr>
+            <a:spLocks noChangeArrowheads="1"/>
+          </p:cNvSpPr>
+          <p:nvPr/>
+        </p:nvSpPr>
+        <p:spPr bwMode="auto">
+          <a:xfrm>
+            <a:off x="5116040" y="4506058"/>
+            <a:ext cx="276225" cy="276225"/>
+          </a:xfrm>
+          <a:prstGeom prst="ellipse">
+            <a:avLst/>
+          </a:prstGeom>
+          <a:solidFill>
+            <a:schemeClr val="accent1">
+              <a:lumMod val="75000"/>
+            </a:schemeClr>
+          </a:solidFill>
+          <a:ln w="9525">
+            <a:solidFill>
+              <a:schemeClr val="tx1"/>
+            </a:solidFill>
+            <a:round/>
+            <a:headEnd/>
+            <a:tailEnd type="none" w="lg" len="lg"/>
+          </a:ln>
+        </p:spPr>
+        <p:txBody>
+          <a:bodyPr wrap="none" anchor="ctr"/>
+          <a:lstStyle/>
+          <a:p>
+            <a:endParaRPr lang="zh-CN" altLang="en-US">
+              <a:ea typeface="宋体" pitchFamily="2" charset="-122"/>
+            </a:endParaRPr>
+          </a:p>
+        </p:txBody>
+      </p:sp>
+      <p:cxnSp>
+        <p:nvCxnSpPr>
+          <p:cNvPr id="60" name="AutoShape 14"/>
+          <p:cNvCxnSpPr>
+            <a:cxnSpLocks noChangeShapeType="1"/>
+            <a:stCxn id="54" idx="6"/>
+            <a:endCxn id="55" idx="2"/>
+          </p:cNvCxnSpPr>
+          <p:nvPr/>
+        </p:nvCxnSpPr>
+        <p:spPr bwMode="auto">
+          <a:xfrm>
+            <a:off x="3118815" y="3416302"/>
+            <a:ext cx="1364933" cy="0"/>
+          </a:xfrm>
+          <a:prstGeom prst="straightConnector1">
+            <a:avLst/>
+          </a:prstGeom>
+          <a:noFill/>
+          <a:ln w="31750">
+            <a:solidFill>
+              <a:schemeClr val="tx1"/>
+            </a:solidFill>
+            <a:round/>
+            <a:headEnd/>
+            <a:tailEnd type="none" w="lg" len="lg"/>
+          </a:ln>
+        </p:spPr>
+      </p:cxnSp>
+      <p:cxnSp>
+        <p:nvCxnSpPr>
+          <p:cNvPr id="61" name="AutoShape 16"/>
+          <p:cNvCxnSpPr>
+            <a:cxnSpLocks noChangeShapeType="1"/>
+            <a:stCxn id="56" idx="3"/>
+          </p:cNvCxnSpPr>
+          <p:nvPr/>
+        </p:nvCxnSpPr>
+        <p:spPr bwMode="auto">
+          <a:xfrm flipH="1">
+            <a:off x="3080563" y="2278666"/>
+            <a:ext cx="1438898" cy="1030524"/>
+          </a:xfrm>
+          <a:prstGeom prst="straightConnector1">
+            <a:avLst/>
+          </a:prstGeom>
+          <a:noFill/>
+          <a:ln w="38100">
+            <a:solidFill>
+              <a:srgbClr val="FF00FF"/>
+            </a:solidFill>
+            <a:round/>
+            <a:headEnd/>
+            <a:tailEnd type="none" w="lg" len="lg"/>
+          </a:ln>
+        </p:spPr>
+      </p:cxnSp>
+      <p:cxnSp>
+        <p:nvCxnSpPr>
+          <p:cNvPr id="62" name="AutoShape 17"/>
+          <p:cNvCxnSpPr>
+            <a:cxnSpLocks noChangeShapeType="1"/>
+            <a:stCxn id="55" idx="4"/>
+            <a:endCxn id="57" idx="7"/>
+          </p:cNvCxnSpPr>
+          <p:nvPr/>
+        </p:nvCxnSpPr>
+        <p:spPr bwMode="auto">
+          <a:xfrm flipH="1">
+            <a:off x="3948467" y="3554414"/>
+            <a:ext cx="673394" cy="992096"/>
+          </a:xfrm>
+          <a:prstGeom prst="straightConnector1">
+            <a:avLst/>
+          </a:prstGeom>
+          <a:noFill/>
+          <a:ln w="31750">
+            <a:solidFill>
+              <a:schemeClr val="tx1"/>
+            </a:solidFill>
+            <a:round/>
+            <a:headEnd/>
+            <a:tailEnd type="none" w="lg" len="lg"/>
+          </a:ln>
+        </p:spPr>
+      </p:cxnSp>
+      <p:cxnSp>
+        <p:nvCxnSpPr>
+          <p:cNvPr id="63" name="AutoShape 18"/>
+          <p:cNvCxnSpPr>
+            <a:cxnSpLocks noChangeShapeType="1"/>
+            <a:stCxn id="57" idx="6"/>
+            <a:endCxn id="59" idx="2"/>
+          </p:cNvCxnSpPr>
+          <p:nvPr/>
+        </p:nvCxnSpPr>
+        <p:spPr bwMode="auto">
+          <a:xfrm>
+            <a:off x="3988919" y="4644171"/>
+            <a:ext cx="1127121" cy="0"/>
+          </a:xfrm>
+          <a:prstGeom prst="straightConnector1">
+            <a:avLst/>
+          </a:prstGeom>
+          <a:noFill/>
+          <a:ln w="31750">
+            <a:solidFill>
+              <a:srgbClr val="FF00FF"/>
+            </a:solidFill>
+            <a:round/>
+            <a:headEnd/>
+            <a:tailEnd type="none" w="lg" len="lg"/>
+          </a:ln>
+        </p:spPr>
+      </p:cxnSp>
+      <p:cxnSp>
+        <p:nvCxnSpPr>
+          <p:cNvPr id="64" name="AutoShape 19"/>
+          <p:cNvCxnSpPr>
+            <a:cxnSpLocks noChangeShapeType="1"/>
+            <a:stCxn id="59" idx="7"/>
+            <a:endCxn id="58" idx="4"/>
+          </p:cNvCxnSpPr>
+          <p:nvPr/>
+        </p:nvCxnSpPr>
+        <p:spPr bwMode="auto">
+          <a:xfrm flipV="1">
+            <a:off x="5351813" y="3554414"/>
+            <a:ext cx="782374" cy="992096"/>
+          </a:xfrm>
+          <a:prstGeom prst="straightConnector1">
+            <a:avLst/>
+          </a:prstGeom>
+          <a:noFill/>
+          <a:ln w="31750">
+            <a:solidFill>
+              <a:srgbClr val="FF00FF"/>
+            </a:solidFill>
+            <a:round/>
+            <a:headEnd/>
+            <a:tailEnd type="none" w="lg" len="lg"/>
+          </a:ln>
+        </p:spPr>
+      </p:cxnSp>
+      <p:cxnSp>
+        <p:nvCxnSpPr>
+          <p:cNvPr id="65" name="AutoShape 25"/>
+          <p:cNvCxnSpPr>
+            <a:cxnSpLocks noChangeShapeType="1"/>
+            <a:stCxn id="56" idx="5"/>
+            <a:endCxn id="58" idx="1"/>
+          </p:cNvCxnSpPr>
+          <p:nvPr/>
+        </p:nvCxnSpPr>
+        <p:spPr bwMode="auto">
+          <a:xfrm>
+            <a:off x="4714782" y="2278666"/>
+            <a:ext cx="1321183" cy="1039975"/>
+          </a:xfrm>
+          <a:prstGeom prst="straightConnector1">
+            <a:avLst/>
+          </a:prstGeom>
+          <a:noFill/>
+          <a:ln w="38100">
+            <a:solidFill>
+              <a:srgbClr val="FF00FF"/>
+            </a:solidFill>
+            <a:round/>
+            <a:headEnd/>
+            <a:tailEnd type="none" w="lg" len="lg"/>
+          </a:ln>
+        </p:spPr>
+      </p:cxnSp>
+      <p:cxnSp>
+        <p:nvCxnSpPr>
+          <p:cNvPr id="66" name="AutoShape 14"/>
+          <p:cNvCxnSpPr>
+            <a:cxnSpLocks noChangeShapeType="1"/>
+          </p:cNvCxnSpPr>
+          <p:nvPr/>
+        </p:nvCxnSpPr>
+        <p:spPr bwMode="auto">
+          <a:xfrm>
+            <a:off x="4782924" y="3427413"/>
+            <a:ext cx="1235307" cy="0"/>
+          </a:xfrm>
+          <a:prstGeom prst="straightConnector1">
+            <a:avLst/>
+          </a:prstGeom>
+          <a:noFill/>
+          <a:ln w="31750">
+            <a:solidFill>
+              <a:srgbClr val="FF00FF"/>
+            </a:solidFill>
+            <a:round/>
+            <a:headEnd/>
+            <a:tailEnd type="none" w="lg" len="lg"/>
+          </a:ln>
+        </p:spPr>
+      </p:cxnSp>
+      <p:cxnSp>
+        <p:nvCxnSpPr>
+          <p:cNvPr id="68" name="AutoShape 19"/>
+          <p:cNvCxnSpPr>
+            <a:cxnSpLocks noChangeShapeType="1"/>
+            <a:stCxn id="59" idx="1"/>
+            <a:endCxn id="55" idx="4"/>
+          </p:cNvCxnSpPr>
+          <p:nvPr/>
+        </p:nvCxnSpPr>
+        <p:spPr bwMode="auto">
+          <a:xfrm flipH="1" flipV="1">
+            <a:off x="4621861" y="3554414"/>
+            <a:ext cx="534631" cy="992096"/>
+          </a:xfrm>
+          <a:prstGeom prst="straightConnector1">
+            <a:avLst/>
+          </a:prstGeom>
+          <a:noFill/>
+          <a:ln w="31750">
+            <a:solidFill>
+              <a:schemeClr val="tx1"/>
+            </a:solidFill>
+            <a:round/>
+            <a:headEnd/>
+            <a:tailEnd type="none" w="lg" len="lg"/>
+          </a:ln>
+        </p:spPr>
+      </p:cxnSp>
+      <p:cxnSp>
+        <p:nvCxnSpPr>
+          <p:cNvPr id="69" name="AutoShape 19"/>
+          <p:cNvCxnSpPr>
+            <a:cxnSpLocks noChangeShapeType="1"/>
+            <a:stCxn id="57" idx="1"/>
+            <a:endCxn id="54" idx="5"/>
+          </p:cNvCxnSpPr>
+          <p:nvPr/>
+        </p:nvCxnSpPr>
+        <p:spPr bwMode="auto">
+          <a:xfrm flipH="1" flipV="1">
+            <a:off x="3078363" y="3513962"/>
+            <a:ext cx="674783" cy="1032548"/>
+          </a:xfrm>
+          <a:prstGeom prst="straightConnector1">
+            <a:avLst/>
+          </a:prstGeom>
+          <a:noFill/>
+          <a:ln w="31750">
+            <a:solidFill>
+              <a:schemeClr val="tx1"/>
+            </a:solidFill>
+            <a:round/>
+            <a:headEnd/>
+            <a:tailEnd type="none" w="lg" len="lg"/>
+          </a:ln>
+        </p:spPr>
+      </p:cxnSp>
+      <p:sp>
+        <p:nvSpPr>
+          <p:cNvPr id="70" name="TextBox 69"/>
+          <p:cNvSpPr txBox="1"/>
+          <p:nvPr/>
+        </p:nvSpPr>
+        <p:spPr>
+          <a:xfrm>
+            <a:off x="5365893" y="2366003"/>
+            <a:ext cx="403826" cy="523220"/>
+          </a:xfrm>
+          <a:prstGeom prst="rect">
+            <a:avLst/>
+          </a:prstGeom>
+          <a:noFill/>
+        </p:spPr>
+        <p:txBody>
+          <a:bodyPr wrap="none" rtlCol="0">
+            <a:spAutoFit/>
+          </a:bodyPr>
+          <a:lstStyle/>
+          <a:p>
+            <a:r>
+              <a:rPr lang="en-US" sz="2800" dirty="0" smtClean="0">
+                <a:latin typeface="+mj-lt"/>
+              </a:rPr>
+              <a:t>4</a:t>
+            </a:r>
+          </a:p>
+        </p:txBody>
+      </p:sp>
+      <p:sp>
+        <p:nvSpPr>
+          <p:cNvPr id="71" name="TextBox 70"/>
+          <p:cNvSpPr txBox="1"/>
+          <p:nvPr/>
+        </p:nvSpPr>
+        <p:spPr>
+          <a:xfrm>
+            <a:off x="3689089" y="2942448"/>
+            <a:ext cx="403826" cy="523220"/>
+          </a:xfrm>
+          <a:prstGeom prst="rect">
+            <a:avLst/>
+          </a:prstGeom>
+          <a:noFill/>
+        </p:spPr>
+        <p:txBody>
+          <a:bodyPr wrap="none" rtlCol="0">
+            <a:spAutoFit/>
+          </a:bodyPr>
+          <a:lstStyle/>
+          <a:p>
+            <a:r>
+              <a:rPr lang="en-US" sz="2800" dirty="0" smtClean="0">
+                <a:latin typeface="+mj-lt"/>
+              </a:rPr>
+              <a:t>4</a:t>
+            </a:r>
+          </a:p>
+        </p:txBody>
+      </p:sp>
+      <p:sp>
+        <p:nvSpPr>
+          <p:cNvPr id="72" name="TextBox 71"/>
+          <p:cNvSpPr txBox="1"/>
+          <p:nvPr/>
+        </p:nvSpPr>
+        <p:spPr>
+          <a:xfrm>
+            <a:off x="5163575" y="2926872"/>
+            <a:ext cx="346319" cy="523220"/>
+          </a:xfrm>
+          <a:prstGeom prst="rect">
+            <a:avLst/>
+          </a:prstGeom>
+          <a:noFill/>
+        </p:spPr>
+        <p:txBody>
+          <a:bodyPr wrap="none" rtlCol="0">
+            <a:spAutoFit/>
+          </a:bodyPr>
+          <a:lstStyle/>
+          <a:p>
+            <a:r>
+              <a:rPr lang="en-US" sz="2800" dirty="0" smtClean="0">
+                <a:latin typeface="+mj-lt"/>
+              </a:rPr>
+              <a:t>1</a:t>
+            </a:r>
+          </a:p>
+        </p:txBody>
+      </p:sp>
+      <p:sp>
+        <p:nvSpPr>
+          <p:cNvPr id="73" name="TextBox 72"/>
+          <p:cNvSpPr txBox="1"/>
+          <p:nvPr/>
+        </p:nvSpPr>
+        <p:spPr>
+          <a:xfrm>
+            <a:off x="3432483" y="2328207"/>
+            <a:ext cx="403826" cy="523220"/>
+          </a:xfrm>
+          <a:prstGeom prst="rect">
+            <a:avLst/>
+          </a:prstGeom>
+          <a:noFill/>
+        </p:spPr>
+        <p:txBody>
+          <a:bodyPr wrap="none" rtlCol="0">
+            <a:spAutoFit/>
+          </a:bodyPr>
+          <a:lstStyle/>
+          <a:p>
+            <a:r>
+              <a:rPr lang="en-US" sz="2800" dirty="0" smtClean="0">
+                <a:latin typeface="+mj-lt"/>
+              </a:rPr>
+              <a:t>3</a:t>
+            </a:r>
+          </a:p>
+        </p:txBody>
+      </p:sp>
+      <p:sp>
+        <p:nvSpPr>
+          <p:cNvPr id="74" name="TextBox 73"/>
+          <p:cNvSpPr txBox="1"/>
+          <p:nvPr/>
+        </p:nvSpPr>
+        <p:spPr>
+          <a:xfrm>
+            <a:off x="3069636" y="3908060"/>
+            <a:ext cx="403826" cy="523220"/>
+          </a:xfrm>
+          <a:prstGeom prst="rect">
+            <a:avLst/>
+          </a:prstGeom>
+          <a:noFill/>
+        </p:spPr>
+        <p:txBody>
+          <a:bodyPr wrap="none" rtlCol="0">
+            <a:spAutoFit/>
+          </a:bodyPr>
+          <a:lstStyle/>
+          <a:p>
+            <a:r>
+              <a:rPr lang="en-US" sz="2800" dirty="0" smtClean="0">
+                <a:latin typeface="+mj-lt"/>
+              </a:rPr>
+              <a:t>6</a:t>
+            </a:r>
+          </a:p>
+        </p:txBody>
+      </p:sp>
+      <p:sp>
+        <p:nvSpPr>
+          <p:cNvPr id="75" name="TextBox 74"/>
+          <p:cNvSpPr txBox="1"/>
+          <p:nvPr/>
+        </p:nvSpPr>
+        <p:spPr>
+          <a:xfrm>
+            <a:off x="3926217" y="3683162"/>
+            <a:ext cx="403826" cy="523220"/>
+          </a:xfrm>
+          <a:prstGeom prst="rect">
+            <a:avLst/>
+          </a:prstGeom>
+          <a:noFill/>
+        </p:spPr>
+        <p:txBody>
+          <a:bodyPr wrap="none" rtlCol="0">
+            <a:spAutoFit/>
+          </a:bodyPr>
+          <a:lstStyle/>
+          <a:p>
+            <a:r>
+              <a:rPr lang="en-US" sz="2800" dirty="0" smtClean="0">
+                <a:latin typeface="+mj-lt"/>
+              </a:rPr>
+              <a:t>9</a:t>
+            </a:r>
+          </a:p>
+        </p:txBody>
+      </p:sp>
+      <p:sp>
+        <p:nvSpPr>
+          <p:cNvPr id="76" name="TextBox 75"/>
+          <p:cNvSpPr txBox="1"/>
+          <p:nvPr/>
+        </p:nvSpPr>
+        <p:spPr>
+          <a:xfrm>
+            <a:off x="5722980" y="3885384"/>
+            <a:ext cx="403826" cy="523220"/>
+          </a:xfrm>
+          <a:prstGeom prst="rect">
+            <a:avLst/>
+          </a:prstGeom>
+          <a:noFill/>
+        </p:spPr>
+        <p:txBody>
+          <a:bodyPr wrap="none" rtlCol="0">
+            <a:spAutoFit/>
+          </a:bodyPr>
+          <a:lstStyle/>
+          <a:p>
+            <a:r>
+              <a:rPr lang="en-US" sz="2800" dirty="0">
+                <a:latin typeface="+mj-lt"/>
+              </a:rPr>
+              <a:t>2</a:t>
+            </a:r>
+            <a:endParaRPr lang="en-US" sz="2800" dirty="0" smtClean="0">
+              <a:latin typeface="+mj-lt"/>
+            </a:endParaRPr>
+          </a:p>
+        </p:txBody>
+      </p:sp>
+      <p:sp>
+        <p:nvSpPr>
+          <p:cNvPr id="77" name="TextBox 76"/>
+          <p:cNvSpPr txBox="1"/>
+          <p:nvPr/>
+        </p:nvSpPr>
+        <p:spPr>
+          <a:xfrm>
+            <a:off x="4432040" y="4188640"/>
+            <a:ext cx="346319" cy="523220"/>
+          </a:xfrm>
+          <a:prstGeom prst="rect">
+            <a:avLst/>
+          </a:prstGeom>
+          <a:noFill/>
+        </p:spPr>
+        <p:txBody>
+          <a:bodyPr wrap="none" rtlCol="0">
+            <a:spAutoFit/>
+          </a:bodyPr>
+          <a:lstStyle/>
+          <a:p>
+            <a:r>
+              <a:rPr lang="en-US" sz="2800" dirty="0" smtClean="0">
+                <a:latin typeface="+mj-lt"/>
+              </a:rPr>
+              <a:t>1</a:t>
+            </a:r>
+          </a:p>
+        </p:txBody>
+      </p:sp>
+      <p:sp>
+        <p:nvSpPr>
+          <p:cNvPr id="78" name="TextBox 77"/>
+          <p:cNvSpPr txBox="1"/>
+          <p:nvPr/>
+        </p:nvSpPr>
+        <p:spPr>
+          <a:xfrm>
+            <a:off x="4918161" y="3706639"/>
+            <a:ext cx="403826" cy="523220"/>
+          </a:xfrm>
+          <a:prstGeom prst="rect">
+            <a:avLst/>
+          </a:prstGeom>
+          <a:noFill/>
+        </p:spPr>
+        <p:txBody>
+          <a:bodyPr wrap="none" rtlCol="0">
+            <a:spAutoFit/>
+          </a:bodyPr>
+          <a:lstStyle/>
+          <a:p>
+            <a:r>
+              <a:rPr lang="en-US" sz="2800" dirty="0" smtClean="0">
+                <a:latin typeface="+mj-lt"/>
+              </a:rPr>
+              <a:t>7</a:t>
+            </a:r>
+          </a:p>
+        </p:txBody>
+      </p:sp>
+    </p:spTree>
+    <p:extLst>
+      <p:ext uri="{BB962C8B-B14F-4D97-AF65-F5344CB8AC3E}">
+        <p14:creationId xmlns:p14="http://schemas.microsoft.com/office/powerpoint/2010/main" val="3134104642"/>
+      </p:ext>
+    </p:extLst>
+  </p:cSld>
+  <p:clrMapOvr>
+    <a:masterClrMapping/>
+  </p:clrMapOvr>
+  <mc:AlternateContent xmlns:mc="http://schemas.openxmlformats.org/markup-compatibility/2006" xmlns:p14="http://schemas.microsoft.com/office/powerpoint/2010/main">
+    <mc:Choice Requires="p14">
+      <p:transition spd="med" p14:dur="700">
+        <p:fade/>
+      </p:transition>
+    </mc:Choice>
+    <mc:Fallback xmlns="">
+      <p:transition xmlns:p14="http://schemas.microsoft.com/office/powerpoint/2010/main" spd="med">
+        <p:fade/>
+      </p:transition>
+    </mc:Fallback>
+  </mc:AlternateContent>
+  <p:timing>
+    <p:tnLst>
+      <p:par>
+        <p:cTn xmlns:p14="http://schemas.microsoft.com/office/powerpoint/2010/main" id="1" dur="indefinite" restart="never" nodeType="tmRoot"/>
+      </p:par>
+    </p:tnLst>
+  </p:timing>
+</p:sld>
+</file>
+
+<file path=ppt/slides/slide32.xml><?xml version="1.0" encoding="utf-8"?>
+<p:sld xmlns:a="http://schemas.openxmlformats.org/drawingml/2006/main" xmlns:r="http://schemas.openxmlformats.org/officeDocument/2006/relationships" xmlns:p="http://schemas.openxmlformats.org/presentationml/2006/main">
+  <p:cSld>
+    <p:spTree>
+      <p:nvGrpSpPr>
+        <p:cNvPr id="1" name=""/>
+        <p:cNvGrpSpPr/>
+        <p:nvPr/>
+      </p:nvGrpSpPr>
+      <p:grpSpPr>
+        <a:xfrm>
+          <a:off x="0" y="0"/>
+          <a:ext cx="0" cy="0"/>
+          <a:chOff x="0" y="0"/>
+          <a:chExt cx="0" cy="0"/>
+        </a:xfrm>
+      </p:grpSpPr>
+      <p:sp>
+        <p:nvSpPr>
+          <p:cNvPr id="2" name="Title 1"/>
+          <p:cNvSpPr>
+            <a:spLocks noGrp="1"/>
+          </p:cNvSpPr>
+          <p:nvPr>
+            <p:ph type="title"/>
+          </p:nvPr>
+        </p:nvSpPr>
+        <p:spPr/>
+        <p:txBody>
+          <a:bodyPr/>
+          <a:lstStyle/>
+          <a:p>
+            <a:r>
+              <a:rPr lang="en-US" dirty="0" smtClean="0"/>
+              <a:t>Ways to grow an MST</a:t>
+            </a:r>
+            <a:endParaRPr lang="en-US" dirty="0"/>
+          </a:p>
+        </p:txBody>
+      </p:sp>
+      <p:sp>
+        <p:nvSpPr>
+          <p:cNvPr id="3" name="Content Placeholder 2"/>
+          <p:cNvSpPr>
+            <a:spLocks noGrp="1"/>
+          </p:cNvSpPr>
+          <p:nvPr>
+            <p:ph idx="1"/>
+          </p:nvPr>
+        </p:nvSpPr>
+        <p:spPr>
+          <a:xfrm>
+            <a:off x="83087" y="1008968"/>
+            <a:ext cx="9060913" cy="4937998"/>
+          </a:xfrm>
+        </p:spPr>
+        <p:txBody>
+          <a:bodyPr/>
+          <a:lstStyle/>
+          <a:p>
+            <a:pPr marL="571500" indent="-571500">
+              <a:buFont typeface="Arial"/>
+              <a:buChar char="•"/>
+            </a:pPr>
+            <a:r>
+              <a:rPr lang="en-US" sz="4400" dirty="0" smtClean="0"/>
+              <a:t>start at any vertex, keep building one tree.  (</a:t>
+            </a:r>
+            <a:r>
+              <a:rPr lang="en-US" sz="4400" dirty="0" err="1" smtClean="0"/>
+              <a:t>Prin</a:t>
+            </a:r>
+            <a:r>
+              <a:rPr lang="en-US" sz="4400" dirty="0" smtClean="0"/>
+              <a:t>)</a:t>
+            </a:r>
+          </a:p>
+          <a:p>
+            <a:pPr marL="571500" indent="-571500">
+              <a:buFont typeface="Arial"/>
+              <a:buChar char="•"/>
+            </a:pPr>
+            <a:r>
+              <a:rPr lang="en-US" sz="4400" dirty="0" smtClean="0"/>
+              <a:t>keep choosing min weight edge between diff components (</a:t>
+            </a:r>
+            <a:r>
+              <a:rPr lang="en-US" sz="4400" dirty="0" err="1" smtClean="0"/>
+              <a:t>Kruskal</a:t>
+            </a:r>
+            <a:r>
+              <a:rPr lang="en-US" sz="4400" dirty="0" smtClean="0"/>
+              <a:t>)</a:t>
+            </a:r>
+          </a:p>
+          <a:p>
+            <a:pPr marL="571500" indent="-571500">
+              <a:buFont typeface="Arial"/>
+              <a:buChar char="•"/>
+            </a:pPr>
+            <a:r>
+              <a:rPr lang="en-US" sz="4400" dirty="0" smtClean="0"/>
+              <a:t>grow trees in parallel (Meyer)</a:t>
+            </a:r>
+            <a:endParaRPr lang="en-US" sz="4400" dirty="0"/>
+          </a:p>
+        </p:txBody>
+      </p:sp>
+      <p:sp>
+        <p:nvSpPr>
+          <p:cNvPr id="4" name="Slide Number Placeholder 3"/>
+          <p:cNvSpPr>
+            <a:spLocks noGrp="1"/>
+          </p:cNvSpPr>
+          <p:nvPr>
+            <p:ph type="sldNum" sz="quarter" idx="10"/>
+          </p:nvPr>
+        </p:nvSpPr>
+        <p:spPr/>
+        <p:txBody>
+          <a:bodyPr/>
+          <a:lstStyle/>
+          <a:p>
+            <a:pPr>
+              <a:defRPr/>
+            </a:pPr>
+            <a:r>
+              <a:rPr lang="en-US" smtClean="0"/>
+              <a:t>lec 8F.</a:t>
+            </a:r>
+            <a:fld id="{0D6CA1FB-2B00-4BCF-BEED-EFC5FEA944B9}" type="slidenum">
+              <a:rPr lang="en-US" smtClean="0"/>
+              <a:pPr>
+                <a:defRPr/>
+              </a:pPr>
+              <a:t>32</a:t>
+            </a:fld>
+            <a:endParaRPr lang="en-US" dirty="0"/>
+          </a:p>
+        </p:txBody>
+      </p:sp>
+    </p:spTree>
+    <p:extLst>
+      <p:ext uri="{BB962C8B-B14F-4D97-AF65-F5344CB8AC3E}">
+        <p14:creationId xmlns:p14="http://schemas.microsoft.com/office/powerpoint/2010/main" val="2276401830"/>
+      </p:ext>
+    </p:extLst>
+  </p:cSld>
+  <p:clrMapOvr>
+    <a:masterClrMapping/>
+  </p:clrMapOvr>
+  <p:timing>
+    <p:tnLst>
+      <p:par>
+        <p:cTn xmlns:p14="http://schemas.microsoft.com/office/powerpoint/2010/main" id="1" dur="indefinite" restart="never" nodeType="tmRoot">
+          <p:childTnLst>
+            <p:seq concurrent="1" nextAc="seek">
+              <p:cTn id="2" dur="indefinite" nodeType="mainSeq">
+                <p:childTnLst>
+                  <p:par>
+                    <p:cTn id="3" fill="hold">
+                      <p:stCondLst>
+                        <p:cond delay="indefinite"/>
+                      </p:stCondLst>
+                      <p:childTnLst>
+                        <p:par>
+                          <p:cTn id="4" fill="hold">
+                            <p:stCondLst>
+                              <p:cond delay="0"/>
+                            </p:stCondLst>
+                            <p:childTnLst>
+                              <p:par>
+                                <p:cTn id="5" presetID="9" presetClass="entr" presetSubtype="0" fill="hold" grpId="0" nodeType="clickEffect">
+                                  <p:stCondLst>
+                                    <p:cond delay="0"/>
+                                  </p:stCondLst>
+                                  <p:childTnLst>
+                                    <p:set>
+                                      <p:cBhvr>
+                                        <p:cTn id="6" dur="1" fill="hold">
+                                          <p:stCondLst>
+                                            <p:cond delay="0"/>
+                                          </p:stCondLst>
+                                        </p:cTn>
+                                        <p:tgtEl>
+                                          <p:spTgt spid="3">
+                                            <p:txEl>
+                                              <p:pRg st="0" end="0"/>
+                                            </p:txEl>
+                                          </p:spTgt>
+                                        </p:tgtEl>
+                                        <p:attrNameLst>
+                                          <p:attrName>style.visibility</p:attrName>
+                                        </p:attrNameLst>
+                                      </p:cBhvr>
+                                      <p:to>
+                                        <p:strVal val="visible"/>
+                                      </p:to>
+                                    </p:set>
+                                    <p:animEffect transition="in" filter="dissolve">
+                                      <p:cBhvr>
+                                        <p:cTn id="7" dur="500"/>
+                                        <p:tgtEl>
+                                          <p:spTgt spid="3">
+                                            <p:txEl>
+                                              <p:pRg st="0" end="0"/>
+                                            </p:txEl>
+                                          </p:spTgt>
+                                        </p:tgtEl>
+                                      </p:cBhvr>
+                                    </p:animEffect>
+                                  </p:childTnLst>
+                                </p:cTn>
+                              </p:par>
+                            </p:childTnLst>
+                          </p:cTn>
+                        </p:par>
+                      </p:childTnLst>
+                    </p:cTn>
+                  </p:par>
+                  <p:par>
+                    <p:cTn id="8" fill="hold">
+                      <p:stCondLst>
+                        <p:cond delay="indefinite"/>
+                      </p:stCondLst>
+                      <p:childTnLst>
+                        <p:par>
+                          <p:cTn id="9" fill="hold">
+                            <p:stCondLst>
+                              <p:cond delay="0"/>
+                            </p:stCondLst>
+                            <p:childTnLst>
+                              <p:par>
+                                <p:cTn id="10" presetID="9" presetClass="entr" presetSubtype="0" fill="hold" grpId="0" nodeType="clickEffect">
+                                  <p:stCondLst>
+                                    <p:cond delay="0"/>
+                                  </p:stCondLst>
+                                  <p:childTnLst>
+                                    <p:set>
+                                      <p:cBhvr>
+                                        <p:cTn id="11" dur="1" fill="hold">
+                                          <p:stCondLst>
+                                            <p:cond delay="0"/>
+                                          </p:stCondLst>
+                                        </p:cTn>
+                                        <p:tgtEl>
+                                          <p:spTgt spid="3">
+                                            <p:txEl>
+                                              <p:pRg st="1" end="1"/>
+                                            </p:txEl>
+                                          </p:spTgt>
+                                        </p:tgtEl>
+                                        <p:attrNameLst>
+                                          <p:attrName>style.visibility</p:attrName>
+                                        </p:attrNameLst>
+                                      </p:cBhvr>
+                                      <p:to>
+                                        <p:strVal val="visible"/>
+                                      </p:to>
+                                    </p:set>
+                                    <p:animEffect transition="in" filter="dissolve">
+                                      <p:cBhvr>
+                                        <p:cTn id="12" dur="500"/>
+                                        <p:tgtEl>
+                                          <p:spTgt spid="3">
+                                            <p:txEl>
+                                              <p:pRg st="1" end="1"/>
+                                            </p:txEl>
+                                          </p:spTgt>
+                                        </p:tgtEl>
+                                      </p:cBhvr>
+                                    </p:animEffect>
+                                  </p:childTnLst>
+                                </p:cTn>
+                              </p:par>
+                            </p:childTnLst>
+                          </p:cTn>
+                        </p:par>
+                      </p:childTnLst>
+                    </p:cTn>
+                  </p:par>
+                  <p:par>
+                    <p:cTn id="13" fill="hold">
+                      <p:stCondLst>
+                        <p:cond delay="indefinite"/>
+                      </p:stCondLst>
+                      <p:childTnLst>
+                        <p:par>
+                          <p:cTn id="14" fill="hold">
+                            <p:stCondLst>
+                              <p:cond delay="0"/>
+                            </p:stCondLst>
+                            <p:childTnLst>
+                              <p:par>
+                                <p:cTn id="15" presetID="9" presetClass="entr" presetSubtype="0" fill="hold" grpId="0" nodeType="clickEffect">
+                                  <p:stCondLst>
+                                    <p:cond delay="0"/>
+                                  </p:stCondLst>
+                                  <p:childTnLst>
+                                    <p:set>
+                                      <p:cBhvr>
+                                        <p:cTn id="16" dur="1" fill="hold">
+                                          <p:stCondLst>
+                                            <p:cond delay="0"/>
+                                          </p:stCondLst>
+                                        </p:cTn>
+                                        <p:tgtEl>
+                                          <p:spTgt spid="3">
+                                            <p:txEl>
+                                              <p:pRg st="2" end="2"/>
+                                            </p:txEl>
+                                          </p:spTgt>
+                                        </p:tgtEl>
+                                        <p:attrNameLst>
+                                          <p:attrName>style.visibility</p:attrName>
+                                        </p:attrNameLst>
+                                      </p:cBhvr>
+                                      <p:to>
+                                        <p:strVal val="visible"/>
+                                      </p:to>
+                                    </p:set>
+                                    <p:animEffect transition="in" filter="dissolve">
+                                      <p:cBhvr>
+                                        <p:cTn id="17" dur="500"/>
+                                        <p:tgtEl>
+                                          <p:spTgt spid="3">
+                                            <p:txEl>
+                                              <p:pRg st="2" end="2"/>
+                                            </p:txEl>
+                                          </p:spTgt>
+                                        </p:tgtEl>
+                                      </p:cBhvr>
+                                    </p:animEffect>
+                                  </p:childTnLst>
+                                </p:cTn>
+                              </p:par>
+                            </p:childTnLst>
+                          </p:cTn>
+                        </p:par>
+                      </p:childTnLst>
+                    </p:cTn>
+                  </p:par>
+                </p:childTnLst>
+              </p:cTn>
+              <p:prevCondLst>
+                <p:cond evt="onPrev" delay="0">
+                  <p:tgtEl>
+                    <p:sldTgt/>
+                  </p:tgtEl>
+                </p:cond>
+              </p:prevCondLst>
+              <p:nextCondLst>
+                <p:cond evt="onNext" delay="0">
+                  <p:tgtEl>
+                    <p:sldTgt/>
+                  </p:tgtEl>
+                </p:cond>
+              </p:nextCondLst>
+            </p:seq>
+          </p:childTnLst>
+        </p:cTn>
+      </p:par>
+    </p:tnLst>
+    <p:bldLst>
+      <p:bldP spid="3" grpId="0" build="p"/>
+    </p:bldLst>
+  </p:timing>
+</p:sld>
+</file>
+
+<file path=ppt/slides/slide33.xml><?xml version="1.0" encoding="utf-8"?>
+<p:sld xmlns:a="http://schemas.openxmlformats.org/drawingml/2006/main" xmlns:r="http://schemas.openxmlformats.org/officeDocument/2006/relationships" xmlns:p="http://schemas.openxmlformats.org/presentationml/2006/main">
+  <p:cSld>
+    <p:spTree>
+      <p:nvGrpSpPr>
+        <p:cNvPr id="1" name=""/>
+        <p:cNvGrpSpPr/>
+        <p:nvPr/>
+      </p:nvGrpSpPr>
+      <p:grpSpPr>
+        <a:xfrm>
+          <a:off x="0" y="0"/>
+          <a:ext cx="0" cy="0"/>
+          <a:chOff x="0" y="0"/>
+          <a:chExt cx="0" cy="0"/>
+        </a:xfrm>
+      </p:grpSpPr>
+      <p:sp>
+        <p:nvSpPr>
+          <p:cNvPr id="4" name="Slide Number Placeholder 3"/>
+          <p:cNvSpPr>
+            <a:spLocks noGrp="1"/>
+          </p:cNvSpPr>
+          <p:nvPr>
+            <p:ph type="sldNum" sz="quarter" idx="10"/>
+          </p:nvPr>
+        </p:nvSpPr>
+        <p:spPr/>
+        <p:txBody>
+          <a:bodyPr/>
+          <a:lstStyle/>
+          <a:p>
+            <a:r>
+              <a:rPr lang="en-US" dirty="0" err="1"/>
+              <a:t>lec</a:t>
+            </a:r>
+            <a:r>
+              <a:rPr lang="en-US" dirty="0"/>
+              <a:t> </a:t>
+            </a:r>
+            <a:r>
+              <a:rPr lang="en-US" dirty="0" smtClean="0"/>
+              <a:t>6M.</a:t>
+            </a:r>
+            <a:fld id="{8CB76801-ECFD-4E75-B29A-84CDB3DBBAA0}" type="slidenum">
+              <a:rPr lang="en-US" smtClean="0"/>
+              <a:pPr/>
+              <a:t>33</a:t>
+            </a:fld>
+            <a:endParaRPr lang="en-US" dirty="0"/>
+          </a:p>
+        </p:txBody>
+      </p:sp>
+      <p:sp>
+        <p:nvSpPr>
           <p:cNvPr id="572418" name="Rectangle 2"/>
           <p:cNvSpPr>
             <a:spLocks noGrp="1" noChangeArrowheads="1"/>
@@ -23345,11 +24637,7 @@
             </a:pPr>
             <a:r>
               <a:rPr lang="en-US" sz="13800" dirty="0" smtClean="0"/>
-              <a:t>1</a:t>
-            </a:r>
-            <a:r>
-              <a:rPr lang="en-US" sz="13800" dirty="0" smtClean="0"/>
-              <a:t>—3</a:t>
+              <a:t>1—3</a:t>
             </a:r>
             <a:endParaRPr lang="en-US" sz="13800" dirty="0"/>
           </a:p>
@@ -23370,7 +24658,7 @@
 </p:sld>
 </file>
 
-<file path=ppt/slides/slide32.xml><?xml version="1.0" encoding="utf-8"?>
+<file path=ppt/slides/slide34.xml><?xml version="1.0" encoding="utf-8"?>
 <p:sld xmlns:a="http://schemas.openxmlformats.org/drawingml/2006/main" xmlns:r="http://schemas.openxmlformats.org/officeDocument/2006/relationships" xmlns:p="http://schemas.openxmlformats.org/presentationml/2006/main" show="0">
   <p:cSld>
     <p:spTree>
@@ -23413,7 +24701,7 @@
             <a:fld id="{8CB76801-ECFD-4E75-B29A-84CDB3DBBAA0}" type="slidenum">
               <a:rPr lang="en-US" smtClean="0"/>
               <a:pPr/>
-              <a:t>32</a:t>
+              <a:t>34</a:t>
             </a:fld>
             <a:endParaRPr lang="en-US" dirty="0"/>
           </a:p>
@@ -27035,7 +28323,7 @@
 </file>
 
 <file path=ppt/slides/slide9.xml><?xml version="1.0" encoding="utf-8"?>
-<p:sld xmlns:a="http://schemas.openxmlformats.org/drawingml/2006/main" xmlns:r="http://schemas.openxmlformats.org/officeDocument/2006/relationships" xmlns:p="http://schemas.openxmlformats.org/presentationml/2006/main">
+<p:sld xmlns:a="http://schemas.openxmlformats.org/drawingml/2006/main" xmlns:r="http://schemas.openxmlformats.org/officeDocument/2006/relationships" xmlns:p="http://schemas.openxmlformats.org/presentationml/2006/main" show="0">
   <p:cSld>
     <p:spTree>
       <p:nvGrpSpPr>

--- a/fall11/slidesF11/slides9m.pptx
+++ b/fall11/slidesF11/slides9m.pptx
@@ -19867,7 +19867,7 @@
         <p:spPr>
           <a:xfrm>
             <a:off x="884445" y="997802"/>
-            <a:ext cx="4725998" cy="769441"/>
+            <a:ext cx="5541250" cy="769441"/>
           </a:xfrm>
           <a:prstGeom prst="rect">
             <a:avLst/>
@@ -19884,7 +19884,13 @@
               <a:rPr lang="en-US" sz="4400" dirty="0" smtClean="0">
                 <a:latin typeface="+mj-lt"/>
               </a:rPr>
-              <a:t>color components</a:t>
+              <a:t>re-color </a:t>
+            </a:r>
+            <a:r>
+              <a:rPr lang="en-US" sz="4400" dirty="0" smtClean="0">
+                <a:latin typeface="+mj-lt"/>
+              </a:rPr>
+              <a:t>components</a:t>
             </a:r>
           </a:p>
         </p:txBody>
